--- a/images/lec2/Source/From Magnetics (AW).pptx
+++ b/images/lec2/Source/From Magnetics (AW).pptx
@@ -10,6 +10,8 @@
     <p:sldId id="299" r:id="rId4"/>
     <p:sldId id="301" r:id="rId5"/>
     <p:sldId id="302" r:id="rId6"/>
+    <p:sldId id="303" r:id="rId7"/>
+    <p:sldId id="304" r:id="rId8"/>
   </p:sldIdLst>
   <p:sldSz cx="12192000" cy="6858000"/>
   <p:notesSz cx="6858000" cy="9144000"/>
@@ -1241,8 +1243,8 @@
           </p:spPr>
         </p:cxnSp>
       </p:grpSp>
-      <mc:AlternateContent xmlns:mc="http://schemas.openxmlformats.org/markup-compatibility/2006">
-        <mc:Choice xmlns:a14="http://schemas.microsoft.com/office/drawing/2010/main" Requires="a14">
+      <mc:AlternateContent xmlns:mc="http://schemas.openxmlformats.org/markup-compatibility/2006" xmlns:a14="http://schemas.microsoft.com/office/drawing/2010/main">
+        <mc:Choice Requires="a14">
           <p:sp>
             <p:nvSpPr>
               <p:cNvPr id="4" name="TextBox 3">
@@ -1394,7 +1396,7 @@
             </p:txBody>
           </p:sp>
         </mc:Choice>
-        <mc:Fallback>
+        <mc:Fallback xmlns="">
           <p:sp>
             <p:nvSpPr>
               <p:cNvPr id="4" name="TextBox 3">
@@ -3614,227 +3616,206 @@
           <a:chExt cx="0" cy="0"/>
         </a:xfrm>
       </p:grpSpPr>
-      <p:grpSp>
-        <p:nvGrpSpPr>
-          <p:cNvPr id="24" name="Group 23">
+      <p:cxnSp>
+        <p:nvCxnSpPr>
+          <p:cNvPr id="13" name="Straight Connector 12">
             <a:extLst>
               <a:ext uri="{FF2B5EF4-FFF2-40B4-BE49-F238E27FC236}">
-                <a16:creationId xmlns:a16="http://schemas.microsoft.com/office/drawing/2014/main" id="{2FDF2D67-478B-4C14-8837-8C7A5BA03AF8}"/>
+                <a16:creationId xmlns:a16="http://schemas.microsoft.com/office/drawing/2014/main" id="{6658F918-1322-4DFF-A86C-5709CCAD3AF8}"/>
               </a:ext>
             </a:extLst>
           </p:cNvPr>
-          <p:cNvGrpSpPr/>
+          <p:cNvCxnSpPr>
+            <a:cxnSpLocks/>
+          </p:cNvCxnSpPr>
           <p:nvPr/>
-        </p:nvGrpSpPr>
-        <p:grpSpPr>
-          <a:xfrm>
-            <a:off x="2996625" y="1061621"/>
-            <a:ext cx="422325" cy="360002"/>
-            <a:chOff x="1750086" y="1061621"/>
-            <a:chExt cx="422325" cy="360002"/>
+        </p:nvCxnSpPr>
+        <p:spPr>
+          <a:xfrm rot="4500000" flipV="1">
+            <a:off x="2870742" y="1328555"/>
+            <a:ext cx="180000" cy="1"/>
           </a:xfrm>
-        </p:grpSpPr>
-        <p:cxnSp>
-          <p:nvCxnSpPr>
-            <p:cNvPr id="13" name="Straight Connector 12">
-              <a:extLst>
-                <a:ext uri="{FF2B5EF4-FFF2-40B4-BE49-F238E27FC236}">
-                  <a16:creationId xmlns:a16="http://schemas.microsoft.com/office/drawing/2014/main" id="{6658F918-1322-4DFF-A86C-5709CCAD3AF8}"/>
-                </a:ext>
-              </a:extLst>
-            </p:cNvPr>
-            <p:cNvCxnSpPr>
-              <a:cxnSpLocks/>
-            </p:cNvCxnSpPr>
-            <p:nvPr/>
-          </p:nvCxnSpPr>
-          <p:spPr>
-            <a:xfrm rot="4500000" flipV="1">
-              <a:off x="1660087" y="1328555"/>
-              <a:ext cx="180000" cy="1"/>
-            </a:xfrm>
-            <a:prstGeom prst="line">
-              <a:avLst/>
-            </a:prstGeom>
-            <a:noFill/>
-            <a:ln w="12700" cap="flat" cmpd="sng" algn="ctr">
-              <a:solidFill>
-                <a:schemeClr val="tx1"/>
-              </a:solidFill>
-              <a:prstDash val="solid"/>
-              <a:miter lim="800000"/>
-            </a:ln>
-            <a:effectLst/>
-          </p:spPr>
-        </p:cxnSp>
-        <p:cxnSp>
-          <p:nvCxnSpPr>
-            <p:cNvPr id="14" name="Straight Connector 13">
-              <a:extLst>
-                <a:ext uri="{FF2B5EF4-FFF2-40B4-BE49-F238E27FC236}">
-                  <a16:creationId xmlns:a16="http://schemas.microsoft.com/office/drawing/2014/main" id="{6722FF98-5D5F-4E54-8BA0-E73AD2440B6C}"/>
-                </a:ext>
-              </a:extLst>
-            </p:cNvPr>
-            <p:cNvCxnSpPr>
-              <a:cxnSpLocks/>
-            </p:cNvCxnSpPr>
-            <p:nvPr/>
-          </p:nvCxnSpPr>
-          <p:spPr>
-            <a:xfrm rot="17100000" flipV="1">
-              <a:off x="1642986" y="1241622"/>
-              <a:ext cx="360000" cy="1"/>
-            </a:xfrm>
-            <a:prstGeom prst="line">
-              <a:avLst/>
-            </a:prstGeom>
-            <a:noFill/>
-            <a:ln w="12700" cap="flat" cmpd="sng" algn="ctr">
-              <a:solidFill>
-                <a:schemeClr val="tx1"/>
-              </a:solidFill>
-              <a:prstDash val="solid"/>
-              <a:miter lim="800000"/>
-            </a:ln>
-            <a:effectLst/>
-          </p:spPr>
-        </p:cxnSp>
-        <p:cxnSp>
-          <p:nvCxnSpPr>
-            <p:cNvPr id="15" name="Straight Connector 14">
-              <a:extLst>
-                <a:ext uri="{FF2B5EF4-FFF2-40B4-BE49-F238E27FC236}">
-                  <a16:creationId xmlns:a16="http://schemas.microsoft.com/office/drawing/2014/main" id="{73C15389-1BCA-4598-9CFF-7FF6D5110930}"/>
-                </a:ext>
-              </a:extLst>
-            </p:cNvPr>
-            <p:cNvCxnSpPr>
-              <a:cxnSpLocks/>
-            </p:cNvCxnSpPr>
-            <p:nvPr/>
-          </p:nvCxnSpPr>
-          <p:spPr>
-            <a:xfrm rot="4500000" flipH="1" flipV="1">
-              <a:off x="1735816" y="1241621"/>
-              <a:ext cx="360000" cy="1"/>
-            </a:xfrm>
-            <a:prstGeom prst="line">
-              <a:avLst/>
-            </a:prstGeom>
-            <a:noFill/>
-            <a:ln w="12700" cap="flat" cmpd="sng" algn="ctr">
-              <a:solidFill>
-                <a:schemeClr val="tx1"/>
-              </a:solidFill>
-              <a:prstDash val="solid"/>
-              <a:miter lim="800000"/>
-            </a:ln>
-            <a:effectLst/>
-          </p:spPr>
-        </p:cxnSp>
-        <p:cxnSp>
-          <p:nvCxnSpPr>
-            <p:cNvPr id="16" name="Straight Connector 15">
-              <a:extLst>
-                <a:ext uri="{FF2B5EF4-FFF2-40B4-BE49-F238E27FC236}">
-                  <a16:creationId xmlns:a16="http://schemas.microsoft.com/office/drawing/2014/main" id="{FB91480F-A9DA-4670-87A3-84E2D0841AFD}"/>
-                </a:ext>
-              </a:extLst>
-            </p:cNvPr>
-            <p:cNvCxnSpPr>
-              <a:cxnSpLocks/>
-            </p:cNvCxnSpPr>
-            <p:nvPr/>
-          </p:nvCxnSpPr>
-          <p:spPr>
-            <a:xfrm rot="17100000" flipH="1">
-              <a:off x="1827147" y="1241622"/>
-              <a:ext cx="360000" cy="1"/>
-            </a:xfrm>
-            <a:prstGeom prst="line">
-              <a:avLst/>
-            </a:prstGeom>
-            <a:noFill/>
-            <a:ln w="12700" cap="flat" cmpd="sng" algn="ctr">
-              <a:solidFill>
-                <a:schemeClr val="tx1"/>
-              </a:solidFill>
-              <a:prstDash val="solid"/>
-              <a:miter lim="800000"/>
-            </a:ln>
-            <a:effectLst/>
-          </p:spPr>
-        </p:cxnSp>
-        <p:cxnSp>
-          <p:nvCxnSpPr>
-            <p:cNvPr id="17" name="Straight Connector 16">
-              <a:extLst>
-                <a:ext uri="{FF2B5EF4-FFF2-40B4-BE49-F238E27FC236}">
-                  <a16:creationId xmlns:a16="http://schemas.microsoft.com/office/drawing/2014/main" id="{58BDA4E5-F1FB-4EF7-BD9F-C795E8CFA5CF}"/>
-                </a:ext>
-              </a:extLst>
-            </p:cNvPr>
-            <p:cNvCxnSpPr>
-              <a:cxnSpLocks/>
-            </p:cNvCxnSpPr>
-            <p:nvPr/>
-          </p:nvCxnSpPr>
-          <p:spPr>
-            <a:xfrm rot="4500000" flipH="1" flipV="1">
-              <a:off x="1919977" y="1241620"/>
-              <a:ext cx="360000" cy="1"/>
-            </a:xfrm>
-            <a:prstGeom prst="line">
-              <a:avLst/>
-            </a:prstGeom>
-            <a:noFill/>
-            <a:ln w="12700" cap="flat" cmpd="sng" algn="ctr">
-              <a:solidFill>
-                <a:schemeClr val="tx1"/>
-              </a:solidFill>
-              <a:prstDash val="solid"/>
-              <a:miter lim="800000"/>
-            </a:ln>
-            <a:effectLst/>
-          </p:spPr>
-        </p:cxnSp>
-        <p:cxnSp>
-          <p:nvCxnSpPr>
-            <p:cNvPr id="18" name="Straight Connector 17">
-              <a:extLst>
-                <a:ext uri="{FF2B5EF4-FFF2-40B4-BE49-F238E27FC236}">
-                  <a16:creationId xmlns:a16="http://schemas.microsoft.com/office/drawing/2014/main" id="{37D05423-5982-4D43-A312-1D6ECC40E4FA}"/>
-                </a:ext>
-              </a:extLst>
-            </p:cNvPr>
-            <p:cNvCxnSpPr>
-              <a:cxnSpLocks/>
-            </p:cNvCxnSpPr>
-            <p:nvPr/>
-          </p:nvCxnSpPr>
-          <p:spPr>
-            <a:xfrm rot="17100000">
-              <a:off x="2082411" y="1328553"/>
-              <a:ext cx="180000" cy="1"/>
-            </a:xfrm>
-            <a:prstGeom prst="line">
-              <a:avLst/>
-            </a:prstGeom>
-            <a:noFill/>
-            <a:ln w="12700" cap="flat" cmpd="sng" algn="ctr">
-              <a:solidFill>
-                <a:schemeClr val="tx1"/>
-              </a:solidFill>
-              <a:prstDash val="solid"/>
-              <a:miter lim="800000"/>
-            </a:ln>
-            <a:effectLst/>
-          </p:spPr>
-        </p:cxnSp>
-      </p:grpSp>
-      <mc:AlternateContent xmlns:mc="http://schemas.openxmlformats.org/markup-compatibility/2006">
-        <mc:Choice xmlns:a14="http://schemas.microsoft.com/office/drawing/2010/main" Requires="a14">
+          <a:prstGeom prst="line">
+            <a:avLst/>
+          </a:prstGeom>
+          <a:noFill/>
+          <a:ln w="12700" cap="flat" cmpd="sng" algn="ctr">
+            <a:solidFill>
+              <a:schemeClr val="tx1"/>
+            </a:solidFill>
+            <a:prstDash val="solid"/>
+            <a:miter lim="800000"/>
+          </a:ln>
+          <a:effectLst/>
+        </p:spPr>
+      </p:cxnSp>
+      <p:cxnSp>
+        <p:nvCxnSpPr>
+          <p:cNvPr id="14" name="Straight Connector 13">
+            <a:extLst>
+              <a:ext uri="{FF2B5EF4-FFF2-40B4-BE49-F238E27FC236}">
+                <a16:creationId xmlns:a16="http://schemas.microsoft.com/office/drawing/2014/main" id="{6722FF98-5D5F-4E54-8BA0-E73AD2440B6C}"/>
+              </a:ext>
+            </a:extLst>
+          </p:cNvPr>
+          <p:cNvCxnSpPr>
+            <a:cxnSpLocks/>
+          </p:cNvCxnSpPr>
+          <p:nvPr/>
+        </p:nvCxnSpPr>
+        <p:spPr>
+          <a:xfrm rot="17100000" flipV="1">
+            <a:off x="2853641" y="1241622"/>
+            <a:ext cx="360000" cy="1"/>
+          </a:xfrm>
+          <a:prstGeom prst="line">
+            <a:avLst/>
+          </a:prstGeom>
+          <a:noFill/>
+          <a:ln w="12700" cap="flat" cmpd="sng" algn="ctr">
+            <a:solidFill>
+              <a:schemeClr val="tx1"/>
+            </a:solidFill>
+            <a:prstDash val="solid"/>
+            <a:miter lim="800000"/>
+          </a:ln>
+          <a:effectLst/>
+        </p:spPr>
+      </p:cxnSp>
+      <p:cxnSp>
+        <p:nvCxnSpPr>
+          <p:cNvPr id="15" name="Straight Connector 14">
+            <a:extLst>
+              <a:ext uri="{FF2B5EF4-FFF2-40B4-BE49-F238E27FC236}">
+                <a16:creationId xmlns:a16="http://schemas.microsoft.com/office/drawing/2014/main" id="{73C15389-1BCA-4598-9CFF-7FF6D5110930}"/>
+              </a:ext>
+            </a:extLst>
+          </p:cNvPr>
+          <p:cNvCxnSpPr>
+            <a:cxnSpLocks/>
+          </p:cNvCxnSpPr>
+          <p:nvPr/>
+        </p:nvCxnSpPr>
+        <p:spPr>
+          <a:xfrm rot="4500000" flipH="1" flipV="1">
+            <a:off x="2946471" y="1241621"/>
+            <a:ext cx="360000" cy="1"/>
+          </a:xfrm>
+          <a:prstGeom prst="line">
+            <a:avLst/>
+          </a:prstGeom>
+          <a:noFill/>
+          <a:ln w="12700" cap="flat" cmpd="sng" algn="ctr">
+            <a:solidFill>
+              <a:schemeClr val="tx1"/>
+            </a:solidFill>
+            <a:prstDash val="solid"/>
+            <a:miter lim="800000"/>
+          </a:ln>
+          <a:effectLst/>
+        </p:spPr>
+      </p:cxnSp>
+      <p:cxnSp>
+        <p:nvCxnSpPr>
+          <p:cNvPr id="16" name="Straight Connector 15">
+            <a:extLst>
+              <a:ext uri="{FF2B5EF4-FFF2-40B4-BE49-F238E27FC236}">
+                <a16:creationId xmlns:a16="http://schemas.microsoft.com/office/drawing/2014/main" id="{FB91480F-A9DA-4670-87A3-84E2D0841AFD}"/>
+              </a:ext>
+            </a:extLst>
+          </p:cNvPr>
+          <p:cNvCxnSpPr>
+            <a:cxnSpLocks/>
+          </p:cNvCxnSpPr>
+          <p:nvPr/>
+        </p:nvCxnSpPr>
+        <p:spPr>
+          <a:xfrm rot="17100000" flipH="1">
+            <a:off x="3037802" y="1241622"/>
+            <a:ext cx="360000" cy="1"/>
+          </a:xfrm>
+          <a:prstGeom prst="line">
+            <a:avLst/>
+          </a:prstGeom>
+          <a:noFill/>
+          <a:ln w="12700" cap="flat" cmpd="sng" algn="ctr">
+            <a:solidFill>
+              <a:schemeClr val="tx1"/>
+            </a:solidFill>
+            <a:prstDash val="solid"/>
+            <a:miter lim="800000"/>
+          </a:ln>
+          <a:effectLst/>
+        </p:spPr>
+      </p:cxnSp>
+      <p:cxnSp>
+        <p:nvCxnSpPr>
+          <p:cNvPr id="17" name="Straight Connector 16">
+            <a:extLst>
+              <a:ext uri="{FF2B5EF4-FFF2-40B4-BE49-F238E27FC236}">
+                <a16:creationId xmlns:a16="http://schemas.microsoft.com/office/drawing/2014/main" id="{58BDA4E5-F1FB-4EF7-BD9F-C795E8CFA5CF}"/>
+              </a:ext>
+            </a:extLst>
+          </p:cNvPr>
+          <p:cNvCxnSpPr>
+            <a:cxnSpLocks/>
+          </p:cNvCxnSpPr>
+          <p:nvPr/>
+        </p:nvCxnSpPr>
+        <p:spPr>
+          <a:xfrm rot="4500000" flipH="1" flipV="1">
+            <a:off x="3130632" y="1241620"/>
+            <a:ext cx="360000" cy="1"/>
+          </a:xfrm>
+          <a:prstGeom prst="line">
+            <a:avLst/>
+          </a:prstGeom>
+          <a:noFill/>
+          <a:ln w="12700" cap="flat" cmpd="sng" algn="ctr">
+            <a:solidFill>
+              <a:schemeClr val="tx1"/>
+            </a:solidFill>
+            <a:prstDash val="solid"/>
+            <a:miter lim="800000"/>
+          </a:ln>
+          <a:effectLst/>
+        </p:spPr>
+      </p:cxnSp>
+      <p:cxnSp>
+        <p:nvCxnSpPr>
+          <p:cNvPr id="18" name="Straight Connector 17">
+            <a:extLst>
+              <a:ext uri="{FF2B5EF4-FFF2-40B4-BE49-F238E27FC236}">
+                <a16:creationId xmlns:a16="http://schemas.microsoft.com/office/drawing/2014/main" id="{37D05423-5982-4D43-A312-1D6ECC40E4FA}"/>
+              </a:ext>
+            </a:extLst>
+          </p:cNvPr>
+          <p:cNvCxnSpPr>
+            <a:cxnSpLocks/>
+          </p:cNvCxnSpPr>
+          <p:nvPr/>
+        </p:nvCxnSpPr>
+        <p:spPr>
+          <a:xfrm rot="17100000">
+            <a:off x="3293066" y="1328553"/>
+            <a:ext cx="180000" cy="1"/>
+          </a:xfrm>
+          <a:prstGeom prst="line">
+            <a:avLst/>
+          </a:prstGeom>
+          <a:noFill/>
+          <a:ln w="12700" cap="flat" cmpd="sng" algn="ctr">
+            <a:solidFill>
+              <a:schemeClr val="tx1"/>
+            </a:solidFill>
+            <a:prstDash val="solid"/>
+            <a:miter lim="800000"/>
+          </a:ln>
+          <a:effectLst/>
+        </p:spPr>
+      </p:cxnSp>
+      <mc:AlternateContent xmlns:mc="http://schemas.openxmlformats.org/markup-compatibility/2006" xmlns:a14="http://schemas.microsoft.com/office/drawing/2010/main">
+        <mc:Choice Requires="a14">
           <p:sp>
             <p:nvSpPr>
               <p:cNvPr id="4" name="TextBox 3">
@@ -3849,8 +3830,8 @@
             </p:nvSpPr>
             <p:spPr>
               <a:xfrm>
-                <a:off x="2924857" y="738483"/>
-                <a:ext cx="565860" cy="276999"/>
+                <a:off x="3074120" y="738483"/>
+                <a:ext cx="195566" cy="276999"/>
               </a:xfrm>
               <a:prstGeom prst="rect">
                 <a:avLst/>
@@ -3890,7 +3871,10 @@
                     </m:oMathParaPr>
                     <m:oMath xmlns:m="http://schemas.openxmlformats.org/officeDocument/2006/math">
                       <m:r>
-                        <a:rPr kumimoji="0" lang="ar-EG" sz="1800" b="0" i="1" u="none" strike="noStrike" kern="0" cap="none" spc="0" normalizeH="0" baseline="0" noProof="0" smtClean="0">
+                        <m:rPr>
+                          <m:sty m:val="p"/>
+                        </m:rPr>
+                        <a:rPr kumimoji="0" lang="en-US" sz="1800" b="0" i="0" u="none" strike="noStrike" kern="0" cap="none" spc="0" normalizeH="0" baseline="0" noProof="0" smtClean="0">
                           <a:ln>
                             <a:noFill/>
                           </a:ln>
@@ -3902,75 +3886,12 @@
                           <a:uFillTx/>
                           <a:latin typeface="Cambria Math" panose="02040503050406030204" pitchFamily="18" charset="0"/>
                         </a:rPr>
-                        <m:t>0</m:t>
-                      </m:r>
-                      <m:r>
-                        <a:rPr kumimoji="0" lang="ar-EG" sz="1800" b="0" i="1" u="none" strike="noStrike" kern="0" cap="none" spc="0" normalizeH="0" baseline="0" noProof="0" smtClean="0">
-                          <a:ln>
-                            <a:noFill/>
-                          </a:ln>
-                          <a:solidFill>
-                            <a:prstClr val="black"/>
-                          </a:solidFill>
-                          <a:effectLst/>
-                          <a:uLnTx/>
-                          <a:uFillTx/>
-                          <a:latin typeface="Cambria Math" panose="02040503050406030204" pitchFamily="18" charset="0"/>
-                        </a:rPr>
-                        <m:t>.</m:t>
-                      </m:r>
-                      <m:r>
-                        <a:rPr kumimoji="0" lang="ar-EG" sz="1800" b="0" i="1" u="none" strike="noStrike" kern="0" cap="none" spc="0" normalizeH="0" baseline="0" noProof="0" smtClean="0">
-                          <a:ln>
-                            <a:noFill/>
-                          </a:ln>
-                          <a:solidFill>
-                            <a:prstClr val="black"/>
-                          </a:solidFill>
-                          <a:effectLst/>
-                          <a:uLnTx/>
-                          <a:uFillTx/>
-                          <a:latin typeface="Cambria Math" panose="02040503050406030204" pitchFamily="18" charset="0"/>
-                        </a:rPr>
-                        <m:t>0</m:t>
-                      </m:r>
-                      <m:r>
-                        <a:rPr kumimoji="0" lang="en-GB" sz="1800" b="0" i="1" u="none" strike="noStrike" kern="0" cap="none" spc="0" normalizeH="0" baseline="0" noProof="0" smtClean="0">
-                          <a:ln>
-                            <a:noFill/>
-                          </a:ln>
-                          <a:solidFill>
-                            <a:prstClr val="black"/>
-                          </a:solidFill>
-                          <a:effectLst/>
-                          <a:uLnTx/>
-                          <a:uFillTx/>
-                          <a:latin typeface="Cambria Math" panose="02040503050406030204" pitchFamily="18" charset="0"/>
-                        </a:rPr>
-                        <m:t> </m:t>
-                      </m:r>
-                      <m:r>
-                        <m:rPr>
-                          <m:sty m:val="p"/>
-                        </m:rPr>
-                        <a:rPr kumimoji="0" lang="ar-EG" sz="1800" b="0" i="0" u="none" strike="noStrike" kern="0" cap="none" spc="0" normalizeH="0" baseline="0" noProof="0" smtClean="0">
-                          <a:ln>
-                            <a:noFill/>
-                          </a:ln>
-                          <a:solidFill>
-                            <a:prstClr val="black"/>
-                          </a:solidFill>
-                          <a:effectLst/>
-                          <a:uLnTx/>
-                          <a:uFillTx/>
-                          <a:latin typeface="Cambria Math" panose="02040503050406030204" pitchFamily="18" charset="0"/>
-                        </a:rPr>
-                        <m:t>Ω</m:t>
+                        <m:t>R</m:t>
                       </m:r>
                     </m:oMath>
                   </m:oMathPara>
                 </a14:m>
-                <a:endParaRPr kumimoji="0" lang="en-GB" sz="1800" b="0" i="0" u="none" strike="noStrike" kern="0" cap="none" spc="0" normalizeH="0" baseline="0" noProof="0" dirty="0">
+                <a:endParaRPr kumimoji="0" lang="en-GB" sz="1800" b="0" u="none" strike="noStrike" kern="0" cap="none" spc="0" normalizeH="0" baseline="0" noProof="0" dirty="0">
                   <a:ln>
                     <a:noFill/>
                   </a:ln>
@@ -3986,7 +3907,7 @@
             </p:txBody>
           </p:sp>
         </mc:Choice>
-        <mc:Fallback>
+        <mc:Fallback xmlns="">
           <p:sp>
             <p:nvSpPr>
               <p:cNvPr id="4" name="TextBox 3">
@@ -4003,8 +3924,8 @@
             </p:nvSpPr>
             <p:spPr>
               <a:xfrm>
-                <a:off x="2924857" y="738483"/>
-                <a:ext cx="565860" cy="276999"/>
+                <a:off x="3074120" y="738483"/>
+                <a:ext cx="195566" cy="276999"/>
               </a:xfrm>
               <a:prstGeom prst="rect">
                 <a:avLst/>
@@ -4012,7 +3933,7 @@
               <a:blipFill>
                 <a:blip r:embed="rId2"/>
                 <a:stretch>
-                  <a:fillRect l="-9677" r="-9677" b="-6522"/>
+                  <a:fillRect l="-28125" r="-31250" b="-6522"/>
                 </a:stretch>
               </a:blipFill>
               <a:ln w="12700">
@@ -4034,1275 +3955,1254 @@
           </p:sp>
         </mc:Fallback>
       </mc:AlternateContent>
-      <p:grpSp>
-        <p:nvGrpSpPr>
-          <p:cNvPr id="23" name="Group 22">
+      <p:sp>
+        <p:nvSpPr>
+          <p:cNvPr id="64" name="Arc 63">
             <a:extLst>
               <a:ext uri="{FF2B5EF4-FFF2-40B4-BE49-F238E27FC236}">
-                <a16:creationId xmlns:a16="http://schemas.microsoft.com/office/drawing/2014/main" id="{A6B54A46-304F-4C15-A61C-7854064238A0}"/>
+                <a16:creationId xmlns:a16="http://schemas.microsoft.com/office/drawing/2014/main" id="{6D43CF70-A733-4F27-9523-8CD0D6DDD2C7}"/>
               </a:ext>
             </a:extLst>
           </p:cNvPr>
-          <p:cNvGrpSpPr/>
+          <p:cNvSpPr/>
           <p:nvPr/>
-        </p:nvGrpSpPr>
-        <p:grpSpPr>
-          <a:xfrm>
+        </p:nvSpPr>
+        <p:spPr>
+          <a:xfrm rot="333008">
+            <a:off x="5108039" y="1029858"/>
+            <a:ext cx="92037" cy="388224"/>
+          </a:xfrm>
+          <a:prstGeom prst="arc">
+            <a:avLst>
+              <a:gd name="adj1" fmla="val 16187962"/>
+              <a:gd name="adj2" fmla="val 4659982"/>
+            </a:avLst>
+          </a:prstGeom>
+          <a:ln w="12700">
+            <a:solidFill>
+              <a:schemeClr val="tx1"/>
+            </a:solidFill>
+          </a:ln>
+        </p:spPr>
+        <p:style>
+          <a:lnRef idx="1">
+            <a:schemeClr val="accent1"/>
+          </a:lnRef>
+          <a:fillRef idx="0">
+            <a:schemeClr val="accent1"/>
+          </a:fillRef>
+          <a:effectRef idx="0">
+            <a:schemeClr val="accent1"/>
+          </a:effectRef>
+          <a:fontRef idx="minor">
+            <a:schemeClr val="tx1"/>
+          </a:fontRef>
+        </p:style>
+        <p:txBody>
+          <a:bodyPr rtlCol="0" anchor="ctr"/>
+          <a:lstStyle/>
+          <a:p>
+            <a:pPr algn="ctr"/>
+            <a:endParaRPr lang="en-GB" dirty="0"/>
+          </a:p>
+        </p:txBody>
+      </p:sp>
+      <p:sp>
+        <p:nvSpPr>
+          <p:cNvPr id="65" name="Arc 64">
+            <a:extLst>
+              <a:ext uri="{FF2B5EF4-FFF2-40B4-BE49-F238E27FC236}">
+                <a16:creationId xmlns:a16="http://schemas.microsoft.com/office/drawing/2014/main" id="{5DB15A34-E183-4BE7-8F23-E51194DC8DF9}"/>
+              </a:ext>
+            </a:extLst>
+          </p:cNvPr>
+          <p:cNvSpPr/>
+          <p:nvPr/>
+        </p:nvSpPr>
+        <p:spPr>
+          <a:xfrm rot="20943522" flipH="1">
+            <a:off x="5136262" y="1027344"/>
+            <a:ext cx="147154" cy="388224"/>
+          </a:xfrm>
+          <a:prstGeom prst="arc">
+            <a:avLst>
+              <a:gd name="adj1" fmla="val 16187962"/>
+              <a:gd name="adj2" fmla="val 9382128"/>
+            </a:avLst>
+          </a:prstGeom>
+          <a:ln w="12700">
+            <a:solidFill>
+              <a:schemeClr val="tx1"/>
+            </a:solidFill>
+          </a:ln>
+        </p:spPr>
+        <p:style>
+          <a:lnRef idx="1">
+            <a:schemeClr val="accent1"/>
+          </a:lnRef>
+          <a:fillRef idx="0">
+            <a:schemeClr val="accent1"/>
+          </a:fillRef>
+          <a:effectRef idx="0">
+            <a:schemeClr val="accent1"/>
+          </a:effectRef>
+          <a:fontRef idx="minor">
+            <a:schemeClr val="tx1"/>
+          </a:fontRef>
+        </p:style>
+        <p:txBody>
+          <a:bodyPr rtlCol="0" anchor="ctr"/>
+          <a:lstStyle/>
+          <a:p>
+            <a:pPr algn="ctr"/>
+            <a:endParaRPr lang="en-GB" dirty="0"/>
+          </a:p>
+        </p:txBody>
+      </p:sp>
+      <p:sp>
+        <p:nvSpPr>
+          <p:cNvPr id="66" name="Arc 65">
+            <a:extLst>
+              <a:ext uri="{FF2B5EF4-FFF2-40B4-BE49-F238E27FC236}">
+                <a16:creationId xmlns:a16="http://schemas.microsoft.com/office/drawing/2014/main" id="{D2C2D4AA-33AF-42F0-B1D6-B76DC976CCC6}"/>
+              </a:ext>
+            </a:extLst>
+          </p:cNvPr>
+          <p:cNvSpPr/>
+          <p:nvPr/>
+        </p:nvSpPr>
+        <p:spPr>
+          <a:xfrm rot="333008">
+            <a:off x="4969736" y="1029858"/>
+            <a:ext cx="92037" cy="388224"/>
+          </a:xfrm>
+          <a:prstGeom prst="arc">
+            <a:avLst>
+              <a:gd name="adj1" fmla="val 16187962"/>
+              <a:gd name="adj2" fmla="val 4731878"/>
+            </a:avLst>
+          </a:prstGeom>
+          <a:ln w="12700">
+            <a:solidFill>
+              <a:schemeClr val="tx1"/>
+            </a:solidFill>
+          </a:ln>
+        </p:spPr>
+        <p:style>
+          <a:lnRef idx="1">
+            <a:schemeClr val="accent1"/>
+          </a:lnRef>
+          <a:fillRef idx="0">
+            <a:schemeClr val="accent1"/>
+          </a:fillRef>
+          <a:effectRef idx="0">
+            <a:schemeClr val="accent1"/>
+          </a:effectRef>
+          <a:fontRef idx="minor">
+            <a:schemeClr val="tx1"/>
+          </a:fontRef>
+        </p:style>
+        <p:txBody>
+          <a:bodyPr rtlCol="0" anchor="ctr"/>
+          <a:lstStyle/>
+          <a:p>
+            <a:pPr algn="ctr"/>
+            <a:endParaRPr lang="en-GB" dirty="0"/>
+          </a:p>
+        </p:txBody>
+      </p:sp>
+      <p:sp>
+        <p:nvSpPr>
+          <p:cNvPr id="67" name="Arc 66">
+            <a:extLst>
+              <a:ext uri="{FF2B5EF4-FFF2-40B4-BE49-F238E27FC236}">
+                <a16:creationId xmlns:a16="http://schemas.microsoft.com/office/drawing/2014/main" id="{69EE39ED-77BA-4222-ABCF-A0B1934F2093}"/>
+              </a:ext>
+            </a:extLst>
+          </p:cNvPr>
+          <p:cNvSpPr/>
+          <p:nvPr/>
+        </p:nvSpPr>
+        <p:spPr>
+          <a:xfrm rot="20943522" flipH="1">
+            <a:off x="4997959" y="1027344"/>
+            <a:ext cx="147154" cy="388224"/>
+          </a:xfrm>
+          <a:prstGeom prst="arc">
+            <a:avLst>
+              <a:gd name="adj1" fmla="val 16187962"/>
+              <a:gd name="adj2" fmla="val 4509191"/>
+            </a:avLst>
+          </a:prstGeom>
+          <a:ln w="12700">
+            <a:solidFill>
+              <a:schemeClr val="tx1"/>
+            </a:solidFill>
+          </a:ln>
+        </p:spPr>
+        <p:style>
+          <a:lnRef idx="1">
+            <a:schemeClr val="accent1"/>
+          </a:lnRef>
+          <a:fillRef idx="0">
+            <a:schemeClr val="accent1"/>
+          </a:fillRef>
+          <a:effectRef idx="0">
+            <a:schemeClr val="accent1"/>
+          </a:effectRef>
+          <a:fontRef idx="minor">
+            <a:schemeClr val="tx1"/>
+          </a:fontRef>
+        </p:style>
+        <p:txBody>
+          <a:bodyPr rtlCol="0" anchor="ctr"/>
+          <a:lstStyle/>
+          <a:p>
+            <a:pPr algn="ctr"/>
+            <a:endParaRPr lang="en-GB" dirty="0"/>
+          </a:p>
+        </p:txBody>
+      </p:sp>
+      <p:sp>
+        <p:nvSpPr>
+          <p:cNvPr id="68" name="Arc 67">
+            <a:extLst>
+              <a:ext uri="{FF2B5EF4-FFF2-40B4-BE49-F238E27FC236}">
+                <a16:creationId xmlns:a16="http://schemas.microsoft.com/office/drawing/2014/main" id="{78861215-50FA-4B4C-8061-EB735CA13825}"/>
+              </a:ext>
+            </a:extLst>
+          </p:cNvPr>
+          <p:cNvSpPr/>
+          <p:nvPr/>
+        </p:nvSpPr>
+        <p:spPr>
+          <a:xfrm flipH="1">
+            <a:off x="5000468" y="905090"/>
+            <a:ext cx="218165" cy="507738"/>
+          </a:xfrm>
+          <a:prstGeom prst="arc">
+            <a:avLst>
+              <a:gd name="adj1" fmla="val 4353185"/>
+              <a:gd name="adj2" fmla="val 6415383"/>
+            </a:avLst>
+          </a:prstGeom>
+          <a:ln w="12700">
+            <a:solidFill>
+              <a:schemeClr val="tx1"/>
+            </a:solidFill>
+          </a:ln>
+        </p:spPr>
+        <p:style>
+          <a:lnRef idx="1">
+            <a:schemeClr val="accent1"/>
+          </a:lnRef>
+          <a:fillRef idx="0">
+            <a:schemeClr val="accent1"/>
+          </a:fillRef>
+          <a:effectRef idx="0">
+            <a:schemeClr val="accent1"/>
+          </a:effectRef>
+          <a:fontRef idx="minor">
+            <a:schemeClr val="tx1"/>
+          </a:fontRef>
+        </p:style>
+        <p:txBody>
+          <a:bodyPr rtlCol="0" anchor="ctr"/>
+          <a:lstStyle/>
+          <a:p>
+            <a:pPr algn="ctr"/>
+            <a:endParaRPr lang="en-GB" dirty="0"/>
+          </a:p>
+        </p:txBody>
+      </p:sp>
+      <p:sp>
+        <p:nvSpPr>
+          <p:cNvPr id="58" name="Arc 57">
+            <a:extLst>
+              <a:ext uri="{FF2B5EF4-FFF2-40B4-BE49-F238E27FC236}">
+                <a16:creationId xmlns:a16="http://schemas.microsoft.com/office/drawing/2014/main" id="{6B7BB04D-C262-4037-93DD-66CE25079183}"/>
+              </a:ext>
+            </a:extLst>
+          </p:cNvPr>
+          <p:cNvSpPr/>
+          <p:nvPr/>
+        </p:nvSpPr>
+        <p:spPr>
+          <a:xfrm rot="20943522" flipH="1">
+            <a:off x="4860800" y="1027344"/>
+            <a:ext cx="147154" cy="388224"/>
+          </a:xfrm>
+          <a:prstGeom prst="arc">
+            <a:avLst>
+              <a:gd name="adj1" fmla="val 16187962"/>
+              <a:gd name="adj2" fmla="val 4540538"/>
+            </a:avLst>
+          </a:prstGeom>
+          <a:ln w="12700">
+            <a:solidFill>
+              <a:schemeClr val="tx1"/>
+            </a:solidFill>
+          </a:ln>
+        </p:spPr>
+        <p:style>
+          <a:lnRef idx="1">
+            <a:schemeClr val="accent1"/>
+          </a:lnRef>
+          <a:fillRef idx="0">
+            <a:schemeClr val="accent1"/>
+          </a:fillRef>
+          <a:effectRef idx="0">
+            <a:schemeClr val="accent1"/>
+          </a:effectRef>
+          <a:fontRef idx="minor">
+            <a:schemeClr val="tx1"/>
+          </a:fontRef>
+        </p:style>
+        <p:txBody>
+          <a:bodyPr rtlCol="0" anchor="ctr"/>
+          <a:lstStyle/>
+          <a:p>
+            <a:pPr algn="ctr"/>
+            <a:endParaRPr lang="en-GB" dirty="0"/>
+          </a:p>
+        </p:txBody>
+      </p:sp>
+      <p:sp>
+        <p:nvSpPr>
+          <p:cNvPr id="60" name="Arc 59">
+            <a:extLst>
+              <a:ext uri="{FF2B5EF4-FFF2-40B4-BE49-F238E27FC236}">
+                <a16:creationId xmlns:a16="http://schemas.microsoft.com/office/drawing/2014/main" id="{D21C5B7E-C34B-4B77-91A0-E62911F696EE}"/>
+              </a:ext>
+            </a:extLst>
+          </p:cNvPr>
+          <p:cNvSpPr/>
+          <p:nvPr/>
+        </p:nvSpPr>
+        <p:spPr>
+          <a:xfrm rot="333008">
+            <a:off x="4832577" y="1029858"/>
+            <a:ext cx="92037" cy="388224"/>
+          </a:xfrm>
+          <a:prstGeom prst="arc">
+            <a:avLst>
+              <a:gd name="adj1" fmla="val 16187962"/>
+              <a:gd name="adj2" fmla="val 4659982"/>
+            </a:avLst>
+          </a:prstGeom>
+          <a:ln w="12700">
+            <a:solidFill>
+              <a:schemeClr val="tx1"/>
+            </a:solidFill>
+          </a:ln>
+        </p:spPr>
+        <p:style>
+          <a:lnRef idx="1">
+            <a:schemeClr val="accent1"/>
+          </a:lnRef>
+          <a:fillRef idx="0">
+            <a:schemeClr val="accent1"/>
+          </a:fillRef>
+          <a:effectRef idx="0">
+            <a:schemeClr val="accent1"/>
+          </a:effectRef>
+          <a:fontRef idx="minor">
+            <a:schemeClr val="tx1"/>
+          </a:fontRef>
+        </p:style>
+        <p:txBody>
+          <a:bodyPr rtlCol="0" anchor="ctr"/>
+          <a:lstStyle/>
+          <a:p>
+            <a:pPr algn="ctr"/>
+            <a:endParaRPr lang="en-GB" dirty="0"/>
+          </a:p>
+        </p:txBody>
+      </p:sp>
+      <p:sp>
+        <p:nvSpPr>
+          <p:cNvPr id="61" name="Arc 60">
+            <a:extLst>
+              <a:ext uri="{FF2B5EF4-FFF2-40B4-BE49-F238E27FC236}">
+                <a16:creationId xmlns:a16="http://schemas.microsoft.com/office/drawing/2014/main" id="{C4F5E54F-7FD2-4500-850E-962C3A3ABBD6}"/>
+              </a:ext>
+            </a:extLst>
+          </p:cNvPr>
+          <p:cNvSpPr/>
+          <p:nvPr/>
+        </p:nvSpPr>
+        <p:spPr>
+          <a:xfrm rot="333008">
+            <a:off x="4694274" y="1029858"/>
+            <a:ext cx="92037" cy="388224"/>
+          </a:xfrm>
+          <a:prstGeom prst="arc">
+            <a:avLst>
+              <a:gd name="adj1" fmla="val 16187962"/>
+              <a:gd name="adj2" fmla="val 4654946"/>
+            </a:avLst>
+          </a:prstGeom>
+          <a:ln w="12700">
+            <a:solidFill>
+              <a:schemeClr val="tx1"/>
+            </a:solidFill>
+          </a:ln>
+        </p:spPr>
+        <p:style>
+          <a:lnRef idx="1">
+            <a:schemeClr val="accent1"/>
+          </a:lnRef>
+          <a:fillRef idx="0">
+            <a:schemeClr val="accent1"/>
+          </a:fillRef>
+          <a:effectRef idx="0">
+            <a:schemeClr val="accent1"/>
+          </a:effectRef>
+          <a:fontRef idx="minor">
+            <a:schemeClr val="tx1"/>
+          </a:fontRef>
+        </p:style>
+        <p:txBody>
+          <a:bodyPr rtlCol="0" anchor="ctr"/>
+          <a:lstStyle/>
+          <a:p>
+            <a:pPr algn="ctr"/>
+            <a:endParaRPr lang="en-GB" dirty="0"/>
+          </a:p>
+        </p:txBody>
+      </p:sp>
+      <p:sp>
+        <p:nvSpPr>
+          <p:cNvPr id="62" name="Arc 61">
+            <a:extLst>
+              <a:ext uri="{FF2B5EF4-FFF2-40B4-BE49-F238E27FC236}">
+                <a16:creationId xmlns:a16="http://schemas.microsoft.com/office/drawing/2014/main" id="{35B99709-B0E0-410A-852C-35459C61044D}"/>
+              </a:ext>
+            </a:extLst>
+          </p:cNvPr>
+          <p:cNvSpPr/>
+          <p:nvPr/>
+        </p:nvSpPr>
+        <p:spPr>
+          <a:xfrm rot="20943522" flipH="1">
+            <a:off x="4722497" y="1027344"/>
+            <a:ext cx="147154" cy="388224"/>
+          </a:xfrm>
+          <a:prstGeom prst="arc">
+            <a:avLst>
+              <a:gd name="adj1" fmla="val 16187962"/>
+              <a:gd name="adj2" fmla="val 4509191"/>
+            </a:avLst>
+          </a:prstGeom>
+          <a:ln w="12700">
+            <a:solidFill>
+              <a:schemeClr val="tx1"/>
+            </a:solidFill>
+          </a:ln>
+        </p:spPr>
+        <p:style>
+          <a:lnRef idx="1">
+            <a:schemeClr val="accent1"/>
+          </a:lnRef>
+          <a:fillRef idx="0">
+            <a:schemeClr val="accent1"/>
+          </a:fillRef>
+          <a:effectRef idx="0">
+            <a:schemeClr val="accent1"/>
+          </a:effectRef>
+          <a:fontRef idx="minor">
+            <a:schemeClr val="tx1"/>
+          </a:fontRef>
+        </p:style>
+        <p:txBody>
+          <a:bodyPr rtlCol="0" anchor="ctr"/>
+          <a:lstStyle/>
+          <a:p>
+            <a:pPr algn="ctr"/>
+            <a:endParaRPr lang="en-GB" dirty="0"/>
+          </a:p>
+        </p:txBody>
+      </p:sp>
+      <p:sp>
+        <p:nvSpPr>
+          <p:cNvPr id="63" name="Arc 62">
+            <a:extLst>
+              <a:ext uri="{FF2B5EF4-FFF2-40B4-BE49-F238E27FC236}">
+                <a16:creationId xmlns:a16="http://schemas.microsoft.com/office/drawing/2014/main" id="{744FCAFE-CA0A-4650-A3F3-929F5BFF9047}"/>
+              </a:ext>
+            </a:extLst>
+          </p:cNvPr>
+          <p:cNvSpPr/>
+          <p:nvPr/>
+        </p:nvSpPr>
+        <p:spPr>
+          <a:xfrm flipH="1">
+            <a:off x="4725006" y="905090"/>
+            <a:ext cx="218166" cy="507738"/>
+          </a:xfrm>
+          <a:prstGeom prst="arc">
+            <a:avLst>
+              <a:gd name="adj1" fmla="val 4353185"/>
+              <a:gd name="adj2" fmla="val 6415383"/>
+            </a:avLst>
+          </a:prstGeom>
+          <a:ln w="12700">
+            <a:solidFill>
+              <a:schemeClr val="tx1"/>
+            </a:solidFill>
+          </a:ln>
+        </p:spPr>
+        <p:style>
+          <a:lnRef idx="1">
+            <a:schemeClr val="accent1"/>
+          </a:lnRef>
+          <a:fillRef idx="0">
+            <a:schemeClr val="accent1"/>
+          </a:fillRef>
+          <a:effectRef idx="0">
+            <a:schemeClr val="accent1"/>
+          </a:effectRef>
+          <a:fontRef idx="minor">
+            <a:schemeClr val="tx1"/>
+          </a:fontRef>
+        </p:style>
+        <p:txBody>
+          <a:bodyPr rtlCol="0" anchor="ctr"/>
+          <a:lstStyle/>
+          <a:p>
+            <a:pPr algn="ctr"/>
+            <a:endParaRPr lang="en-GB" dirty="0"/>
+          </a:p>
+        </p:txBody>
+      </p:sp>
+      <p:sp>
+        <p:nvSpPr>
+          <p:cNvPr id="56" name="Arc 55">
+            <a:extLst>
+              <a:ext uri="{FF2B5EF4-FFF2-40B4-BE49-F238E27FC236}">
+                <a16:creationId xmlns:a16="http://schemas.microsoft.com/office/drawing/2014/main" id="{B2C12CC3-C03C-4912-B0FB-0128EB0FDA84}"/>
+              </a:ext>
+            </a:extLst>
+          </p:cNvPr>
+          <p:cNvSpPr/>
+          <p:nvPr/>
+        </p:nvSpPr>
+        <p:spPr>
+          <a:xfrm flipH="1">
+            <a:off x="4863413" y="905090"/>
+            <a:ext cx="218165" cy="507738"/>
+          </a:xfrm>
+          <a:prstGeom prst="arc">
+            <a:avLst>
+              <a:gd name="adj1" fmla="val 4353185"/>
+              <a:gd name="adj2" fmla="val 6415383"/>
+            </a:avLst>
+          </a:prstGeom>
+          <a:ln w="12700">
+            <a:solidFill>
+              <a:schemeClr val="tx1"/>
+            </a:solidFill>
+          </a:ln>
+        </p:spPr>
+        <p:style>
+          <a:lnRef idx="1">
+            <a:schemeClr val="accent1"/>
+          </a:lnRef>
+          <a:fillRef idx="0">
+            <a:schemeClr val="accent1"/>
+          </a:fillRef>
+          <a:effectRef idx="0">
+            <a:schemeClr val="accent1"/>
+          </a:effectRef>
+          <a:fontRef idx="minor">
+            <a:schemeClr val="tx1"/>
+          </a:fontRef>
+        </p:style>
+        <p:txBody>
+          <a:bodyPr rtlCol="0" anchor="ctr"/>
+          <a:lstStyle/>
+          <a:p>
+            <a:pPr algn="ctr"/>
+            <a:endParaRPr lang="en-GB" dirty="0"/>
+          </a:p>
+        </p:txBody>
+      </p:sp>
+      <p:sp>
+        <p:nvSpPr>
+          <p:cNvPr id="57" name="Arc 56">
+            <a:extLst>
+              <a:ext uri="{FF2B5EF4-FFF2-40B4-BE49-F238E27FC236}">
+                <a16:creationId xmlns:a16="http://schemas.microsoft.com/office/drawing/2014/main" id="{424D64F1-74FA-4B5B-BD1E-BE3CA50996EF}"/>
+              </a:ext>
+            </a:extLst>
+          </p:cNvPr>
+          <p:cNvSpPr/>
+          <p:nvPr/>
+        </p:nvSpPr>
+        <p:spPr>
+          <a:xfrm flipH="1">
+            <a:off x="4586744" y="905090"/>
+            <a:ext cx="218165" cy="507738"/>
+          </a:xfrm>
+          <a:prstGeom prst="arc">
+            <a:avLst>
+              <a:gd name="adj1" fmla="val 4353185"/>
+              <a:gd name="adj2" fmla="val 6415383"/>
+            </a:avLst>
+          </a:prstGeom>
+          <a:ln w="12700">
+            <a:solidFill>
+              <a:schemeClr val="tx1"/>
+            </a:solidFill>
+          </a:ln>
+        </p:spPr>
+        <p:style>
+          <a:lnRef idx="1">
+            <a:schemeClr val="accent1"/>
+          </a:lnRef>
+          <a:fillRef idx="0">
+            <a:schemeClr val="accent1"/>
+          </a:fillRef>
+          <a:effectRef idx="0">
+            <a:schemeClr val="accent1"/>
+          </a:effectRef>
+          <a:fontRef idx="minor">
+            <a:schemeClr val="tx1"/>
+          </a:fontRef>
+        </p:style>
+        <p:txBody>
+          <a:bodyPr rtlCol="0" anchor="ctr"/>
+          <a:lstStyle/>
+          <a:p>
+            <a:pPr algn="ctr"/>
+            <a:endParaRPr lang="en-GB" dirty="0"/>
+          </a:p>
+        </p:txBody>
+      </p:sp>
+      <p:sp>
+        <p:nvSpPr>
+          <p:cNvPr id="49" name="Arc 48">
+            <a:extLst>
+              <a:ext uri="{FF2B5EF4-FFF2-40B4-BE49-F238E27FC236}">
+                <a16:creationId xmlns:a16="http://schemas.microsoft.com/office/drawing/2014/main" id="{346243C8-C29F-4FBE-A456-1F39719CDE19}"/>
+              </a:ext>
+            </a:extLst>
+          </p:cNvPr>
+          <p:cNvSpPr/>
+          <p:nvPr/>
+        </p:nvSpPr>
+        <p:spPr>
+          <a:xfrm rot="333008">
+            <a:off x="4555856" y="1029858"/>
+            <a:ext cx="92037" cy="388224"/>
+          </a:xfrm>
+          <a:prstGeom prst="arc">
+            <a:avLst>
+              <a:gd name="adj1" fmla="val 16187962"/>
+              <a:gd name="adj2" fmla="val 4659982"/>
+            </a:avLst>
+          </a:prstGeom>
+          <a:ln w="12700">
+            <a:solidFill>
+              <a:schemeClr val="tx1"/>
+            </a:solidFill>
+          </a:ln>
+        </p:spPr>
+        <p:style>
+          <a:lnRef idx="1">
+            <a:schemeClr val="accent1"/>
+          </a:lnRef>
+          <a:fillRef idx="0">
+            <a:schemeClr val="accent1"/>
+          </a:fillRef>
+          <a:effectRef idx="0">
+            <a:schemeClr val="accent1"/>
+          </a:effectRef>
+          <a:fontRef idx="minor">
+            <a:schemeClr val="tx1"/>
+          </a:fontRef>
+        </p:style>
+        <p:txBody>
+          <a:bodyPr rtlCol="0" anchor="ctr"/>
+          <a:lstStyle/>
+          <a:p>
+            <a:pPr algn="ctr"/>
+            <a:endParaRPr lang="en-GB" dirty="0"/>
+          </a:p>
+        </p:txBody>
+      </p:sp>
+      <p:sp>
+        <p:nvSpPr>
+          <p:cNvPr id="50" name="Arc 49">
+            <a:extLst>
+              <a:ext uri="{FF2B5EF4-FFF2-40B4-BE49-F238E27FC236}">
+                <a16:creationId xmlns:a16="http://schemas.microsoft.com/office/drawing/2014/main" id="{4F89DD61-39D2-428E-BDD9-A79A47E49D9E}"/>
+              </a:ext>
+            </a:extLst>
+          </p:cNvPr>
+          <p:cNvSpPr/>
+          <p:nvPr/>
+        </p:nvSpPr>
+        <p:spPr>
+          <a:xfrm rot="20943522" flipH="1">
+            <a:off x="4584079" y="1027344"/>
+            <a:ext cx="147154" cy="388224"/>
+          </a:xfrm>
+          <a:prstGeom prst="arc">
+            <a:avLst>
+              <a:gd name="adj1" fmla="val 16187962"/>
+              <a:gd name="adj2" fmla="val 4159597"/>
+            </a:avLst>
+          </a:prstGeom>
+          <a:ln w="12700">
+            <a:solidFill>
+              <a:schemeClr val="tx1"/>
+            </a:solidFill>
+          </a:ln>
+        </p:spPr>
+        <p:style>
+          <a:lnRef idx="1">
+            <a:schemeClr val="accent1"/>
+          </a:lnRef>
+          <a:fillRef idx="0">
+            <a:schemeClr val="accent1"/>
+          </a:fillRef>
+          <a:effectRef idx="0">
+            <a:schemeClr val="accent1"/>
+          </a:effectRef>
+          <a:fontRef idx="minor">
+            <a:schemeClr val="tx1"/>
+          </a:fontRef>
+        </p:style>
+        <p:txBody>
+          <a:bodyPr rtlCol="0" anchor="ctr"/>
+          <a:lstStyle/>
+          <a:p>
+            <a:pPr algn="ctr"/>
+            <a:endParaRPr lang="en-GB" dirty="0"/>
+          </a:p>
+        </p:txBody>
+      </p:sp>
+      <p:sp>
+        <p:nvSpPr>
+          <p:cNvPr id="51" name="Arc 50">
+            <a:extLst>
+              <a:ext uri="{FF2B5EF4-FFF2-40B4-BE49-F238E27FC236}">
+                <a16:creationId xmlns:a16="http://schemas.microsoft.com/office/drawing/2014/main" id="{DEA1DE5C-1C9A-44DB-A610-4BBCB0AF8501}"/>
+              </a:ext>
+            </a:extLst>
+          </p:cNvPr>
+          <p:cNvSpPr/>
+          <p:nvPr/>
+        </p:nvSpPr>
+        <p:spPr>
+          <a:xfrm rot="333008">
+            <a:off x="4417553" y="1029858"/>
+            <a:ext cx="92037" cy="388224"/>
+          </a:xfrm>
+          <a:prstGeom prst="arc">
+            <a:avLst>
+              <a:gd name="adj1" fmla="val 16187962"/>
+              <a:gd name="adj2" fmla="val 4731878"/>
+            </a:avLst>
+          </a:prstGeom>
+          <a:ln w="12700">
+            <a:solidFill>
+              <a:schemeClr val="tx1"/>
+            </a:solidFill>
+          </a:ln>
+        </p:spPr>
+        <p:style>
+          <a:lnRef idx="1">
+            <a:schemeClr val="accent1"/>
+          </a:lnRef>
+          <a:fillRef idx="0">
+            <a:schemeClr val="accent1"/>
+          </a:fillRef>
+          <a:effectRef idx="0">
+            <a:schemeClr val="accent1"/>
+          </a:effectRef>
+          <a:fontRef idx="minor">
+            <a:schemeClr val="tx1"/>
+          </a:fontRef>
+        </p:style>
+        <p:txBody>
+          <a:bodyPr rtlCol="0" anchor="ctr"/>
+          <a:lstStyle/>
+          <a:p>
+            <a:pPr algn="ctr"/>
+            <a:endParaRPr lang="en-GB" dirty="0"/>
+          </a:p>
+        </p:txBody>
+      </p:sp>
+      <p:sp>
+        <p:nvSpPr>
+          <p:cNvPr id="52" name="Arc 51">
+            <a:extLst>
+              <a:ext uri="{FF2B5EF4-FFF2-40B4-BE49-F238E27FC236}">
+                <a16:creationId xmlns:a16="http://schemas.microsoft.com/office/drawing/2014/main" id="{28801CFE-3D4E-4840-83DC-CC14471A488B}"/>
+              </a:ext>
+            </a:extLst>
+          </p:cNvPr>
+          <p:cNvSpPr/>
+          <p:nvPr/>
+        </p:nvSpPr>
+        <p:spPr>
+          <a:xfrm rot="20943522" flipH="1">
+            <a:off x="4445776" y="1027344"/>
+            <a:ext cx="147154" cy="388224"/>
+          </a:xfrm>
+          <a:prstGeom prst="arc">
+            <a:avLst>
+              <a:gd name="adj1" fmla="val 16187962"/>
+              <a:gd name="adj2" fmla="val 4509191"/>
+            </a:avLst>
+          </a:prstGeom>
+          <a:ln w="12700">
+            <a:solidFill>
+              <a:schemeClr val="tx1"/>
+            </a:solidFill>
+          </a:ln>
+        </p:spPr>
+        <p:style>
+          <a:lnRef idx="1">
+            <a:schemeClr val="accent1"/>
+          </a:lnRef>
+          <a:fillRef idx="0">
+            <a:schemeClr val="accent1"/>
+          </a:fillRef>
+          <a:effectRef idx="0">
+            <a:schemeClr val="accent1"/>
+          </a:effectRef>
+          <a:fontRef idx="minor">
+            <a:schemeClr val="tx1"/>
+          </a:fontRef>
+        </p:style>
+        <p:txBody>
+          <a:bodyPr rtlCol="0" anchor="ctr"/>
+          <a:lstStyle/>
+          <a:p>
+            <a:pPr algn="ctr"/>
+            <a:endParaRPr lang="en-GB" dirty="0"/>
+          </a:p>
+        </p:txBody>
+      </p:sp>
+      <p:sp>
+        <p:nvSpPr>
+          <p:cNvPr id="53" name="Arc 52">
+            <a:extLst>
+              <a:ext uri="{FF2B5EF4-FFF2-40B4-BE49-F238E27FC236}">
+                <a16:creationId xmlns:a16="http://schemas.microsoft.com/office/drawing/2014/main" id="{0B3E54D0-21F2-46AA-A1FF-B4F6D90A7F82}"/>
+              </a:ext>
+            </a:extLst>
+          </p:cNvPr>
+          <p:cNvSpPr/>
+          <p:nvPr/>
+        </p:nvSpPr>
+        <p:spPr>
+          <a:xfrm flipH="1">
+            <a:off x="4448285" y="905090"/>
+            <a:ext cx="218165" cy="507738"/>
+          </a:xfrm>
+          <a:prstGeom prst="arc">
+            <a:avLst>
+              <a:gd name="adj1" fmla="val 4353185"/>
+              <a:gd name="adj2" fmla="val 6415383"/>
+            </a:avLst>
+          </a:prstGeom>
+          <a:ln w="12700">
+            <a:solidFill>
+              <a:schemeClr val="tx1"/>
+            </a:solidFill>
+          </a:ln>
+        </p:spPr>
+        <p:style>
+          <a:lnRef idx="1">
+            <a:schemeClr val="accent1"/>
+          </a:lnRef>
+          <a:fillRef idx="0">
+            <a:schemeClr val="accent1"/>
+          </a:fillRef>
+          <a:effectRef idx="0">
+            <a:schemeClr val="accent1"/>
+          </a:effectRef>
+          <a:fontRef idx="minor">
+            <a:schemeClr val="tx1"/>
+          </a:fontRef>
+        </p:style>
+        <p:txBody>
+          <a:bodyPr rtlCol="0" anchor="ctr"/>
+          <a:lstStyle/>
+          <a:p>
+            <a:pPr algn="ctr"/>
+            <a:endParaRPr lang="en-GB" dirty="0"/>
+          </a:p>
+        </p:txBody>
+      </p:sp>
+      <p:sp>
+        <p:nvSpPr>
+          <p:cNvPr id="43" name="Arc 42">
+            <a:extLst>
+              <a:ext uri="{FF2B5EF4-FFF2-40B4-BE49-F238E27FC236}">
+                <a16:creationId xmlns:a16="http://schemas.microsoft.com/office/drawing/2014/main" id="{534D25B3-5FC7-443F-91FD-D5F4CCECF992}"/>
+              </a:ext>
+            </a:extLst>
+          </p:cNvPr>
+          <p:cNvSpPr/>
+          <p:nvPr/>
+        </p:nvSpPr>
+        <p:spPr>
+          <a:xfrm rot="20943522" flipH="1">
+            <a:off x="4308617" y="1027344"/>
+            <a:ext cx="147154" cy="388224"/>
+          </a:xfrm>
+          <a:prstGeom prst="arc">
+            <a:avLst>
+              <a:gd name="adj1" fmla="val 16187962"/>
+              <a:gd name="adj2" fmla="val 4540538"/>
+            </a:avLst>
+          </a:prstGeom>
+          <a:ln w="12700">
+            <a:solidFill>
+              <a:schemeClr val="tx1"/>
+            </a:solidFill>
+          </a:ln>
+        </p:spPr>
+        <p:style>
+          <a:lnRef idx="1">
+            <a:schemeClr val="accent1"/>
+          </a:lnRef>
+          <a:fillRef idx="0">
+            <a:schemeClr val="accent1"/>
+          </a:fillRef>
+          <a:effectRef idx="0">
+            <a:schemeClr val="accent1"/>
+          </a:effectRef>
+          <a:fontRef idx="minor">
+            <a:schemeClr val="tx1"/>
+          </a:fontRef>
+        </p:style>
+        <p:txBody>
+          <a:bodyPr rtlCol="0" anchor="ctr"/>
+          <a:lstStyle/>
+          <a:p>
+            <a:pPr algn="ctr"/>
+            <a:endParaRPr lang="en-GB" dirty="0"/>
+          </a:p>
+        </p:txBody>
+      </p:sp>
+      <p:sp>
+        <p:nvSpPr>
+          <p:cNvPr id="45" name="Arc 44">
+            <a:extLst>
+              <a:ext uri="{FF2B5EF4-FFF2-40B4-BE49-F238E27FC236}">
+                <a16:creationId xmlns:a16="http://schemas.microsoft.com/office/drawing/2014/main" id="{ED384AEE-463E-4ED5-B84F-3F36DF640D1B}"/>
+              </a:ext>
+            </a:extLst>
+          </p:cNvPr>
+          <p:cNvSpPr/>
+          <p:nvPr/>
+        </p:nvSpPr>
+        <p:spPr>
+          <a:xfrm rot="333008">
+            <a:off x="4280394" y="1029858"/>
+            <a:ext cx="92037" cy="388224"/>
+          </a:xfrm>
+          <a:prstGeom prst="arc">
+            <a:avLst>
+              <a:gd name="adj1" fmla="val 16187962"/>
+              <a:gd name="adj2" fmla="val 4659982"/>
+            </a:avLst>
+          </a:prstGeom>
+          <a:ln w="12700">
+            <a:solidFill>
+              <a:schemeClr val="tx1"/>
+            </a:solidFill>
+          </a:ln>
+        </p:spPr>
+        <p:style>
+          <a:lnRef idx="1">
+            <a:schemeClr val="accent1"/>
+          </a:lnRef>
+          <a:fillRef idx="0">
+            <a:schemeClr val="accent1"/>
+          </a:fillRef>
+          <a:effectRef idx="0">
+            <a:schemeClr val="accent1"/>
+          </a:effectRef>
+          <a:fontRef idx="minor">
+            <a:schemeClr val="tx1"/>
+          </a:fontRef>
+        </p:style>
+        <p:txBody>
+          <a:bodyPr rtlCol="0" anchor="ctr"/>
+          <a:lstStyle/>
+          <a:p>
+            <a:pPr algn="ctr"/>
+            <a:endParaRPr lang="en-GB" dirty="0"/>
+          </a:p>
+        </p:txBody>
+      </p:sp>
+      <p:sp>
+        <p:nvSpPr>
+          <p:cNvPr id="46" name="Arc 45">
+            <a:extLst>
+              <a:ext uri="{FF2B5EF4-FFF2-40B4-BE49-F238E27FC236}">
+                <a16:creationId xmlns:a16="http://schemas.microsoft.com/office/drawing/2014/main" id="{449D493A-AB35-42AB-B5AC-1AB7C36746E8}"/>
+              </a:ext>
+            </a:extLst>
+          </p:cNvPr>
+          <p:cNvSpPr/>
+          <p:nvPr/>
+        </p:nvSpPr>
+        <p:spPr>
+          <a:xfrm rot="333008">
+            <a:off x="4142091" y="1029858"/>
+            <a:ext cx="92037" cy="388224"/>
+          </a:xfrm>
+          <a:prstGeom prst="arc">
+            <a:avLst>
+              <a:gd name="adj1" fmla="val 16187962"/>
+              <a:gd name="adj2" fmla="val 4654946"/>
+            </a:avLst>
+          </a:prstGeom>
+          <a:ln w="12700">
+            <a:solidFill>
+              <a:schemeClr val="tx1"/>
+            </a:solidFill>
+          </a:ln>
+        </p:spPr>
+        <p:style>
+          <a:lnRef idx="1">
+            <a:schemeClr val="accent1"/>
+          </a:lnRef>
+          <a:fillRef idx="0">
+            <a:schemeClr val="accent1"/>
+          </a:fillRef>
+          <a:effectRef idx="0">
+            <a:schemeClr val="accent1"/>
+          </a:effectRef>
+          <a:fontRef idx="minor">
+            <a:schemeClr val="tx1"/>
+          </a:fontRef>
+        </p:style>
+        <p:txBody>
+          <a:bodyPr rtlCol="0" anchor="ctr"/>
+          <a:lstStyle/>
+          <a:p>
+            <a:pPr algn="ctr"/>
+            <a:endParaRPr lang="en-GB" dirty="0"/>
+          </a:p>
+        </p:txBody>
+      </p:sp>
+      <p:sp>
+        <p:nvSpPr>
+          <p:cNvPr id="47" name="Arc 46">
+            <a:extLst>
+              <a:ext uri="{FF2B5EF4-FFF2-40B4-BE49-F238E27FC236}">
+                <a16:creationId xmlns:a16="http://schemas.microsoft.com/office/drawing/2014/main" id="{1620C6B1-5EFF-4848-BD3D-EE1F1AF556DB}"/>
+              </a:ext>
+            </a:extLst>
+          </p:cNvPr>
+          <p:cNvSpPr/>
+          <p:nvPr/>
+        </p:nvSpPr>
+        <p:spPr>
+          <a:xfrm rot="20943522" flipH="1">
+            <a:off x="4170314" y="1027344"/>
+            <a:ext cx="147154" cy="388224"/>
+          </a:xfrm>
+          <a:prstGeom prst="arc">
+            <a:avLst>
+              <a:gd name="adj1" fmla="val 16187962"/>
+              <a:gd name="adj2" fmla="val 4509191"/>
+            </a:avLst>
+          </a:prstGeom>
+          <a:ln w="12700">
+            <a:solidFill>
+              <a:schemeClr val="tx1"/>
+            </a:solidFill>
+          </a:ln>
+        </p:spPr>
+        <p:style>
+          <a:lnRef idx="1">
+            <a:schemeClr val="accent1"/>
+          </a:lnRef>
+          <a:fillRef idx="0">
+            <a:schemeClr val="accent1"/>
+          </a:fillRef>
+          <a:effectRef idx="0">
+            <a:schemeClr val="accent1"/>
+          </a:effectRef>
+          <a:fontRef idx="minor">
+            <a:schemeClr val="tx1"/>
+          </a:fontRef>
+        </p:style>
+        <p:txBody>
+          <a:bodyPr rtlCol="0" anchor="ctr"/>
+          <a:lstStyle/>
+          <a:p>
+            <a:pPr algn="ctr"/>
+            <a:endParaRPr lang="en-GB" dirty="0"/>
+          </a:p>
+        </p:txBody>
+      </p:sp>
+      <p:sp>
+        <p:nvSpPr>
+          <p:cNvPr id="48" name="Arc 47">
+            <a:extLst>
+              <a:ext uri="{FF2B5EF4-FFF2-40B4-BE49-F238E27FC236}">
+                <a16:creationId xmlns:a16="http://schemas.microsoft.com/office/drawing/2014/main" id="{9F23453F-970D-4428-B314-E5E773CA4AD5}"/>
+              </a:ext>
+            </a:extLst>
+          </p:cNvPr>
+          <p:cNvSpPr/>
+          <p:nvPr/>
+        </p:nvSpPr>
+        <p:spPr>
+          <a:xfrm flipH="1">
+            <a:off x="4172823" y="905090"/>
+            <a:ext cx="218166" cy="507738"/>
+          </a:xfrm>
+          <a:prstGeom prst="arc">
+            <a:avLst>
+              <a:gd name="adj1" fmla="val 4353185"/>
+              <a:gd name="adj2" fmla="val 6415383"/>
+            </a:avLst>
+          </a:prstGeom>
+          <a:ln w="12700">
+            <a:solidFill>
+              <a:schemeClr val="tx1"/>
+            </a:solidFill>
+          </a:ln>
+        </p:spPr>
+        <p:style>
+          <a:lnRef idx="1">
+            <a:schemeClr val="accent1"/>
+          </a:lnRef>
+          <a:fillRef idx="0">
+            <a:schemeClr val="accent1"/>
+          </a:fillRef>
+          <a:effectRef idx="0">
+            <a:schemeClr val="accent1"/>
+          </a:effectRef>
+          <a:fontRef idx="minor">
+            <a:schemeClr val="tx1"/>
+          </a:fontRef>
+        </p:style>
+        <p:txBody>
+          <a:bodyPr rtlCol="0" anchor="ctr"/>
+          <a:lstStyle/>
+          <a:p>
+            <a:pPr algn="ctr"/>
+            <a:endParaRPr lang="en-GB" dirty="0"/>
+          </a:p>
+        </p:txBody>
+      </p:sp>
+      <p:sp>
+        <p:nvSpPr>
+          <p:cNvPr id="41" name="Arc 40">
+            <a:extLst>
+              <a:ext uri="{FF2B5EF4-FFF2-40B4-BE49-F238E27FC236}">
+                <a16:creationId xmlns:a16="http://schemas.microsoft.com/office/drawing/2014/main" id="{D812D8BD-C7F8-4682-BC5C-B54A40F4C4A1}"/>
+              </a:ext>
+            </a:extLst>
+          </p:cNvPr>
+          <p:cNvSpPr/>
+          <p:nvPr/>
+        </p:nvSpPr>
+        <p:spPr>
+          <a:xfrm flipH="1">
+            <a:off x="4311230" y="905090"/>
+            <a:ext cx="218165" cy="507738"/>
+          </a:xfrm>
+          <a:prstGeom prst="arc">
+            <a:avLst>
+              <a:gd name="adj1" fmla="val 4353185"/>
+              <a:gd name="adj2" fmla="val 6415383"/>
+            </a:avLst>
+          </a:prstGeom>
+          <a:ln w="12700">
+            <a:solidFill>
+              <a:schemeClr val="tx1"/>
+            </a:solidFill>
+          </a:ln>
+        </p:spPr>
+        <p:style>
+          <a:lnRef idx="1">
+            <a:schemeClr val="accent1"/>
+          </a:lnRef>
+          <a:fillRef idx="0">
+            <a:schemeClr val="accent1"/>
+          </a:fillRef>
+          <a:effectRef idx="0">
+            <a:schemeClr val="accent1"/>
+          </a:effectRef>
+          <a:fontRef idx="minor">
+            <a:schemeClr val="tx1"/>
+          </a:fontRef>
+        </p:style>
+        <p:txBody>
+          <a:bodyPr rtlCol="0" anchor="ctr"/>
+          <a:lstStyle/>
+          <a:p>
+            <a:pPr algn="ctr"/>
+            <a:endParaRPr lang="en-GB" dirty="0"/>
+          </a:p>
+        </p:txBody>
+      </p:sp>
+      <p:sp>
+        <p:nvSpPr>
+          <p:cNvPr id="42" name="Arc 41">
+            <a:extLst>
+              <a:ext uri="{FF2B5EF4-FFF2-40B4-BE49-F238E27FC236}">
+                <a16:creationId xmlns:a16="http://schemas.microsoft.com/office/drawing/2014/main" id="{7DC3973D-D10E-41D4-B6A9-6E3CCD596C07}"/>
+              </a:ext>
+            </a:extLst>
+          </p:cNvPr>
+          <p:cNvSpPr/>
+          <p:nvPr/>
+        </p:nvSpPr>
+        <p:spPr>
+          <a:xfrm flipH="1">
             <a:off x="4034561" y="905090"/>
-            <a:ext cx="1248855" cy="512992"/>
-            <a:chOff x="3771121" y="905090"/>
-            <a:chExt cx="1248855" cy="512992"/>
+            <a:ext cx="218165" cy="507738"/>
           </a:xfrm>
-        </p:grpSpPr>
-        <p:sp>
-          <p:nvSpPr>
-            <p:cNvPr id="64" name="Arc 63">
-              <a:extLst>
-                <a:ext uri="{FF2B5EF4-FFF2-40B4-BE49-F238E27FC236}">
-                  <a16:creationId xmlns:a16="http://schemas.microsoft.com/office/drawing/2014/main" id="{6D43CF70-A733-4F27-9523-8CD0D6DDD2C7}"/>
-                </a:ext>
-              </a:extLst>
-            </p:cNvPr>
-            <p:cNvSpPr/>
-            <p:nvPr/>
-          </p:nvSpPr>
-          <p:spPr>
-            <a:xfrm rot="333008">
-              <a:off x="4844599" y="1029858"/>
-              <a:ext cx="92037" cy="388224"/>
-            </a:xfrm>
-            <a:prstGeom prst="arc">
-              <a:avLst>
-                <a:gd name="adj1" fmla="val 16187962"/>
-                <a:gd name="adj2" fmla="val 4659982"/>
-              </a:avLst>
-            </a:prstGeom>
-            <a:ln w="12700">
-              <a:solidFill>
-                <a:schemeClr val="tx1"/>
-              </a:solidFill>
-            </a:ln>
-          </p:spPr>
-          <p:style>
-            <a:lnRef idx="1">
-              <a:schemeClr val="accent1"/>
-            </a:lnRef>
-            <a:fillRef idx="0">
-              <a:schemeClr val="accent1"/>
-            </a:fillRef>
-            <a:effectRef idx="0">
-              <a:schemeClr val="accent1"/>
-            </a:effectRef>
-            <a:fontRef idx="minor">
+          <a:prstGeom prst="arc">
+            <a:avLst>
+              <a:gd name="adj1" fmla="val 2333109"/>
+              <a:gd name="adj2" fmla="val 6415383"/>
+            </a:avLst>
+          </a:prstGeom>
+          <a:ln w="12700">
+            <a:solidFill>
               <a:schemeClr val="tx1"/>
-            </a:fontRef>
-          </p:style>
-          <p:txBody>
-            <a:bodyPr rtlCol="0" anchor="ctr"/>
-            <a:lstStyle/>
-            <a:p>
-              <a:pPr algn="ctr"/>
-              <a:endParaRPr lang="en-GB" dirty="0"/>
-            </a:p>
-          </p:txBody>
-        </p:sp>
-        <p:sp>
-          <p:nvSpPr>
-            <p:cNvPr id="65" name="Arc 64">
-              <a:extLst>
-                <a:ext uri="{FF2B5EF4-FFF2-40B4-BE49-F238E27FC236}">
-                  <a16:creationId xmlns:a16="http://schemas.microsoft.com/office/drawing/2014/main" id="{5DB15A34-E183-4BE7-8F23-E51194DC8DF9}"/>
-                </a:ext>
-              </a:extLst>
-            </p:cNvPr>
-            <p:cNvSpPr/>
-            <p:nvPr/>
-          </p:nvSpPr>
-          <p:spPr>
-            <a:xfrm rot="20943522" flipH="1">
-              <a:off x="4872822" y="1027344"/>
-              <a:ext cx="147154" cy="388224"/>
-            </a:xfrm>
-            <a:prstGeom prst="arc">
-              <a:avLst>
-                <a:gd name="adj1" fmla="val 16187962"/>
-                <a:gd name="adj2" fmla="val 9382128"/>
-              </a:avLst>
-            </a:prstGeom>
-            <a:ln w="12700">
-              <a:solidFill>
-                <a:schemeClr val="tx1"/>
-              </a:solidFill>
-            </a:ln>
-          </p:spPr>
-          <p:style>
-            <a:lnRef idx="1">
-              <a:schemeClr val="accent1"/>
-            </a:lnRef>
-            <a:fillRef idx="0">
-              <a:schemeClr val="accent1"/>
-            </a:fillRef>
-            <a:effectRef idx="0">
-              <a:schemeClr val="accent1"/>
-            </a:effectRef>
-            <a:fontRef idx="minor">
-              <a:schemeClr val="tx1"/>
-            </a:fontRef>
-          </p:style>
-          <p:txBody>
-            <a:bodyPr rtlCol="0" anchor="ctr"/>
-            <a:lstStyle/>
-            <a:p>
-              <a:pPr algn="ctr"/>
-              <a:endParaRPr lang="en-GB" dirty="0"/>
-            </a:p>
-          </p:txBody>
-        </p:sp>
-        <p:sp>
-          <p:nvSpPr>
-            <p:cNvPr id="66" name="Arc 65">
-              <a:extLst>
-                <a:ext uri="{FF2B5EF4-FFF2-40B4-BE49-F238E27FC236}">
-                  <a16:creationId xmlns:a16="http://schemas.microsoft.com/office/drawing/2014/main" id="{D2C2D4AA-33AF-42F0-B1D6-B76DC976CCC6}"/>
-                </a:ext>
-              </a:extLst>
-            </p:cNvPr>
-            <p:cNvSpPr/>
-            <p:nvPr/>
-          </p:nvSpPr>
-          <p:spPr>
-            <a:xfrm rot="333008">
-              <a:off x="4706296" y="1029858"/>
-              <a:ext cx="92037" cy="388224"/>
-            </a:xfrm>
-            <a:prstGeom prst="arc">
-              <a:avLst>
-                <a:gd name="adj1" fmla="val 16187962"/>
-                <a:gd name="adj2" fmla="val 4731878"/>
-              </a:avLst>
-            </a:prstGeom>
-            <a:ln w="12700">
-              <a:solidFill>
-                <a:schemeClr val="tx1"/>
-              </a:solidFill>
-            </a:ln>
-          </p:spPr>
-          <p:style>
-            <a:lnRef idx="1">
-              <a:schemeClr val="accent1"/>
-            </a:lnRef>
-            <a:fillRef idx="0">
-              <a:schemeClr val="accent1"/>
-            </a:fillRef>
-            <a:effectRef idx="0">
-              <a:schemeClr val="accent1"/>
-            </a:effectRef>
-            <a:fontRef idx="minor">
-              <a:schemeClr val="tx1"/>
-            </a:fontRef>
-          </p:style>
-          <p:txBody>
-            <a:bodyPr rtlCol="0" anchor="ctr"/>
-            <a:lstStyle/>
-            <a:p>
-              <a:pPr algn="ctr"/>
-              <a:endParaRPr lang="en-GB" dirty="0"/>
-            </a:p>
-          </p:txBody>
-        </p:sp>
-        <p:sp>
-          <p:nvSpPr>
-            <p:cNvPr id="67" name="Arc 66">
-              <a:extLst>
-                <a:ext uri="{FF2B5EF4-FFF2-40B4-BE49-F238E27FC236}">
-                  <a16:creationId xmlns:a16="http://schemas.microsoft.com/office/drawing/2014/main" id="{69EE39ED-77BA-4222-ABCF-A0B1934F2093}"/>
-                </a:ext>
-              </a:extLst>
-            </p:cNvPr>
-            <p:cNvSpPr/>
-            <p:nvPr/>
-          </p:nvSpPr>
-          <p:spPr>
-            <a:xfrm rot="20943522" flipH="1">
-              <a:off x="4734519" y="1027344"/>
-              <a:ext cx="147154" cy="388224"/>
-            </a:xfrm>
-            <a:prstGeom prst="arc">
-              <a:avLst>
-                <a:gd name="adj1" fmla="val 16187962"/>
-                <a:gd name="adj2" fmla="val 4509191"/>
-              </a:avLst>
-            </a:prstGeom>
-            <a:ln w="12700">
-              <a:solidFill>
-                <a:schemeClr val="tx1"/>
-              </a:solidFill>
-            </a:ln>
-          </p:spPr>
-          <p:style>
-            <a:lnRef idx="1">
-              <a:schemeClr val="accent1"/>
-            </a:lnRef>
-            <a:fillRef idx="0">
-              <a:schemeClr val="accent1"/>
-            </a:fillRef>
-            <a:effectRef idx="0">
-              <a:schemeClr val="accent1"/>
-            </a:effectRef>
-            <a:fontRef idx="minor">
-              <a:schemeClr val="tx1"/>
-            </a:fontRef>
-          </p:style>
-          <p:txBody>
-            <a:bodyPr rtlCol="0" anchor="ctr"/>
-            <a:lstStyle/>
-            <a:p>
-              <a:pPr algn="ctr"/>
-              <a:endParaRPr lang="en-GB" dirty="0"/>
-            </a:p>
-          </p:txBody>
-        </p:sp>
-        <p:sp>
-          <p:nvSpPr>
-            <p:cNvPr id="68" name="Arc 67">
-              <a:extLst>
-                <a:ext uri="{FF2B5EF4-FFF2-40B4-BE49-F238E27FC236}">
-                  <a16:creationId xmlns:a16="http://schemas.microsoft.com/office/drawing/2014/main" id="{78861215-50FA-4B4C-8061-EB735CA13825}"/>
-                </a:ext>
-              </a:extLst>
-            </p:cNvPr>
-            <p:cNvSpPr/>
-            <p:nvPr/>
-          </p:nvSpPr>
-          <p:spPr>
-            <a:xfrm flipH="1">
-              <a:off x="4737028" y="905090"/>
-              <a:ext cx="218165" cy="507738"/>
-            </a:xfrm>
-            <a:prstGeom prst="arc">
-              <a:avLst>
-                <a:gd name="adj1" fmla="val 4353185"/>
-                <a:gd name="adj2" fmla="val 6415383"/>
-              </a:avLst>
-            </a:prstGeom>
-            <a:ln w="12700">
-              <a:solidFill>
-                <a:schemeClr val="tx1"/>
-              </a:solidFill>
-            </a:ln>
-          </p:spPr>
-          <p:style>
-            <a:lnRef idx="1">
-              <a:schemeClr val="accent1"/>
-            </a:lnRef>
-            <a:fillRef idx="0">
-              <a:schemeClr val="accent1"/>
-            </a:fillRef>
-            <a:effectRef idx="0">
-              <a:schemeClr val="accent1"/>
-            </a:effectRef>
-            <a:fontRef idx="minor">
-              <a:schemeClr val="tx1"/>
-            </a:fontRef>
-          </p:style>
-          <p:txBody>
-            <a:bodyPr rtlCol="0" anchor="ctr"/>
-            <a:lstStyle/>
-            <a:p>
-              <a:pPr algn="ctr"/>
-              <a:endParaRPr lang="en-GB" dirty="0"/>
-            </a:p>
-          </p:txBody>
-        </p:sp>
-        <p:sp>
-          <p:nvSpPr>
-            <p:cNvPr id="58" name="Arc 57">
-              <a:extLst>
-                <a:ext uri="{FF2B5EF4-FFF2-40B4-BE49-F238E27FC236}">
-                  <a16:creationId xmlns:a16="http://schemas.microsoft.com/office/drawing/2014/main" id="{6B7BB04D-C262-4037-93DD-66CE25079183}"/>
-                </a:ext>
-              </a:extLst>
-            </p:cNvPr>
-            <p:cNvSpPr/>
-            <p:nvPr/>
-          </p:nvSpPr>
-          <p:spPr>
-            <a:xfrm rot="20943522" flipH="1">
-              <a:off x="4597360" y="1027344"/>
-              <a:ext cx="147154" cy="388224"/>
-            </a:xfrm>
-            <a:prstGeom prst="arc">
-              <a:avLst>
-                <a:gd name="adj1" fmla="val 16187962"/>
-                <a:gd name="adj2" fmla="val 4540538"/>
-              </a:avLst>
-            </a:prstGeom>
-            <a:ln w="12700">
-              <a:solidFill>
-                <a:schemeClr val="tx1"/>
-              </a:solidFill>
-            </a:ln>
-          </p:spPr>
-          <p:style>
-            <a:lnRef idx="1">
-              <a:schemeClr val="accent1"/>
-            </a:lnRef>
-            <a:fillRef idx="0">
-              <a:schemeClr val="accent1"/>
-            </a:fillRef>
-            <a:effectRef idx="0">
-              <a:schemeClr val="accent1"/>
-            </a:effectRef>
-            <a:fontRef idx="minor">
-              <a:schemeClr val="tx1"/>
-            </a:fontRef>
-          </p:style>
-          <p:txBody>
-            <a:bodyPr rtlCol="0" anchor="ctr"/>
-            <a:lstStyle/>
-            <a:p>
-              <a:pPr algn="ctr"/>
-              <a:endParaRPr lang="en-GB" dirty="0"/>
-            </a:p>
-          </p:txBody>
-        </p:sp>
-        <p:sp>
-          <p:nvSpPr>
-            <p:cNvPr id="60" name="Arc 59">
-              <a:extLst>
-                <a:ext uri="{FF2B5EF4-FFF2-40B4-BE49-F238E27FC236}">
-                  <a16:creationId xmlns:a16="http://schemas.microsoft.com/office/drawing/2014/main" id="{D21C5B7E-C34B-4B77-91A0-E62911F696EE}"/>
-                </a:ext>
-              </a:extLst>
-            </p:cNvPr>
-            <p:cNvSpPr/>
-            <p:nvPr/>
-          </p:nvSpPr>
-          <p:spPr>
-            <a:xfrm rot="333008">
-              <a:off x="4569137" y="1029858"/>
-              <a:ext cx="92037" cy="388224"/>
-            </a:xfrm>
-            <a:prstGeom prst="arc">
-              <a:avLst>
-                <a:gd name="adj1" fmla="val 16187962"/>
-                <a:gd name="adj2" fmla="val 4659982"/>
-              </a:avLst>
-            </a:prstGeom>
-            <a:ln w="12700">
-              <a:solidFill>
-                <a:schemeClr val="tx1"/>
-              </a:solidFill>
-            </a:ln>
-          </p:spPr>
-          <p:style>
-            <a:lnRef idx="1">
-              <a:schemeClr val="accent1"/>
-            </a:lnRef>
-            <a:fillRef idx="0">
-              <a:schemeClr val="accent1"/>
-            </a:fillRef>
-            <a:effectRef idx="0">
-              <a:schemeClr val="accent1"/>
-            </a:effectRef>
-            <a:fontRef idx="minor">
-              <a:schemeClr val="tx1"/>
-            </a:fontRef>
-          </p:style>
-          <p:txBody>
-            <a:bodyPr rtlCol="0" anchor="ctr"/>
-            <a:lstStyle/>
-            <a:p>
-              <a:pPr algn="ctr"/>
-              <a:endParaRPr lang="en-GB" dirty="0"/>
-            </a:p>
-          </p:txBody>
-        </p:sp>
-        <p:sp>
-          <p:nvSpPr>
-            <p:cNvPr id="61" name="Arc 60">
-              <a:extLst>
-                <a:ext uri="{FF2B5EF4-FFF2-40B4-BE49-F238E27FC236}">
-                  <a16:creationId xmlns:a16="http://schemas.microsoft.com/office/drawing/2014/main" id="{C4F5E54F-7FD2-4500-850E-962C3A3ABBD6}"/>
-                </a:ext>
-              </a:extLst>
-            </p:cNvPr>
-            <p:cNvSpPr/>
-            <p:nvPr/>
-          </p:nvSpPr>
-          <p:spPr>
-            <a:xfrm rot="333008">
-              <a:off x="4430834" y="1029858"/>
-              <a:ext cx="92037" cy="388224"/>
-            </a:xfrm>
-            <a:prstGeom prst="arc">
-              <a:avLst>
-                <a:gd name="adj1" fmla="val 16187962"/>
-                <a:gd name="adj2" fmla="val 4654946"/>
-              </a:avLst>
-            </a:prstGeom>
-            <a:ln w="12700">
-              <a:solidFill>
-                <a:schemeClr val="tx1"/>
-              </a:solidFill>
-            </a:ln>
-          </p:spPr>
-          <p:style>
-            <a:lnRef idx="1">
-              <a:schemeClr val="accent1"/>
-            </a:lnRef>
-            <a:fillRef idx="0">
-              <a:schemeClr val="accent1"/>
-            </a:fillRef>
-            <a:effectRef idx="0">
-              <a:schemeClr val="accent1"/>
-            </a:effectRef>
-            <a:fontRef idx="minor">
-              <a:schemeClr val="tx1"/>
-            </a:fontRef>
-          </p:style>
-          <p:txBody>
-            <a:bodyPr rtlCol="0" anchor="ctr"/>
-            <a:lstStyle/>
-            <a:p>
-              <a:pPr algn="ctr"/>
-              <a:endParaRPr lang="en-GB" dirty="0"/>
-            </a:p>
-          </p:txBody>
-        </p:sp>
-        <p:sp>
-          <p:nvSpPr>
-            <p:cNvPr id="62" name="Arc 61">
-              <a:extLst>
-                <a:ext uri="{FF2B5EF4-FFF2-40B4-BE49-F238E27FC236}">
-                  <a16:creationId xmlns:a16="http://schemas.microsoft.com/office/drawing/2014/main" id="{35B99709-B0E0-410A-852C-35459C61044D}"/>
-                </a:ext>
-              </a:extLst>
-            </p:cNvPr>
-            <p:cNvSpPr/>
-            <p:nvPr/>
-          </p:nvSpPr>
-          <p:spPr>
-            <a:xfrm rot="20943522" flipH="1">
-              <a:off x="4459057" y="1027344"/>
-              <a:ext cx="147154" cy="388224"/>
-            </a:xfrm>
-            <a:prstGeom prst="arc">
-              <a:avLst>
-                <a:gd name="adj1" fmla="val 16187962"/>
-                <a:gd name="adj2" fmla="val 4509191"/>
-              </a:avLst>
-            </a:prstGeom>
-            <a:ln w="12700">
-              <a:solidFill>
-                <a:schemeClr val="tx1"/>
-              </a:solidFill>
-            </a:ln>
-          </p:spPr>
-          <p:style>
-            <a:lnRef idx="1">
-              <a:schemeClr val="accent1"/>
-            </a:lnRef>
-            <a:fillRef idx="0">
-              <a:schemeClr val="accent1"/>
-            </a:fillRef>
-            <a:effectRef idx="0">
-              <a:schemeClr val="accent1"/>
-            </a:effectRef>
-            <a:fontRef idx="minor">
-              <a:schemeClr val="tx1"/>
-            </a:fontRef>
-          </p:style>
-          <p:txBody>
-            <a:bodyPr rtlCol="0" anchor="ctr"/>
-            <a:lstStyle/>
-            <a:p>
-              <a:pPr algn="ctr"/>
-              <a:endParaRPr lang="en-GB" dirty="0"/>
-            </a:p>
-          </p:txBody>
-        </p:sp>
-        <p:sp>
-          <p:nvSpPr>
-            <p:cNvPr id="63" name="Arc 62">
-              <a:extLst>
-                <a:ext uri="{FF2B5EF4-FFF2-40B4-BE49-F238E27FC236}">
-                  <a16:creationId xmlns:a16="http://schemas.microsoft.com/office/drawing/2014/main" id="{744FCAFE-CA0A-4650-A3F3-929F5BFF9047}"/>
-                </a:ext>
-              </a:extLst>
-            </p:cNvPr>
-            <p:cNvSpPr/>
-            <p:nvPr/>
-          </p:nvSpPr>
-          <p:spPr>
-            <a:xfrm flipH="1">
-              <a:off x="4461566" y="905090"/>
-              <a:ext cx="218166" cy="507738"/>
-            </a:xfrm>
-            <a:prstGeom prst="arc">
-              <a:avLst>
-                <a:gd name="adj1" fmla="val 4353185"/>
-                <a:gd name="adj2" fmla="val 6415383"/>
-              </a:avLst>
-            </a:prstGeom>
-            <a:ln w="12700">
-              <a:solidFill>
-                <a:schemeClr val="tx1"/>
-              </a:solidFill>
-            </a:ln>
-          </p:spPr>
-          <p:style>
-            <a:lnRef idx="1">
-              <a:schemeClr val="accent1"/>
-            </a:lnRef>
-            <a:fillRef idx="0">
-              <a:schemeClr val="accent1"/>
-            </a:fillRef>
-            <a:effectRef idx="0">
-              <a:schemeClr val="accent1"/>
-            </a:effectRef>
-            <a:fontRef idx="minor">
-              <a:schemeClr val="tx1"/>
-            </a:fontRef>
-          </p:style>
-          <p:txBody>
-            <a:bodyPr rtlCol="0" anchor="ctr"/>
-            <a:lstStyle/>
-            <a:p>
-              <a:pPr algn="ctr"/>
-              <a:endParaRPr lang="en-GB" dirty="0"/>
-            </a:p>
-          </p:txBody>
-        </p:sp>
-        <p:sp>
-          <p:nvSpPr>
-            <p:cNvPr id="56" name="Arc 55">
-              <a:extLst>
-                <a:ext uri="{FF2B5EF4-FFF2-40B4-BE49-F238E27FC236}">
-                  <a16:creationId xmlns:a16="http://schemas.microsoft.com/office/drawing/2014/main" id="{B2C12CC3-C03C-4912-B0FB-0128EB0FDA84}"/>
-                </a:ext>
-              </a:extLst>
-            </p:cNvPr>
-            <p:cNvSpPr/>
-            <p:nvPr/>
-          </p:nvSpPr>
-          <p:spPr>
-            <a:xfrm flipH="1">
-              <a:off x="4599973" y="905090"/>
-              <a:ext cx="218165" cy="507738"/>
-            </a:xfrm>
-            <a:prstGeom prst="arc">
-              <a:avLst>
-                <a:gd name="adj1" fmla="val 4353185"/>
-                <a:gd name="adj2" fmla="val 6415383"/>
-              </a:avLst>
-            </a:prstGeom>
-            <a:ln w="12700">
-              <a:solidFill>
-                <a:schemeClr val="tx1"/>
-              </a:solidFill>
-            </a:ln>
-          </p:spPr>
-          <p:style>
-            <a:lnRef idx="1">
-              <a:schemeClr val="accent1"/>
-            </a:lnRef>
-            <a:fillRef idx="0">
-              <a:schemeClr val="accent1"/>
-            </a:fillRef>
-            <a:effectRef idx="0">
-              <a:schemeClr val="accent1"/>
-            </a:effectRef>
-            <a:fontRef idx="minor">
-              <a:schemeClr val="tx1"/>
-            </a:fontRef>
-          </p:style>
-          <p:txBody>
-            <a:bodyPr rtlCol="0" anchor="ctr"/>
-            <a:lstStyle/>
-            <a:p>
-              <a:pPr algn="ctr"/>
-              <a:endParaRPr lang="en-GB" dirty="0"/>
-            </a:p>
-          </p:txBody>
-        </p:sp>
-        <p:sp>
-          <p:nvSpPr>
-            <p:cNvPr id="57" name="Arc 56">
-              <a:extLst>
-                <a:ext uri="{FF2B5EF4-FFF2-40B4-BE49-F238E27FC236}">
-                  <a16:creationId xmlns:a16="http://schemas.microsoft.com/office/drawing/2014/main" id="{424D64F1-74FA-4B5B-BD1E-BE3CA50996EF}"/>
-                </a:ext>
-              </a:extLst>
-            </p:cNvPr>
-            <p:cNvSpPr/>
-            <p:nvPr/>
-          </p:nvSpPr>
-          <p:spPr>
-            <a:xfrm flipH="1">
-              <a:off x="4323304" y="905090"/>
-              <a:ext cx="218165" cy="507738"/>
-            </a:xfrm>
-            <a:prstGeom prst="arc">
-              <a:avLst>
-                <a:gd name="adj1" fmla="val 4353185"/>
-                <a:gd name="adj2" fmla="val 6415383"/>
-              </a:avLst>
-            </a:prstGeom>
-            <a:ln w="12700">
-              <a:solidFill>
-                <a:schemeClr val="tx1"/>
-              </a:solidFill>
-            </a:ln>
-          </p:spPr>
-          <p:style>
-            <a:lnRef idx="1">
-              <a:schemeClr val="accent1"/>
-            </a:lnRef>
-            <a:fillRef idx="0">
-              <a:schemeClr val="accent1"/>
-            </a:fillRef>
-            <a:effectRef idx="0">
-              <a:schemeClr val="accent1"/>
-            </a:effectRef>
-            <a:fontRef idx="minor">
-              <a:schemeClr val="tx1"/>
-            </a:fontRef>
-          </p:style>
-          <p:txBody>
-            <a:bodyPr rtlCol="0" anchor="ctr"/>
-            <a:lstStyle/>
-            <a:p>
-              <a:pPr algn="ctr"/>
-              <a:endParaRPr lang="en-GB" dirty="0"/>
-            </a:p>
-          </p:txBody>
-        </p:sp>
-        <p:sp>
-          <p:nvSpPr>
-            <p:cNvPr id="49" name="Arc 48">
-              <a:extLst>
-                <a:ext uri="{FF2B5EF4-FFF2-40B4-BE49-F238E27FC236}">
-                  <a16:creationId xmlns:a16="http://schemas.microsoft.com/office/drawing/2014/main" id="{346243C8-C29F-4FBE-A456-1F39719CDE19}"/>
-                </a:ext>
-              </a:extLst>
-            </p:cNvPr>
-            <p:cNvSpPr/>
-            <p:nvPr/>
-          </p:nvSpPr>
-          <p:spPr>
-            <a:xfrm rot="333008">
-              <a:off x="4292416" y="1029858"/>
-              <a:ext cx="92037" cy="388224"/>
-            </a:xfrm>
-            <a:prstGeom prst="arc">
-              <a:avLst>
-                <a:gd name="adj1" fmla="val 16187962"/>
-                <a:gd name="adj2" fmla="val 4659982"/>
-              </a:avLst>
-            </a:prstGeom>
-            <a:ln w="12700">
-              <a:solidFill>
-                <a:schemeClr val="tx1"/>
-              </a:solidFill>
-            </a:ln>
-          </p:spPr>
-          <p:style>
-            <a:lnRef idx="1">
-              <a:schemeClr val="accent1"/>
-            </a:lnRef>
-            <a:fillRef idx="0">
-              <a:schemeClr val="accent1"/>
-            </a:fillRef>
-            <a:effectRef idx="0">
-              <a:schemeClr val="accent1"/>
-            </a:effectRef>
-            <a:fontRef idx="minor">
-              <a:schemeClr val="tx1"/>
-            </a:fontRef>
-          </p:style>
-          <p:txBody>
-            <a:bodyPr rtlCol="0" anchor="ctr"/>
-            <a:lstStyle/>
-            <a:p>
-              <a:pPr algn="ctr"/>
-              <a:endParaRPr lang="en-GB" dirty="0"/>
-            </a:p>
-          </p:txBody>
-        </p:sp>
-        <p:sp>
-          <p:nvSpPr>
-            <p:cNvPr id="50" name="Arc 49">
-              <a:extLst>
-                <a:ext uri="{FF2B5EF4-FFF2-40B4-BE49-F238E27FC236}">
-                  <a16:creationId xmlns:a16="http://schemas.microsoft.com/office/drawing/2014/main" id="{4F89DD61-39D2-428E-BDD9-A79A47E49D9E}"/>
-                </a:ext>
-              </a:extLst>
-            </p:cNvPr>
-            <p:cNvSpPr/>
-            <p:nvPr/>
-          </p:nvSpPr>
-          <p:spPr>
-            <a:xfrm rot="20943522" flipH="1">
-              <a:off x="4320639" y="1027344"/>
-              <a:ext cx="147154" cy="388224"/>
-            </a:xfrm>
-            <a:prstGeom prst="arc">
-              <a:avLst>
-                <a:gd name="adj1" fmla="val 16187962"/>
-                <a:gd name="adj2" fmla="val 4159597"/>
-              </a:avLst>
-            </a:prstGeom>
-            <a:ln w="12700">
-              <a:solidFill>
-                <a:schemeClr val="tx1"/>
-              </a:solidFill>
-            </a:ln>
-          </p:spPr>
-          <p:style>
-            <a:lnRef idx="1">
-              <a:schemeClr val="accent1"/>
-            </a:lnRef>
-            <a:fillRef idx="0">
-              <a:schemeClr val="accent1"/>
-            </a:fillRef>
-            <a:effectRef idx="0">
-              <a:schemeClr val="accent1"/>
-            </a:effectRef>
-            <a:fontRef idx="minor">
-              <a:schemeClr val="tx1"/>
-            </a:fontRef>
-          </p:style>
-          <p:txBody>
-            <a:bodyPr rtlCol="0" anchor="ctr"/>
-            <a:lstStyle/>
-            <a:p>
-              <a:pPr algn="ctr"/>
-              <a:endParaRPr lang="en-GB" dirty="0"/>
-            </a:p>
-          </p:txBody>
-        </p:sp>
-        <p:sp>
-          <p:nvSpPr>
-            <p:cNvPr id="51" name="Arc 50">
-              <a:extLst>
-                <a:ext uri="{FF2B5EF4-FFF2-40B4-BE49-F238E27FC236}">
-                  <a16:creationId xmlns:a16="http://schemas.microsoft.com/office/drawing/2014/main" id="{DEA1DE5C-1C9A-44DB-A610-4BBCB0AF8501}"/>
-                </a:ext>
-              </a:extLst>
-            </p:cNvPr>
-            <p:cNvSpPr/>
-            <p:nvPr/>
-          </p:nvSpPr>
-          <p:spPr>
-            <a:xfrm rot="333008">
-              <a:off x="4154113" y="1029858"/>
-              <a:ext cx="92037" cy="388224"/>
-            </a:xfrm>
-            <a:prstGeom prst="arc">
-              <a:avLst>
-                <a:gd name="adj1" fmla="val 16187962"/>
-                <a:gd name="adj2" fmla="val 4731878"/>
-              </a:avLst>
-            </a:prstGeom>
-            <a:ln w="12700">
-              <a:solidFill>
-                <a:schemeClr val="tx1"/>
-              </a:solidFill>
-            </a:ln>
-          </p:spPr>
-          <p:style>
-            <a:lnRef idx="1">
-              <a:schemeClr val="accent1"/>
-            </a:lnRef>
-            <a:fillRef idx="0">
-              <a:schemeClr val="accent1"/>
-            </a:fillRef>
-            <a:effectRef idx="0">
-              <a:schemeClr val="accent1"/>
-            </a:effectRef>
-            <a:fontRef idx="minor">
-              <a:schemeClr val="tx1"/>
-            </a:fontRef>
-          </p:style>
-          <p:txBody>
-            <a:bodyPr rtlCol="0" anchor="ctr"/>
-            <a:lstStyle/>
-            <a:p>
-              <a:pPr algn="ctr"/>
-              <a:endParaRPr lang="en-GB" dirty="0"/>
-            </a:p>
-          </p:txBody>
-        </p:sp>
-        <p:sp>
-          <p:nvSpPr>
-            <p:cNvPr id="52" name="Arc 51">
-              <a:extLst>
-                <a:ext uri="{FF2B5EF4-FFF2-40B4-BE49-F238E27FC236}">
-                  <a16:creationId xmlns:a16="http://schemas.microsoft.com/office/drawing/2014/main" id="{28801CFE-3D4E-4840-83DC-CC14471A488B}"/>
-                </a:ext>
-              </a:extLst>
-            </p:cNvPr>
-            <p:cNvSpPr/>
-            <p:nvPr/>
-          </p:nvSpPr>
-          <p:spPr>
-            <a:xfrm rot="20943522" flipH="1">
-              <a:off x="4182336" y="1027344"/>
-              <a:ext cx="147154" cy="388224"/>
-            </a:xfrm>
-            <a:prstGeom prst="arc">
-              <a:avLst>
-                <a:gd name="adj1" fmla="val 16187962"/>
-                <a:gd name="adj2" fmla="val 4509191"/>
-              </a:avLst>
-            </a:prstGeom>
-            <a:ln w="12700">
-              <a:solidFill>
-                <a:schemeClr val="tx1"/>
-              </a:solidFill>
-            </a:ln>
-          </p:spPr>
-          <p:style>
-            <a:lnRef idx="1">
-              <a:schemeClr val="accent1"/>
-            </a:lnRef>
-            <a:fillRef idx="0">
-              <a:schemeClr val="accent1"/>
-            </a:fillRef>
-            <a:effectRef idx="0">
-              <a:schemeClr val="accent1"/>
-            </a:effectRef>
-            <a:fontRef idx="minor">
-              <a:schemeClr val="tx1"/>
-            </a:fontRef>
-          </p:style>
-          <p:txBody>
-            <a:bodyPr rtlCol="0" anchor="ctr"/>
-            <a:lstStyle/>
-            <a:p>
-              <a:pPr algn="ctr"/>
-              <a:endParaRPr lang="en-GB" dirty="0"/>
-            </a:p>
-          </p:txBody>
-        </p:sp>
-        <p:sp>
-          <p:nvSpPr>
-            <p:cNvPr id="53" name="Arc 52">
-              <a:extLst>
-                <a:ext uri="{FF2B5EF4-FFF2-40B4-BE49-F238E27FC236}">
-                  <a16:creationId xmlns:a16="http://schemas.microsoft.com/office/drawing/2014/main" id="{0B3E54D0-21F2-46AA-A1FF-B4F6D90A7F82}"/>
-                </a:ext>
-              </a:extLst>
-            </p:cNvPr>
-            <p:cNvSpPr/>
-            <p:nvPr/>
-          </p:nvSpPr>
-          <p:spPr>
-            <a:xfrm flipH="1">
-              <a:off x="4184845" y="905090"/>
-              <a:ext cx="218165" cy="507738"/>
-            </a:xfrm>
-            <a:prstGeom prst="arc">
-              <a:avLst>
-                <a:gd name="adj1" fmla="val 4353185"/>
-                <a:gd name="adj2" fmla="val 6415383"/>
-              </a:avLst>
-            </a:prstGeom>
-            <a:ln w="12700">
-              <a:solidFill>
-                <a:schemeClr val="tx1"/>
-              </a:solidFill>
-            </a:ln>
-          </p:spPr>
-          <p:style>
-            <a:lnRef idx="1">
-              <a:schemeClr val="accent1"/>
-            </a:lnRef>
-            <a:fillRef idx="0">
-              <a:schemeClr val="accent1"/>
-            </a:fillRef>
-            <a:effectRef idx="0">
-              <a:schemeClr val="accent1"/>
-            </a:effectRef>
-            <a:fontRef idx="minor">
-              <a:schemeClr val="tx1"/>
-            </a:fontRef>
-          </p:style>
-          <p:txBody>
-            <a:bodyPr rtlCol="0" anchor="ctr"/>
-            <a:lstStyle/>
-            <a:p>
-              <a:pPr algn="ctr"/>
-              <a:endParaRPr lang="en-GB" dirty="0"/>
-            </a:p>
-          </p:txBody>
-        </p:sp>
-        <p:sp>
-          <p:nvSpPr>
-            <p:cNvPr id="43" name="Arc 42">
-              <a:extLst>
-                <a:ext uri="{FF2B5EF4-FFF2-40B4-BE49-F238E27FC236}">
-                  <a16:creationId xmlns:a16="http://schemas.microsoft.com/office/drawing/2014/main" id="{534D25B3-5FC7-443F-91FD-D5F4CCECF992}"/>
-                </a:ext>
-              </a:extLst>
-            </p:cNvPr>
-            <p:cNvSpPr/>
-            <p:nvPr/>
-          </p:nvSpPr>
-          <p:spPr>
-            <a:xfrm rot="20943522" flipH="1">
-              <a:off x="4045177" y="1027344"/>
-              <a:ext cx="147154" cy="388224"/>
-            </a:xfrm>
-            <a:prstGeom prst="arc">
-              <a:avLst>
-                <a:gd name="adj1" fmla="val 16187962"/>
-                <a:gd name="adj2" fmla="val 4540538"/>
-              </a:avLst>
-            </a:prstGeom>
-            <a:ln w="12700">
-              <a:solidFill>
-                <a:schemeClr val="tx1"/>
-              </a:solidFill>
-            </a:ln>
-          </p:spPr>
-          <p:style>
-            <a:lnRef idx="1">
-              <a:schemeClr val="accent1"/>
-            </a:lnRef>
-            <a:fillRef idx="0">
-              <a:schemeClr val="accent1"/>
-            </a:fillRef>
-            <a:effectRef idx="0">
-              <a:schemeClr val="accent1"/>
-            </a:effectRef>
-            <a:fontRef idx="minor">
-              <a:schemeClr val="tx1"/>
-            </a:fontRef>
-          </p:style>
-          <p:txBody>
-            <a:bodyPr rtlCol="0" anchor="ctr"/>
-            <a:lstStyle/>
-            <a:p>
-              <a:pPr algn="ctr"/>
-              <a:endParaRPr lang="en-GB" dirty="0"/>
-            </a:p>
-          </p:txBody>
-        </p:sp>
-        <p:sp>
-          <p:nvSpPr>
-            <p:cNvPr id="45" name="Arc 44">
-              <a:extLst>
-                <a:ext uri="{FF2B5EF4-FFF2-40B4-BE49-F238E27FC236}">
-                  <a16:creationId xmlns:a16="http://schemas.microsoft.com/office/drawing/2014/main" id="{ED384AEE-463E-4ED5-B84F-3F36DF640D1B}"/>
-                </a:ext>
-              </a:extLst>
-            </p:cNvPr>
-            <p:cNvSpPr/>
-            <p:nvPr/>
-          </p:nvSpPr>
-          <p:spPr>
-            <a:xfrm rot="333008">
-              <a:off x="4016954" y="1029858"/>
-              <a:ext cx="92037" cy="388224"/>
-            </a:xfrm>
-            <a:prstGeom prst="arc">
-              <a:avLst>
-                <a:gd name="adj1" fmla="val 16187962"/>
-                <a:gd name="adj2" fmla="val 4659982"/>
-              </a:avLst>
-            </a:prstGeom>
-            <a:ln w="12700">
-              <a:solidFill>
-                <a:schemeClr val="tx1"/>
-              </a:solidFill>
-            </a:ln>
-          </p:spPr>
-          <p:style>
-            <a:lnRef idx="1">
-              <a:schemeClr val="accent1"/>
-            </a:lnRef>
-            <a:fillRef idx="0">
-              <a:schemeClr val="accent1"/>
-            </a:fillRef>
-            <a:effectRef idx="0">
-              <a:schemeClr val="accent1"/>
-            </a:effectRef>
-            <a:fontRef idx="minor">
-              <a:schemeClr val="tx1"/>
-            </a:fontRef>
-          </p:style>
-          <p:txBody>
-            <a:bodyPr rtlCol="0" anchor="ctr"/>
-            <a:lstStyle/>
-            <a:p>
-              <a:pPr algn="ctr"/>
-              <a:endParaRPr lang="en-GB" dirty="0"/>
-            </a:p>
-          </p:txBody>
-        </p:sp>
-        <p:sp>
-          <p:nvSpPr>
-            <p:cNvPr id="46" name="Arc 45">
-              <a:extLst>
-                <a:ext uri="{FF2B5EF4-FFF2-40B4-BE49-F238E27FC236}">
-                  <a16:creationId xmlns:a16="http://schemas.microsoft.com/office/drawing/2014/main" id="{449D493A-AB35-42AB-B5AC-1AB7C36746E8}"/>
-                </a:ext>
-              </a:extLst>
-            </p:cNvPr>
-            <p:cNvSpPr/>
-            <p:nvPr/>
-          </p:nvSpPr>
-          <p:spPr>
-            <a:xfrm rot="333008">
-              <a:off x="3878651" y="1029858"/>
-              <a:ext cx="92037" cy="388224"/>
-            </a:xfrm>
-            <a:prstGeom prst="arc">
-              <a:avLst>
-                <a:gd name="adj1" fmla="val 16187962"/>
-                <a:gd name="adj2" fmla="val 4654946"/>
-              </a:avLst>
-            </a:prstGeom>
-            <a:ln w="12700">
-              <a:solidFill>
-                <a:schemeClr val="tx1"/>
-              </a:solidFill>
-            </a:ln>
-          </p:spPr>
-          <p:style>
-            <a:lnRef idx="1">
-              <a:schemeClr val="accent1"/>
-            </a:lnRef>
-            <a:fillRef idx="0">
-              <a:schemeClr val="accent1"/>
-            </a:fillRef>
-            <a:effectRef idx="0">
-              <a:schemeClr val="accent1"/>
-            </a:effectRef>
-            <a:fontRef idx="minor">
-              <a:schemeClr val="tx1"/>
-            </a:fontRef>
-          </p:style>
-          <p:txBody>
-            <a:bodyPr rtlCol="0" anchor="ctr"/>
-            <a:lstStyle/>
-            <a:p>
-              <a:pPr algn="ctr"/>
-              <a:endParaRPr lang="en-GB" dirty="0"/>
-            </a:p>
-          </p:txBody>
-        </p:sp>
-        <p:sp>
-          <p:nvSpPr>
-            <p:cNvPr id="47" name="Arc 46">
-              <a:extLst>
-                <a:ext uri="{FF2B5EF4-FFF2-40B4-BE49-F238E27FC236}">
-                  <a16:creationId xmlns:a16="http://schemas.microsoft.com/office/drawing/2014/main" id="{1620C6B1-5EFF-4848-BD3D-EE1F1AF556DB}"/>
-                </a:ext>
-              </a:extLst>
-            </p:cNvPr>
-            <p:cNvSpPr/>
-            <p:nvPr/>
-          </p:nvSpPr>
-          <p:spPr>
-            <a:xfrm rot="20943522" flipH="1">
-              <a:off x="3906874" y="1027344"/>
-              <a:ext cx="147154" cy="388224"/>
-            </a:xfrm>
-            <a:prstGeom prst="arc">
-              <a:avLst>
-                <a:gd name="adj1" fmla="val 16187962"/>
-                <a:gd name="adj2" fmla="val 4509191"/>
-              </a:avLst>
-            </a:prstGeom>
-            <a:ln w="12700">
-              <a:solidFill>
-                <a:schemeClr val="tx1"/>
-              </a:solidFill>
-            </a:ln>
-          </p:spPr>
-          <p:style>
-            <a:lnRef idx="1">
-              <a:schemeClr val="accent1"/>
-            </a:lnRef>
-            <a:fillRef idx="0">
-              <a:schemeClr val="accent1"/>
-            </a:fillRef>
-            <a:effectRef idx="0">
-              <a:schemeClr val="accent1"/>
-            </a:effectRef>
-            <a:fontRef idx="minor">
-              <a:schemeClr val="tx1"/>
-            </a:fontRef>
-          </p:style>
-          <p:txBody>
-            <a:bodyPr rtlCol="0" anchor="ctr"/>
-            <a:lstStyle/>
-            <a:p>
-              <a:pPr algn="ctr"/>
-              <a:endParaRPr lang="en-GB" dirty="0"/>
-            </a:p>
-          </p:txBody>
-        </p:sp>
-        <p:sp>
-          <p:nvSpPr>
-            <p:cNvPr id="48" name="Arc 47">
-              <a:extLst>
-                <a:ext uri="{FF2B5EF4-FFF2-40B4-BE49-F238E27FC236}">
-                  <a16:creationId xmlns:a16="http://schemas.microsoft.com/office/drawing/2014/main" id="{9F23453F-970D-4428-B314-E5E773CA4AD5}"/>
-                </a:ext>
-              </a:extLst>
-            </p:cNvPr>
-            <p:cNvSpPr/>
-            <p:nvPr/>
-          </p:nvSpPr>
-          <p:spPr>
-            <a:xfrm flipH="1">
-              <a:off x="3909383" y="905090"/>
-              <a:ext cx="218166" cy="507738"/>
-            </a:xfrm>
-            <a:prstGeom prst="arc">
-              <a:avLst>
-                <a:gd name="adj1" fmla="val 4353185"/>
-                <a:gd name="adj2" fmla="val 6415383"/>
-              </a:avLst>
-            </a:prstGeom>
-            <a:ln w="12700">
-              <a:solidFill>
-                <a:schemeClr val="tx1"/>
-              </a:solidFill>
-            </a:ln>
-          </p:spPr>
-          <p:style>
-            <a:lnRef idx="1">
-              <a:schemeClr val="accent1"/>
-            </a:lnRef>
-            <a:fillRef idx="0">
-              <a:schemeClr val="accent1"/>
-            </a:fillRef>
-            <a:effectRef idx="0">
-              <a:schemeClr val="accent1"/>
-            </a:effectRef>
-            <a:fontRef idx="minor">
-              <a:schemeClr val="tx1"/>
-            </a:fontRef>
-          </p:style>
-          <p:txBody>
-            <a:bodyPr rtlCol="0" anchor="ctr"/>
-            <a:lstStyle/>
-            <a:p>
-              <a:pPr algn="ctr"/>
-              <a:endParaRPr lang="en-GB" dirty="0"/>
-            </a:p>
-          </p:txBody>
-        </p:sp>
-        <p:sp>
-          <p:nvSpPr>
-            <p:cNvPr id="41" name="Arc 40">
-              <a:extLst>
-                <a:ext uri="{FF2B5EF4-FFF2-40B4-BE49-F238E27FC236}">
-                  <a16:creationId xmlns:a16="http://schemas.microsoft.com/office/drawing/2014/main" id="{D812D8BD-C7F8-4682-BC5C-B54A40F4C4A1}"/>
-                </a:ext>
-              </a:extLst>
-            </p:cNvPr>
-            <p:cNvSpPr/>
-            <p:nvPr/>
-          </p:nvSpPr>
-          <p:spPr>
-            <a:xfrm flipH="1">
-              <a:off x="4047790" y="905090"/>
-              <a:ext cx="218165" cy="507738"/>
-            </a:xfrm>
-            <a:prstGeom prst="arc">
-              <a:avLst>
-                <a:gd name="adj1" fmla="val 4353185"/>
-                <a:gd name="adj2" fmla="val 6415383"/>
-              </a:avLst>
-            </a:prstGeom>
-            <a:ln w="12700">
-              <a:solidFill>
-                <a:schemeClr val="tx1"/>
-              </a:solidFill>
-            </a:ln>
-          </p:spPr>
-          <p:style>
-            <a:lnRef idx="1">
-              <a:schemeClr val="accent1"/>
-            </a:lnRef>
-            <a:fillRef idx="0">
-              <a:schemeClr val="accent1"/>
-            </a:fillRef>
-            <a:effectRef idx="0">
-              <a:schemeClr val="accent1"/>
-            </a:effectRef>
-            <a:fontRef idx="minor">
-              <a:schemeClr val="tx1"/>
-            </a:fontRef>
-          </p:style>
-          <p:txBody>
-            <a:bodyPr rtlCol="0" anchor="ctr"/>
-            <a:lstStyle/>
-            <a:p>
-              <a:pPr algn="ctr"/>
-              <a:endParaRPr lang="en-GB" dirty="0"/>
-            </a:p>
-          </p:txBody>
-        </p:sp>
-        <p:sp>
-          <p:nvSpPr>
-            <p:cNvPr id="42" name="Arc 41">
-              <a:extLst>
-                <a:ext uri="{FF2B5EF4-FFF2-40B4-BE49-F238E27FC236}">
-                  <a16:creationId xmlns:a16="http://schemas.microsoft.com/office/drawing/2014/main" id="{7DC3973D-D10E-41D4-B6A9-6E3CCD596C07}"/>
-                </a:ext>
-              </a:extLst>
-            </p:cNvPr>
-            <p:cNvSpPr/>
-            <p:nvPr/>
-          </p:nvSpPr>
-          <p:spPr>
-            <a:xfrm flipH="1">
-              <a:off x="3771121" y="905090"/>
-              <a:ext cx="218165" cy="507738"/>
-            </a:xfrm>
-            <a:prstGeom prst="arc">
-              <a:avLst>
-                <a:gd name="adj1" fmla="val 2333109"/>
-                <a:gd name="adj2" fmla="val 6415383"/>
-              </a:avLst>
-            </a:prstGeom>
-            <a:ln w="12700">
-              <a:solidFill>
-                <a:schemeClr val="tx1"/>
-              </a:solidFill>
-            </a:ln>
-          </p:spPr>
-          <p:style>
-            <a:lnRef idx="1">
-              <a:schemeClr val="accent1"/>
-            </a:lnRef>
-            <a:fillRef idx="0">
-              <a:schemeClr val="accent1"/>
-            </a:fillRef>
-            <a:effectRef idx="0">
-              <a:schemeClr val="accent1"/>
-            </a:effectRef>
-            <a:fontRef idx="minor">
-              <a:schemeClr val="tx1"/>
-            </a:fontRef>
-          </p:style>
-          <p:txBody>
-            <a:bodyPr rtlCol="0" anchor="ctr"/>
-            <a:lstStyle/>
-            <a:p>
-              <a:pPr algn="ctr"/>
-              <a:endParaRPr lang="en-GB" dirty="0"/>
-            </a:p>
-          </p:txBody>
-        </p:sp>
-      </p:grpSp>
+            </a:solidFill>
+          </a:ln>
+        </p:spPr>
+        <p:style>
+          <a:lnRef idx="1">
+            <a:schemeClr val="accent1"/>
+          </a:lnRef>
+          <a:fillRef idx="0">
+            <a:schemeClr val="accent1"/>
+          </a:fillRef>
+          <a:effectRef idx="0">
+            <a:schemeClr val="accent1"/>
+          </a:effectRef>
+          <a:fontRef idx="minor">
+            <a:schemeClr val="tx1"/>
+          </a:fontRef>
+        </p:style>
+        <p:txBody>
+          <a:bodyPr rtlCol="0" anchor="ctr"/>
+          <a:lstStyle/>
+          <a:p>
+            <a:pPr algn="ctr"/>
+            <a:endParaRPr lang="en-GB" dirty="0"/>
+          </a:p>
+        </p:txBody>
+      </p:sp>
       <p:cxnSp>
         <p:nvCxnSpPr>
           <p:cNvPr id="35" name="Straight Connector 34">
@@ -5352,8 +5252,8 @@
         </p:nvCxnSpPr>
         <p:spPr>
           <a:xfrm flipH="1">
-            <a:off x="2195706" y="1243497"/>
-            <a:ext cx="777625" cy="0"/>
+            <a:off x="2195707" y="1243497"/>
+            <a:ext cx="741740" cy="0"/>
           </a:xfrm>
           <a:prstGeom prst="line">
             <a:avLst/>
@@ -5402,93 +5302,72 @@
           <a:effectLst/>
         </p:spPr>
       </p:cxnSp>
-      <p:grpSp>
-        <p:nvGrpSpPr>
-          <p:cNvPr id="3" name="Group 2">
+      <p:cxnSp>
+        <p:nvCxnSpPr>
+          <p:cNvPr id="32" name="Straight Connector 31">
             <a:extLst>
               <a:ext uri="{FF2B5EF4-FFF2-40B4-BE49-F238E27FC236}">
-                <a16:creationId xmlns:a16="http://schemas.microsoft.com/office/drawing/2014/main" id="{C3655046-2488-46A4-9540-1381A5D08A54}"/>
+                <a16:creationId xmlns:a16="http://schemas.microsoft.com/office/drawing/2014/main" id="{B9A8188E-66B0-43D4-9A53-84B1AE054882}"/>
               </a:ext>
             </a:extLst>
           </p:cNvPr>
-          <p:cNvGrpSpPr/>
+          <p:cNvCxnSpPr>
+            <a:cxnSpLocks/>
+          </p:cNvCxnSpPr>
           <p:nvPr/>
-        </p:nvGrpSpPr>
-        <p:grpSpPr>
-          <a:xfrm>
-            <a:off x="1833611" y="2298047"/>
-            <a:ext cx="720000" cy="74527"/>
-            <a:chOff x="506048" y="2530608"/>
-            <a:chExt cx="720000" cy="74527"/>
+        </p:nvCxnSpPr>
+        <p:spPr>
+          <a:xfrm rot="16200000">
+            <a:off x="2193611" y="1938047"/>
+            <a:ext cx="0" cy="720000"/>
           </a:xfrm>
-        </p:grpSpPr>
-        <p:cxnSp>
-          <p:nvCxnSpPr>
-            <p:cNvPr id="32" name="Straight Connector 31">
-              <a:extLst>
-                <a:ext uri="{FF2B5EF4-FFF2-40B4-BE49-F238E27FC236}">
-                  <a16:creationId xmlns:a16="http://schemas.microsoft.com/office/drawing/2014/main" id="{B9A8188E-66B0-43D4-9A53-84B1AE054882}"/>
-                </a:ext>
-              </a:extLst>
-            </p:cNvPr>
-            <p:cNvCxnSpPr>
-              <a:cxnSpLocks/>
-            </p:cNvCxnSpPr>
-            <p:nvPr/>
-          </p:nvCxnSpPr>
-          <p:spPr>
-            <a:xfrm rot="16200000">
-              <a:off x="866048" y="2170608"/>
-              <a:ext cx="0" cy="720000"/>
-            </a:xfrm>
-            <a:prstGeom prst="line">
-              <a:avLst/>
-            </a:prstGeom>
-            <a:noFill/>
-            <a:ln w="12700" cap="flat" cmpd="sng" algn="ctr">
-              <a:solidFill>
-                <a:schemeClr val="tx1"/>
-              </a:solidFill>
-              <a:prstDash val="solid"/>
-              <a:miter lim="800000"/>
-            </a:ln>
-            <a:effectLst/>
-          </p:spPr>
-        </p:cxnSp>
-        <p:cxnSp>
-          <p:nvCxnSpPr>
-            <p:cNvPr id="33" name="Straight Connector 32">
-              <a:extLst>
-                <a:ext uri="{FF2B5EF4-FFF2-40B4-BE49-F238E27FC236}">
-                  <a16:creationId xmlns:a16="http://schemas.microsoft.com/office/drawing/2014/main" id="{776F8BCF-7590-4CD3-857C-A229F81BBCFA}"/>
-                </a:ext>
-              </a:extLst>
-            </p:cNvPr>
-            <p:cNvCxnSpPr>
-              <a:cxnSpLocks/>
-            </p:cNvCxnSpPr>
-            <p:nvPr/>
-          </p:nvCxnSpPr>
-          <p:spPr>
-            <a:xfrm rot="16200000">
-              <a:off x="866048" y="2425135"/>
-              <a:ext cx="0" cy="360000"/>
-            </a:xfrm>
-            <a:prstGeom prst="line">
-              <a:avLst/>
-            </a:prstGeom>
-            <a:noFill/>
-            <a:ln w="12700" cap="flat" cmpd="sng" algn="ctr">
-              <a:solidFill>
-                <a:schemeClr val="tx1"/>
-              </a:solidFill>
-              <a:prstDash val="solid"/>
-              <a:miter lim="800000"/>
-            </a:ln>
-            <a:effectLst/>
-          </p:spPr>
-        </p:cxnSp>
-      </p:grpSp>
+          <a:prstGeom prst="line">
+            <a:avLst/>
+          </a:prstGeom>
+          <a:noFill/>
+          <a:ln w="12700" cap="flat" cmpd="sng" algn="ctr">
+            <a:solidFill>
+              <a:schemeClr val="tx1"/>
+            </a:solidFill>
+            <a:prstDash val="solid"/>
+            <a:miter lim="800000"/>
+          </a:ln>
+          <a:effectLst/>
+        </p:spPr>
+      </p:cxnSp>
+      <p:cxnSp>
+        <p:nvCxnSpPr>
+          <p:cNvPr id="33" name="Straight Connector 32">
+            <a:extLst>
+              <a:ext uri="{FF2B5EF4-FFF2-40B4-BE49-F238E27FC236}">
+                <a16:creationId xmlns:a16="http://schemas.microsoft.com/office/drawing/2014/main" id="{776F8BCF-7590-4CD3-857C-A229F81BBCFA}"/>
+              </a:ext>
+            </a:extLst>
+          </p:cNvPr>
+          <p:cNvCxnSpPr>
+            <a:cxnSpLocks/>
+          </p:cNvCxnSpPr>
+          <p:nvPr/>
+        </p:nvCxnSpPr>
+        <p:spPr>
+          <a:xfrm rot="16200000">
+            <a:off x="2193611" y="2192574"/>
+            <a:ext cx="0" cy="360000"/>
+          </a:xfrm>
+          <a:prstGeom prst="line">
+            <a:avLst/>
+          </a:prstGeom>
+          <a:noFill/>
+          <a:ln w="12700" cap="flat" cmpd="sng" algn="ctr">
+            <a:solidFill>
+              <a:schemeClr val="tx1"/>
+            </a:solidFill>
+            <a:prstDash val="solid"/>
+            <a:miter lim="800000"/>
+          </a:ln>
+          <a:effectLst/>
+        </p:spPr>
+      </p:cxnSp>
       <p:cxnSp>
         <p:nvCxnSpPr>
           <p:cNvPr id="99" name="Straight Connector 98">
@@ -5506,7 +5385,7 @@
         <p:spPr>
           <a:xfrm flipV="1">
             <a:off x="5729648" y="1241620"/>
-            <a:ext cx="0" cy="876896"/>
+            <a:ext cx="0" cy="1012840"/>
           </a:xfrm>
           <a:prstGeom prst="line">
             <a:avLst/>
@@ -5531,13 +5410,15 @@
               </a:ext>
             </a:extLst>
           </p:cNvPr>
-          <p:cNvCxnSpPr/>
+          <p:cNvCxnSpPr>
+            <a:cxnSpLocks/>
+          </p:cNvCxnSpPr>
           <p:nvPr/>
         </p:nvCxnSpPr>
         <p:spPr>
-          <a:xfrm rot="16200000">
-            <a:off x="5286065" y="2985416"/>
-            <a:ext cx="887166" cy="0"/>
+          <a:xfrm flipV="1">
+            <a:off x="5729648" y="2407210"/>
+            <a:ext cx="0" cy="1021789"/>
           </a:xfrm>
           <a:prstGeom prst="line">
             <a:avLst/>
@@ -5553,218 +5434,72 @@
           <a:effectLst/>
         </p:spPr>
       </p:cxnSp>
-      <p:grpSp>
-        <p:nvGrpSpPr>
-          <p:cNvPr id="25" name="Group 24">
+      <p:cxnSp>
+        <p:nvCxnSpPr>
+          <p:cNvPr id="104" name="Straight Connector 103">
             <a:extLst>
               <a:ext uri="{FF2B5EF4-FFF2-40B4-BE49-F238E27FC236}">
-                <a16:creationId xmlns:a16="http://schemas.microsoft.com/office/drawing/2014/main" id="{ED8FAA32-A113-44CF-B921-372602666BBE}"/>
+                <a16:creationId xmlns:a16="http://schemas.microsoft.com/office/drawing/2014/main" id="{FF825C65-48D7-4E1B-B54E-77207993C965}"/>
               </a:ext>
             </a:extLst>
           </p:cNvPr>
-          <p:cNvGrpSpPr/>
+          <p:cNvCxnSpPr>
+            <a:cxnSpLocks/>
+          </p:cNvCxnSpPr>
           <p:nvPr/>
-        </p:nvGrpSpPr>
-        <p:grpSpPr>
-          <a:xfrm>
-            <a:off x="5369649" y="1996019"/>
-            <a:ext cx="720001" cy="669673"/>
-            <a:chOff x="5369649" y="1996019"/>
-            <a:chExt cx="720001" cy="669673"/>
+        </p:nvCxnSpPr>
+        <p:spPr>
+          <a:xfrm rot="16200000">
+            <a:off x="5729650" y="1894461"/>
+            <a:ext cx="0" cy="720000"/>
           </a:xfrm>
-        </p:grpSpPr>
-        <p:cxnSp>
-          <p:nvCxnSpPr>
-            <p:cNvPr id="102" name="Straight Connector 101">
-              <a:extLst>
-                <a:ext uri="{FF2B5EF4-FFF2-40B4-BE49-F238E27FC236}">
-                  <a16:creationId xmlns:a16="http://schemas.microsoft.com/office/drawing/2014/main" id="{4D5343DA-8C3F-4801-8F2D-ABFE5966C82E}"/>
-                </a:ext>
-              </a:extLst>
-            </p:cNvPr>
-            <p:cNvCxnSpPr>
-              <a:cxnSpLocks/>
-            </p:cNvCxnSpPr>
-            <p:nvPr/>
-          </p:nvCxnSpPr>
-          <p:spPr>
-            <a:xfrm rot="16200000">
-              <a:off x="5633692" y="2569714"/>
-              <a:ext cx="191957" cy="0"/>
-            </a:xfrm>
-            <a:prstGeom prst="line">
-              <a:avLst/>
-            </a:prstGeom>
-            <a:noFill/>
-            <a:ln w="12700" cap="flat" cmpd="sng" algn="ctr">
-              <a:solidFill>
-                <a:schemeClr val="tx1"/>
-              </a:solidFill>
-              <a:prstDash val="solid"/>
-              <a:miter lim="800000"/>
-            </a:ln>
-            <a:effectLst/>
-          </p:spPr>
-        </p:cxnSp>
-        <p:cxnSp>
-          <p:nvCxnSpPr>
-            <p:cNvPr id="103" name="Straight Connector 102">
-              <a:extLst>
-                <a:ext uri="{FF2B5EF4-FFF2-40B4-BE49-F238E27FC236}">
-                  <a16:creationId xmlns:a16="http://schemas.microsoft.com/office/drawing/2014/main" id="{D3E98ED6-8841-4A6E-B97B-4488CF70BBC8}"/>
-                </a:ext>
-              </a:extLst>
-            </p:cNvPr>
-            <p:cNvCxnSpPr>
-              <a:cxnSpLocks/>
-            </p:cNvCxnSpPr>
-            <p:nvPr/>
-          </p:nvCxnSpPr>
-          <p:spPr>
-            <a:xfrm rot="16200000">
-              <a:off x="5633692" y="2091998"/>
-              <a:ext cx="191957" cy="0"/>
-            </a:xfrm>
-            <a:prstGeom prst="line">
-              <a:avLst/>
-            </a:prstGeom>
-            <a:noFill/>
-            <a:ln w="12700" cap="flat" cmpd="sng" algn="ctr">
-              <a:solidFill>
-                <a:schemeClr val="tx1"/>
-              </a:solidFill>
-              <a:prstDash val="solid"/>
-              <a:miter lim="800000"/>
-            </a:ln>
-            <a:effectLst/>
-          </p:spPr>
-        </p:cxnSp>
-        <p:cxnSp>
-          <p:nvCxnSpPr>
-            <p:cNvPr id="104" name="Straight Connector 103">
-              <a:extLst>
-                <a:ext uri="{FF2B5EF4-FFF2-40B4-BE49-F238E27FC236}">
-                  <a16:creationId xmlns:a16="http://schemas.microsoft.com/office/drawing/2014/main" id="{FF825C65-48D7-4E1B-B54E-77207993C965}"/>
-                </a:ext>
-              </a:extLst>
-            </p:cNvPr>
-            <p:cNvCxnSpPr>
-              <a:cxnSpLocks/>
-            </p:cNvCxnSpPr>
-            <p:nvPr/>
-          </p:nvCxnSpPr>
-          <p:spPr>
-            <a:xfrm rot="16200000">
-              <a:off x="5729650" y="1827957"/>
-              <a:ext cx="0" cy="720000"/>
-            </a:xfrm>
-            <a:prstGeom prst="line">
-              <a:avLst/>
-            </a:prstGeom>
-            <a:noFill/>
-            <a:ln w="12700" cap="flat" cmpd="sng" algn="ctr">
-              <a:solidFill>
-                <a:schemeClr val="tx1"/>
-              </a:solidFill>
-              <a:prstDash val="solid"/>
-              <a:miter lim="800000"/>
-            </a:ln>
-            <a:effectLst/>
-          </p:spPr>
-        </p:cxnSp>
-        <p:cxnSp>
-          <p:nvCxnSpPr>
-            <p:cNvPr id="105" name="Straight Connector 104">
-              <a:extLst>
-                <a:ext uri="{FF2B5EF4-FFF2-40B4-BE49-F238E27FC236}">
-                  <a16:creationId xmlns:a16="http://schemas.microsoft.com/office/drawing/2014/main" id="{7CA5B803-73E7-4C07-906A-7AF04B7D6AC8}"/>
-                </a:ext>
-              </a:extLst>
-            </p:cNvPr>
-            <p:cNvCxnSpPr>
-              <a:cxnSpLocks/>
-            </p:cNvCxnSpPr>
-            <p:nvPr/>
-          </p:nvCxnSpPr>
-          <p:spPr>
-            <a:xfrm rot="16200000">
-              <a:off x="5729649" y="2113715"/>
-              <a:ext cx="0" cy="720000"/>
-            </a:xfrm>
-            <a:prstGeom prst="line">
-              <a:avLst/>
-            </a:prstGeom>
-            <a:noFill/>
-            <a:ln w="12700" cap="flat" cmpd="sng" algn="ctr">
-              <a:solidFill>
-                <a:schemeClr val="tx1"/>
-              </a:solidFill>
-              <a:prstDash val="solid"/>
-              <a:miter lim="800000"/>
-            </a:ln>
-            <a:effectLst/>
-          </p:spPr>
-        </p:cxnSp>
-        <p:sp>
-          <p:nvSpPr>
-            <p:cNvPr id="101" name="Rectangle 100">
-              <a:extLst>
-                <a:ext uri="{FF2B5EF4-FFF2-40B4-BE49-F238E27FC236}">
-                  <a16:creationId xmlns:a16="http://schemas.microsoft.com/office/drawing/2014/main" id="{DFE027FD-317C-4766-B7BF-0840D48687BC}"/>
-                </a:ext>
-              </a:extLst>
-            </p:cNvPr>
-            <p:cNvSpPr/>
-            <p:nvPr/>
-          </p:nvSpPr>
-          <p:spPr>
-            <a:xfrm>
-              <a:off x="5369650" y="2198774"/>
-              <a:ext cx="719994" cy="262800"/>
-            </a:xfrm>
-            <a:prstGeom prst="rect">
-              <a:avLst/>
-            </a:prstGeom>
-            <a:pattFill prst="wdUpDiag">
-              <a:fgClr>
-                <a:schemeClr val="bg1">
-                  <a:lumMod val="95000"/>
-                </a:schemeClr>
-              </a:fgClr>
-              <a:bgClr>
-                <a:schemeClr val="bg1"/>
-              </a:bgClr>
-            </a:pattFill>
-            <a:ln w="12700">
-              <a:noFill/>
-            </a:ln>
-          </p:spPr>
-          <p:style>
-            <a:lnRef idx="2">
-              <a:schemeClr val="accent1">
-                <a:shade val="50000"/>
-              </a:schemeClr>
-            </a:lnRef>
-            <a:fillRef idx="1">
-              <a:schemeClr val="accent1"/>
-            </a:fillRef>
-            <a:effectRef idx="0">
-              <a:schemeClr val="accent1"/>
-            </a:effectRef>
-            <a:fontRef idx="minor">
-              <a:schemeClr val="lt1"/>
-            </a:fontRef>
-          </p:style>
-          <p:txBody>
-            <a:bodyPr rtlCol="0" anchor="ctr"/>
-            <a:lstStyle/>
-            <a:p>
-              <a:pPr algn="ctr"/>
-              <a:endParaRPr lang="en-GB" dirty="0"/>
-            </a:p>
-          </p:txBody>
-        </p:sp>
-      </p:grpSp>
+          <a:prstGeom prst="line">
+            <a:avLst/>
+          </a:prstGeom>
+          <a:noFill/>
+          <a:ln w="28575" cap="flat" cmpd="sng" algn="ctr">
+            <a:solidFill>
+              <a:schemeClr val="tx1"/>
+            </a:solidFill>
+            <a:prstDash val="solid"/>
+            <a:miter lim="800000"/>
+          </a:ln>
+          <a:effectLst/>
+        </p:spPr>
+      </p:cxnSp>
+      <p:cxnSp>
+        <p:nvCxnSpPr>
+          <p:cNvPr id="105" name="Straight Connector 104">
+            <a:extLst>
+              <a:ext uri="{FF2B5EF4-FFF2-40B4-BE49-F238E27FC236}">
+                <a16:creationId xmlns:a16="http://schemas.microsoft.com/office/drawing/2014/main" id="{7CA5B803-73E7-4C07-906A-7AF04B7D6AC8}"/>
+              </a:ext>
+            </a:extLst>
+          </p:cNvPr>
+          <p:cNvCxnSpPr>
+            <a:cxnSpLocks/>
+          </p:cNvCxnSpPr>
+          <p:nvPr/>
+        </p:nvCxnSpPr>
+        <p:spPr>
+          <a:xfrm rot="16200000">
+            <a:off x="5729649" y="2047211"/>
+            <a:ext cx="0" cy="720000"/>
+          </a:xfrm>
+          <a:prstGeom prst="line">
+            <a:avLst/>
+          </a:prstGeom>
+          <a:noFill/>
+          <a:ln w="28575" cap="flat" cmpd="sng" algn="ctr">
+            <a:solidFill>
+              <a:schemeClr val="tx1"/>
+            </a:solidFill>
+            <a:prstDash val="solid"/>
+            <a:miter lim="800000"/>
+          </a:ln>
+          <a:effectLst/>
+        </p:spPr>
+      </p:cxnSp>
       <p:cxnSp>
         <p:nvCxnSpPr>
           <p:cNvPr id="115" name="Straight Connector 114">
@@ -5847,8 +5582,8 @@
         </p:nvCxnSpPr>
         <p:spPr>
           <a:xfrm flipH="1">
-            <a:off x="3441755" y="1243497"/>
-            <a:ext cx="592806" cy="0"/>
+            <a:off x="3406361" y="1243497"/>
+            <a:ext cx="628200" cy="0"/>
           </a:xfrm>
           <a:prstGeom prst="line">
             <a:avLst/>
@@ -5864,6 +5599,570 @@
           <a:effectLst/>
         </p:spPr>
       </p:cxnSp>
+      <mc:AlternateContent xmlns:mc="http://schemas.openxmlformats.org/markup-compatibility/2006" xmlns:a14="http://schemas.microsoft.com/office/drawing/2010/main">
+        <mc:Choice Requires="a14">
+          <p:sp>
+            <p:nvSpPr>
+              <p:cNvPr id="54" name="TextBox 53">
+                <a:extLst>
+                  <a:ext uri="{FF2B5EF4-FFF2-40B4-BE49-F238E27FC236}">
+                    <a16:creationId xmlns:a16="http://schemas.microsoft.com/office/drawing/2014/main" id="{243E25CF-4DC5-4075-82B9-38D158DE327E}"/>
+                  </a:ext>
+                </a:extLst>
+              </p:cNvPr>
+              <p:cNvSpPr txBox="1"/>
+              <p:nvPr/>
+            </p:nvSpPr>
+            <p:spPr>
+              <a:xfrm>
+                <a:off x="4568451" y="683999"/>
+                <a:ext cx="181075" cy="276999"/>
+              </a:xfrm>
+              <a:prstGeom prst="rect">
+                <a:avLst/>
+              </a:prstGeom>
+              <a:noFill/>
+              <a:ln w="12700">
+                <a:noFill/>
+              </a:ln>
+            </p:spPr>
+            <p:txBody>
+              <a:bodyPr wrap="none" lIns="0" tIns="0" rIns="0" bIns="0" rtlCol="0">
+                <a:spAutoFit/>
+              </a:bodyPr>
+              <a:lstStyle/>
+              <a:p>
+                <a:pPr marL="0" marR="0" lvl="0" indent="0" defTabSz="914400" eaLnBrk="1" fontAlgn="auto" latinLnBrk="0" hangingPunct="1">
+                  <a:lnSpc>
+                    <a:spcPct val="100000"/>
+                  </a:lnSpc>
+                  <a:spcBef>
+                    <a:spcPts val="0"/>
+                  </a:spcBef>
+                  <a:spcAft>
+                    <a:spcPts val="0"/>
+                  </a:spcAft>
+                  <a:buClrTx/>
+                  <a:buSzTx/>
+                  <a:buFontTx/>
+                  <a:buNone/>
+                  <a:tabLst/>
+                  <a:defRPr/>
+                </a:pPr>
+                <a14:m>
+                  <m:oMathPara xmlns:m="http://schemas.openxmlformats.org/officeDocument/2006/math">
+                    <m:oMathParaPr>
+                      <m:jc m:val="centerGroup"/>
+                    </m:oMathParaPr>
+                    <m:oMath xmlns:m="http://schemas.openxmlformats.org/officeDocument/2006/math">
+                      <m:r>
+                        <m:rPr>
+                          <m:sty m:val="p"/>
+                        </m:rPr>
+                        <a:rPr kumimoji="0" lang="en-US" sz="1800" b="0" i="0" u="none" strike="noStrike" kern="0" cap="none" spc="0" normalizeH="0" baseline="0" noProof="0" smtClean="0">
+                          <a:ln>
+                            <a:noFill/>
+                          </a:ln>
+                          <a:solidFill>
+                            <a:prstClr val="black"/>
+                          </a:solidFill>
+                          <a:effectLst/>
+                          <a:uLnTx/>
+                          <a:uFillTx/>
+                          <a:latin typeface="Cambria Math" panose="02040503050406030204" pitchFamily="18" charset="0"/>
+                        </a:rPr>
+                        <m:t>L</m:t>
+                      </m:r>
+                    </m:oMath>
+                  </m:oMathPara>
+                </a14:m>
+                <a:endParaRPr kumimoji="0" lang="en-GB" sz="1800" b="0" u="none" strike="noStrike" kern="0" cap="none" spc="0" normalizeH="0" baseline="0" noProof="0" dirty="0">
+                  <a:ln>
+                    <a:noFill/>
+                  </a:ln>
+                  <a:solidFill>
+                    <a:prstClr val="black"/>
+                  </a:solidFill>
+                  <a:effectLst/>
+                  <a:uLnTx/>
+                  <a:uFillTx/>
+                  <a:latin typeface="Calibri" panose="020F0502020204030204"/>
+                </a:endParaRPr>
+              </a:p>
+            </p:txBody>
+          </p:sp>
+        </mc:Choice>
+        <mc:Fallback xmlns="">
+          <p:sp>
+            <p:nvSpPr>
+              <p:cNvPr id="54" name="TextBox 53">
+                <a:extLst>
+                  <a:ext uri="{FF2B5EF4-FFF2-40B4-BE49-F238E27FC236}">
+                    <a16:creationId xmlns:a16="http://schemas.microsoft.com/office/drawing/2014/main" id="{243E25CF-4DC5-4075-82B9-38D158DE327E}"/>
+                  </a:ext>
+                </a:extLst>
+              </p:cNvPr>
+              <p:cNvSpPr txBox="1">
+                <a:spLocks noRot="1" noChangeAspect="1" noMove="1" noResize="1" noEditPoints="1" noAdjustHandles="1" noChangeArrowheads="1" noChangeShapeType="1" noTextEdit="1"/>
+              </p:cNvSpPr>
+              <p:nvPr/>
+            </p:nvSpPr>
+            <p:spPr>
+              <a:xfrm>
+                <a:off x="4568451" y="683999"/>
+                <a:ext cx="181075" cy="276999"/>
+              </a:xfrm>
+              <a:prstGeom prst="rect">
+                <a:avLst/>
+              </a:prstGeom>
+              <a:blipFill>
+                <a:blip r:embed="rId3"/>
+                <a:stretch>
+                  <a:fillRect l="-26667" r="-30000" b="-6522"/>
+                </a:stretch>
+              </a:blipFill>
+              <a:ln w="12700">
+                <a:noFill/>
+              </a:ln>
+            </p:spPr>
+            <p:txBody>
+              <a:bodyPr/>
+              <a:lstStyle/>
+              <a:p>
+                <a:r>
+                  <a:rPr lang="en-US">
+                    <a:noFill/>
+                  </a:rPr>
+                  <a:t> </a:t>
+                </a:r>
+              </a:p>
+            </p:txBody>
+          </p:sp>
+        </mc:Fallback>
+      </mc:AlternateContent>
+      <mc:AlternateContent xmlns:mc="http://schemas.openxmlformats.org/markup-compatibility/2006" xmlns:a14="http://schemas.microsoft.com/office/drawing/2010/main">
+        <mc:Choice Requires="a14">
+          <p:sp>
+            <p:nvSpPr>
+              <p:cNvPr id="55" name="TextBox 54">
+                <a:extLst>
+                  <a:ext uri="{FF2B5EF4-FFF2-40B4-BE49-F238E27FC236}">
+                    <a16:creationId xmlns:a16="http://schemas.microsoft.com/office/drawing/2014/main" id="{0F46E247-E1EA-4BE4-BC8A-4EEC41451E47}"/>
+                  </a:ext>
+                </a:extLst>
+              </p:cNvPr>
+              <p:cNvSpPr txBox="1"/>
+              <p:nvPr/>
+            </p:nvSpPr>
+            <p:spPr>
+              <a:xfrm>
+                <a:off x="6087552" y="2182066"/>
+                <a:ext cx="182742" cy="276999"/>
+              </a:xfrm>
+              <a:prstGeom prst="rect">
+                <a:avLst/>
+              </a:prstGeom>
+              <a:noFill/>
+              <a:ln w="12700">
+                <a:noFill/>
+              </a:ln>
+            </p:spPr>
+            <p:txBody>
+              <a:bodyPr wrap="none" lIns="0" tIns="0" rIns="0" bIns="0" rtlCol="0">
+                <a:spAutoFit/>
+              </a:bodyPr>
+              <a:lstStyle/>
+              <a:p>
+                <a:pPr marL="0" marR="0" lvl="0" indent="0" defTabSz="914400" eaLnBrk="1" fontAlgn="auto" latinLnBrk="0" hangingPunct="1">
+                  <a:lnSpc>
+                    <a:spcPct val="100000"/>
+                  </a:lnSpc>
+                  <a:spcBef>
+                    <a:spcPts val="0"/>
+                  </a:spcBef>
+                  <a:spcAft>
+                    <a:spcPts val="0"/>
+                  </a:spcAft>
+                  <a:buClrTx/>
+                  <a:buSzTx/>
+                  <a:buFontTx/>
+                  <a:buNone/>
+                  <a:tabLst/>
+                  <a:defRPr/>
+                </a:pPr>
+                <a14:m>
+                  <m:oMathPara xmlns:m="http://schemas.openxmlformats.org/officeDocument/2006/math">
+                    <m:oMathParaPr>
+                      <m:jc m:val="right"/>
+                    </m:oMathParaPr>
+                    <m:oMath xmlns:m="http://schemas.openxmlformats.org/officeDocument/2006/math">
+                      <m:r>
+                        <m:rPr>
+                          <m:sty m:val="p"/>
+                        </m:rPr>
+                        <a:rPr kumimoji="0" lang="en-US" sz="1800" b="0" i="0" u="none" strike="noStrike" kern="0" cap="none" spc="0" normalizeH="0" baseline="0" noProof="0" smtClean="0">
+                          <a:ln>
+                            <a:noFill/>
+                          </a:ln>
+                          <a:solidFill>
+                            <a:prstClr val="black"/>
+                          </a:solidFill>
+                          <a:effectLst/>
+                          <a:uLnTx/>
+                          <a:uFillTx/>
+                          <a:latin typeface="Cambria Math" panose="02040503050406030204" pitchFamily="18" charset="0"/>
+                        </a:rPr>
+                        <m:t>C</m:t>
+                      </m:r>
+                    </m:oMath>
+                  </m:oMathPara>
+                </a14:m>
+                <a:endParaRPr kumimoji="0" lang="en-GB" sz="1800" b="0" u="none" strike="noStrike" kern="0" cap="none" spc="0" normalizeH="0" baseline="0" noProof="0" dirty="0">
+                  <a:ln>
+                    <a:noFill/>
+                  </a:ln>
+                  <a:solidFill>
+                    <a:prstClr val="black"/>
+                  </a:solidFill>
+                  <a:effectLst/>
+                  <a:uLnTx/>
+                  <a:uFillTx/>
+                  <a:latin typeface="Calibri" panose="020F0502020204030204"/>
+                </a:endParaRPr>
+              </a:p>
+            </p:txBody>
+          </p:sp>
+        </mc:Choice>
+        <mc:Fallback xmlns="">
+          <p:sp>
+            <p:nvSpPr>
+              <p:cNvPr id="55" name="TextBox 54">
+                <a:extLst>
+                  <a:ext uri="{FF2B5EF4-FFF2-40B4-BE49-F238E27FC236}">
+                    <a16:creationId xmlns:a16="http://schemas.microsoft.com/office/drawing/2014/main" id="{0F46E247-E1EA-4BE4-BC8A-4EEC41451E47}"/>
+                  </a:ext>
+                </a:extLst>
+              </p:cNvPr>
+              <p:cNvSpPr txBox="1">
+                <a:spLocks noRot="1" noChangeAspect="1" noMove="1" noResize="1" noEditPoints="1" noAdjustHandles="1" noChangeArrowheads="1" noChangeShapeType="1" noTextEdit="1"/>
+              </p:cNvSpPr>
+              <p:nvPr/>
+            </p:nvSpPr>
+            <p:spPr>
+              <a:xfrm>
+                <a:off x="6087552" y="2182066"/>
+                <a:ext cx="182742" cy="276999"/>
+              </a:xfrm>
+              <a:prstGeom prst="rect">
+                <a:avLst/>
+              </a:prstGeom>
+              <a:blipFill>
+                <a:blip r:embed="rId4"/>
+                <a:stretch>
+                  <a:fillRect l="-16667" r="-43333" b="-6667"/>
+                </a:stretch>
+              </a:blipFill>
+              <a:ln w="12700">
+                <a:noFill/>
+              </a:ln>
+            </p:spPr>
+            <p:txBody>
+              <a:bodyPr/>
+              <a:lstStyle/>
+              <a:p>
+                <a:r>
+                  <a:rPr lang="en-US">
+                    <a:noFill/>
+                  </a:rPr>
+                  <a:t> </a:t>
+                </a:r>
+              </a:p>
+            </p:txBody>
+          </p:sp>
+        </mc:Fallback>
+      </mc:AlternateContent>
+      <mc:AlternateContent xmlns:mc="http://schemas.openxmlformats.org/markup-compatibility/2006">
+        <mc:Choice xmlns:a14="http://schemas.microsoft.com/office/drawing/2010/main" Requires="a14">
+          <p:sp>
+            <p:nvSpPr>
+              <p:cNvPr id="59" name="TextBox 58">
+                <a:extLst>
+                  <a:ext uri="{FF2B5EF4-FFF2-40B4-BE49-F238E27FC236}">
+                    <a16:creationId xmlns:a16="http://schemas.microsoft.com/office/drawing/2014/main" id="{17F62262-98EE-46B8-9156-E5EA85DF7AAE}"/>
+                  </a:ext>
+                </a:extLst>
+              </p:cNvPr>
+              <p:cNvSpPr txBox="1"/>
+              <p:nvPr/>
+            </p:nvSpPr>
+            <p:spPr>
+              <a:xfrm>
+                <a:off x="1640175" y="2182066"/>
+                <a:ext cx="195566" cy="276999"/>
+              </a:xfrm>
+              <a:prstGeom prst="rect">
+                <a:avLst/>
+              </a:prstGeom>
+              <a:noFill/>
+              <a:ln w="12700">
+                <a:noFill/>
+              </a:ln>
+            </p:spPr>
+            <p:txBody>
+              <a:bodyPr wrap="none" lIns="0" tIns="0" rIns="0" bIns="0" rtlCol="0">
+                <a:spAutoFit/>
+              </a:bodyPr>
+              <a:lstStyle/>
+              <a:p>
+                <a:pPr marL="0" marR="0" lvl="0" indent="0" defTabSz="914400" eaLnBrk="1" fontAlgn="auto" latinLnBrk="0" hangingPunct="1">
+                  <a:lnSpc>
+                    <a:spcPct val="100000"/>
+                  </a:lnSpc>
+                  <a:spcBef>
+                    <a:spcPts val="0"/>
+                  </a:spcBef>
+                  <a:spcAft>
+                    <a:spcPts val="0"/>
+                  </a:spcAft>
+                  <a:buClrTx/>
+                  <a:buSzTx/>
+                  <a:buFontTx/>
+                  <a:buNone/>
+                  <a:tabLst/>
+                  <a:defRPr/>
+                </a:pPr>
+                <a14:m>
+                  <m:oMathPara xmlns:m="http://schemas.openxmlformats.org/officeDocument/2006/math">
+                    <m:oMathParaPr>
+                      <m:jc m:val="left"/>
+                    </m:oMathParaPr>
+                    <m:oMath xmlns:m="http://schemas.openxmlformats.org/officeDocument/2006/math">
+                      <m:r>
+                        <m:rPr>
+                          <m:sty m:val="p"/>
+                        </m:rPr>
+                        <a:rPr kumimoji="0" lang="en-US" sz="1800" b="0" i="0" u="none" strike="noStrike" kern="0" cap="none" spc="0" normalizeH="0" baseline="0" noProof="0" smtClean="0">
+                          <a:ln>
+                            <a:noFill/>
+                          </a:ln>
+                          <a:solidFill>
+                            <a:schemeClr val="accent6"/>
+                          </a:solidFill>
+                          <a:effectLst/>
+                          <a:uLnTx/>
+                          <a:uFillTx/>
+                          <a:latin typeface="Cambria Math" panose="02040503050406030204" pitchFamily="18" charset="0"/>
+                        </a:rPr>
+                        <m:t>V</m:t>
+                      </m:r>
+                    </m:oMath>
+                  </m:oMathPara>
+                </a14:m>
+                <a:endParaRPr kumimoji="0" lang="en-GB" sz="1800" b="0" u="none" strike="noStrike" kern="0" cap="none" spc="0" normalizeH="0" baseline="0" noProof="0" dirty="0">
+                  <a:ln>
+                    <a:noFill/>
+                  </a:ln>
+                  <a:solidFill>
+                    <a:schemeClr val="accent6"/>
+                  </a:solidFill>
+                  <a:effectLst/>
+                  <a:uLnTx/>
+                  <a:uFillTx/>
+                  <a:latin typeface="Calibri" panose="020F0502020204030204"/>
+                </a:endParaRPr>
+              </a:p>
+            </p:txBody>
+          </p:sp>
+        </mc:Choice>
+        <mc:Fallback>
+          <p:sp>
+            <p:nvSpPr>
+              <p:cNvPr id="59" name="TextBox 58">
+                <a:extLst>
+                  <a:ext uri="{FF2B5EF4-FFF2-40B4-BE49-F238E27FC236}">
+                    <a16:creationId xmlns:a16="http://schemas.microsoft.com/office/drawing/2014/main" id="{17F62262-98EE-46B8-9156-E5EA85DF7AAE}"/>
+                  </a:ext>
+                </a:extLst>
+              </p:cNvPr>
+              <p:cNvSpPr txBox="1">
+                <a:spLocks noRot="1" noChangeAspect="1" noMove="1" noResize="1" noEditPoints="1" noAdjustHandles="1" noChangeArrowheads="1" noChangeShapeType="1" noTextEdit="1"/>
+              </p:cNvSpPr>
+              <p:nvPr/>
+            </p:nvSpPr>
+            <p:spPr>
+              <a:xfrm>
+                <a:off x="1640175" y="2182066"/>
+                <a:ext cx="195566" cy="276999"/>
+              </a:xfrm>
+              <a:prstGeom prst="rect">
+                <a:avLst/>
+              </a:prstGeom>
+              <a:blipFill>
+                <a:blip r:embed="rId5"/>
+                <a:stretch>
+                  <a:fillRect l="-40625" r="-15625" b="-6667"/>
+                </a:stretch>
+              </a:blipFill>
+              <a:ln w="12700">
+                <a:noFill/>
+              </a:ln>
+            </p:spPr>
+            <p:txBody>
+              <a:bodyPr/>
+              <a:lstStyle/>
+              <a:p>
+                <a:r>
+                  <a:rPr lang="en-US">
+                    <a:noFill/>
+                  </a:rPr>
+                  <a:t> </a:t>
+                </a:r>
+              </a:p>
+            </p:txBody>
+          </p:sp>
+        </mc:Fallback>
+      </mc:AlternateContent>
+      <mc:AlternateContent xmlns:mc="http://schemas.openxmlformats.org/markup-compatibility/2006">
+        <mc:Choice xmlns:a14="http://schemas.microsoft.com/office/drawing/2010/main" Requires="a14">
+          <p:sp>
+            <p:nvSpPr>
+              <p:cNvPr id="71" name="TextBox 70">
+                <a:extLst>
+                  <a:ext uri="{FF2B5EF4-FFF2-40B4-BE49-F238E27FC236}">
+                    <a16:creationId xmlns:a16="http://schemas.microsoft.com/office/drawing/2014/main" id="{DA450F0F-2F80-4623-B81D-A4A7D01D5157}"/>
+                  </a:ext>
+                </a:extLst>
+              </p:cNvPr>
+              <p:cNvSpPr txBox="1"/>
+              <p:nvPr/>
+            </p:nvSpPr>
+            <p:spPr>
+              <a:xfrm>
+                <a:off x="4005465" y="2182066"/>
+                <a:ext cx="52900" cy="276999"/>
+              </a:xfrm>
+              <a:prstGeom prst="rect">
+                <a:avLst/>
+              </a:prstGeom>
+              <a:noFill/>
+              <a:ln w="12700">
+                <a:noFill/>
+              </a:ln>
+            </p:spPr>
+            <p:txBody>
+              <a:bodyPr wrap="none" lIns="0" tIns="0" rIns="0" bIns="0" rtlCol="0">
+                <a:spAutoFit/>
+              </a:bodyPr>
+              <a:lstStyle/>
+              <a:p>
+                <a:pPr marL="0" marR="0" lvl="0" indent="0" algn="ctr" defTabSz="914400" rtl="1" eaLnBrk="1" fontAlgn="auto" latinLnBrk="0" hangingPunct="1">
+                  <a:lnSpc>
+                    <a:spcPct val="100000"/>
+                  </a:lnSpc>
+                  <a:spcBef>
+                    <a:spcPts val="0"/>
+                  </a:spcBef>
+                  <a:spcAft>
+                    <a:spcPts val="0"/>
+                  </a:spcAft>
+                  <a:buClrTx/>
+                  <a:buSzTx/>
+                  <a:buFontTx/>
+                  <a:buNone/>
+                  <a:tabLst/>
+                  <a:defRPr/>
+                </a:pPr>
+                <a14:m>
+                  <m:oMathPara xmlns:m="http://schemas.openxmlformats.org/officeDocument/2006/math">
+                    <m:oMathParaPr>
+                      <m:jc m:val="center"/>
+                    </m:oMathParaPr>
+                    <m:oMath xmlns:m="http://schemas.openxmlformats.org/officeDocument/2006/math">
+                      <m:r>
+                        <m:rPr>
+                          <m:sty m:val="p"/>
+                        </m:rPr>
+                        <a:rPr kumimoji="0" lang="en-US" sz="1800" b="0" i="0" u="none" strike="noStrike" kern="0" cap="none" spc="0" normalizeH="0" baseline="0" noProof="0" smtClean="0">
+                          <a:ln>
+                            <a:noFill/>
+                          </a:ln>
+                          <a:solidFill>
+                            <a:schemeClr val="accent1"/>
+                          </a:solidFill>
+                          <a:effectLst/>
+                          <a:uLnTx/>
+                          <a:uFillTx/>
+                          <a:latin typeface="Cambria Math" panose="02040503050406030204" pitchFamily="18" charset="0"/>
+                        </a:rPr>
+                        <m:t>i</m:t>
+                      </m:r>
+                    </m:oMath>
+                  </m:oMathPara>
+                </a14:m>
+                <a:endParaRPr kumimoji="0" lang="en-GB" sz="1800" b="0" u="none" strike="noStrike" kern="0" cap="none" spc="0" normalizeH="0" baseline="0" noProof="0" dirty="0">
+                  <a:ln>
+                    <a:noFill/>
+                  </a:ln>
+                  <a:solidFill>
+                    <a:schemeClr val="accent1"/>
+                  </a:solidFill>
+                  <a:effectLst/>
+                  <a:uLnTx/>
+                  <a:uFillTx/>
+                  <a:latin typeface="Calibri" panose="020F0502020204030204"/>
+                </a:endParaRPr>
+              </a:p>
+            </p:txBody>
+          </p:sp>
+        </mc:Choice>
+        <mc:Fallback>
+          <p:sp>
+            <p:nvSpPr>
+              <p:cNvPr id="71" name="TextBox 70">
+                <a:extLst>
+                  <a:ext uri="{FF2B5EF4-FFF2-40B4-BE49-F238E27FC236}">
+                    <a16:creationId xmlns:a16="http://schemas.microsoft.com/office/drawing/2014/main" id="{DA450F0F-2F80-4623-B81D-A4A7D01D5157}"/>
+                  </a:ext>
+                </a:extLst>
+              </p:cNvPr>
+              <p:cNvSpPr txBox="1">
+                <a:spLocks noRot="1" noChangeAspect="1" noMove="1" noResize="1" noEditPoints="1" noAdjustHandles="1" noChangeArrowheads="1" noChangeShapeType="1" noTextEdit="1"/>
+              </p:cNvSpPr>
+              <p:nvPr/>
+            </p:nvSpPr>
+            <p:spPr>
+              <a:xfrm>
+                <a:off x="4005465" y="2182066"/>
+                <a:ext cx="52900" cy="276999"/>
+              </a:xfrm>
+              <a:prstGeom prst="rect">
+                <a:avLst/>
+              </a:prstGeom>
+              <a:blipFill>
+                <a:blip r:embed="rId6"/>
+                <a:stretch>
+                  <a:fillRect l="-144444" r="-177778" b="-6667"/>
+                </a:stretch>
+              </a:blipFill>
+              <a:ln w="12700">
+                <a:noFill/>
+              </a:ln>
+            </p:spPr>
+            <p:txBody>
+              <a:bodyPr/>
+              <a:lstStyle/>
+              <a:p>
+                <a:r>
+                  <a:rPr lang="en-US">
+                    <a:noFill/>
+                  </a:rPr>
+                  <a:t> </a:t>
+                </a:r>
+              </a:p>
+            </p:txBody>
+          </p:sp>
+        </mc:Fallback>
+      </mc:AlternateContent>
     </p:spTree>
     <p:extLst>
       <p:ext uri="{BB962C8B-B14F-4D97-AF65-F5344CB8AC3E}">
@@ -6445,8 +6744,8 @@
             </p:spPr>
           </p:cxnSp>
         </p:grpSp>
-        <mc:AlternateContent xmlns:mc="http://schemas.openxmlformats.org/markup-compatibility/2006">
-          <mc:Choice xmlns:a14="http://schemas.microsoft.com/office/drawing/2010/main" Requires="a14">
+        <mc:AlternateContent xmlns:mc="http://schemas.openxmlformats.org/markup-compatibility/2006" xmlns:a14="http://schemas.microsoft.com/office/drawing/2010/main">
+          <mc:Choice Requires="a14">
             <p:sp>
               <p:nvSpPr>
                 <p:cNvPr id="78" name="TextBox 77">
@@ -6598,7 +6897,7 @@
               </p:txBody>
             </p:sp>
           </mc:Choice>
-          <mc:Fallback>
+          <mc:Fallback xmlns="">
             <p:sp>
               <p:nvSpPr>
                 <p:cNvPr id="78" name="TextBox 77">
@@ -6952,8 +7251,8 @@
             </p:spPr>
           </p:cxnSp>
         </p:grpSp>
-        <mc:AlternateContent xmlns:mc="http://schemas.openxmlformats.org/markup-compatibility/2006">
-          <mc:Choice xmlns:a14="http://schemas.microsoft.com/office/drawing/2010/main" Requires="a14">
+        <mc:AlternateContent xmlns:mc="http://schemas.openxmlformats.org/markup-compatibility/2006" xmlns:a14="http://schemas.microsoft.com/office/drawing/2010/main">
+          <mc:Choice Requires="a14">
             <p:sp>
               <p:nvSpPr>
                 <p:cNvPr id="201" name="TextBox 200">
@@ -7105,7 +7404,7 @@
               </p:txBody>
             </p:sp>
           </mc:Choice>
-          <mc:Fallback>
+          <mc:Fallback xmlns="">
             <p:sp>
               <p:nvSpPr>
                 <p:cNvPr id="201" name="TextBox 200">
@@ -9910,73 +10209,6 @@
       </p:grpSpPr>
       <p:cxnSp>
         <p:nvCxnSpPr>
-          <p:cNvPr id="85" name="Straight Connector 84">
-            <a:extLst>
-              <a:ext uri="{FF2B5EF4-FFF2-40B4-BE49-F238E27FC236}">
-                <a16:creationId xmlns:a16="http://schemas.microsoft.com/office/drawing/2014/main" id="{1B3930B9-D97F-4304-A862-C123A58323C7}"/>
-              </a:ext>
-            </a:extLst>
-          </p:cNvPr>
-          <p:cNvCxnSpPr>
-            <a:cxnSpLocks/>
-            <a:stCxn id="79" idx="0"/>
-          </p:cNvCxnSpPr>
-          <p:nvPr/>
-        </p:nvCxnSpPr>
-        <p:spPr>
-          <a:xfrm flipH="1" flipV="1">
-            <a:off x="4757379" y="1241620"/>
-            <a:ext cx="1" cy="644058"/>
-          </a:xfrm>
-          <a:prstGeom prst="line">
-            <a:avLst/>
-          </a:prstGeom>
-          <a:noFill/>
-          <a:ln w="12700" cap="flat" cmpd="sng" algn="ctr">
-            <a:solidFill>
-              <a:schemeClr val="tx1"/>
-            </a:solidFill>
-            <a:prstDash val="solid"/>
-            <a:miter lim="800000"/>
-          </a:ln>
-          <a:effectLst/>
-        </p:spPr>
-      </p:cxnSp>
-      <p:cxnSp>
-        <p:nvCxnSpPr>
-          <p:cNvPr id="86" name="Straight Connector 85">
-            <a:extLst>
-              <a:ext uri="{FF2B5EF4-FFF2-40B4-BE49-F238E27FC236}">
-                <a16:creationId xmlns:a16="http://schemas.microsoft.com/office/drawing/2014/main" id="{6B13F455-8D48-4239-BE85-3731FD8049B4}"/>
-              </a:ext>
-            </a:extLst>
-          </p:cNvPr>
-          <p:cNvCxnSpPr>
-            <a:cxnSpLocks/>
-          </p:cNvCxnSpPr>
-          <p:nvPr/>
-        </p:nvCxnSpPr>
-        <p:spPr>
-          <a:xfrm flipH="1" flipV="1">
-            <a:off x="4757379" y="2774662"/>
-            <a:ext cx="0" cy="654337"/>
-          </a:xfrm>
-          <a:prstGeom prst="line">
-            <a:avLst/>
-          </a:prstGeom>
-          <a:noFill/>
-          <a:ln w="12700" cap="flat" cmpd="sng" algn="ctr">
-            <a:solidFill>
-              <a:schemeClr val="tx1"/>
-            </a:solidFill>
-            <a:prstDash val="solid"/>
-            <a:miter lim="800000"/>
-          </a:ln>
-          <a:effectLst/>
-        </p:spPr>
-      </p:cxnSp>
-      <p:cxnSp>
-        <p:nvCxnSpPr>
           <p:cNvPr id="94" name="Straight Connector 93">
             <a:extLst>
               <a:ext uri="{FF2B5EF4-FFF2-40B4-BE49-F238E27FC236}">
@@ -10008,185 +10240,6 @@
           <a:effectLst/>
         </p:spPr>
       </p:cxnSp>
-      <p:grpSp>
-        <p:nvGrpSpPr>
-          <p:cNvPr id="93" name="Group 92">
-            <a:extLst>
-              <a:ext uri="{FF2B5EF4-FFF2-40B4-BE49-F238E27FC236}">
-                <a16:creationId xmlns:a16="http://schemas.microsoft.com/office/drawing/2014/main" id="{012E1A53-905C-4BFF-9132-9C3D321B511A}"/>
-              </a:ext>
-            </a:extLst>
-          </p:cNvPr>
-          <p:cNvGrpSpPr/>
-          <p:nvPr/>
-        </p:nvGrpSpPr>
-        <p:grpSpPr>
-          <a:xfrm flipH="1">
-            <a:off x="4391620" y="1885678"/>
-            <a:ext cx="731520" cy="888984"/>
-            <a:chOff x="7353248" y="1885678"/>
-            <a:chExt cx="731520" cy="888984"/>
-          </a:xfrm>
-        </p:grpSpPr>
-        <p:sp>
-          <p:nvSpPr>
-            <p:cNvPr id="79" name="Rectangle 78">
-              <a:extLst>
-                <a:ext uri="{FF2B5EF4-FFF2-40B4-BE49-F238E27FC236}">
-                  <a16:creationId xmlns:a16="http://schemas.microsoft.com/office/drawing/2014/main" id="{089E51C0-595D-4018-A62F-6ADE33C7BDA9}"/>
-                </a:ext>
-              </a:extLst>
-            </p:cNvPr>
-            <p:cNvSpPr/>
-            <p:nvPr/>
-          </p:nvSpPr>
-          <p:spPr>
-            <a:xfrm>
-              <a:off x="7581848" y="1885678"/>
-              <a:ext cx="274320" cy="232837"/>
-            </a:xfrm>
-            <a:prstGeom prst="rect">
-              <a:avLst/>
-            </a:prstGeom>
-            <a:noFill/>
-            <a:ln w="12700">
-              <a:solidFill>
-                <a:schemeClr val="tx1"/>
-              </a:solidFill>
-            </a:ln>
-          </p:spPr>
-          <p:style>
-            <a:lnRef idx="2">
-              <a:schemeClr val="accent1">
-                <a:shade val="50000"/>
-              </a:schemeClr>
-            </a:lnRef>
-            <a:fillRef idx="1">
-              <a:schemeClr val="accent1"/>
-            </a:fillRef>
-            <a:effectRef idx="0">
-              <a:schemeClr val="accent1"/>
-            </a:effectRef>
-            <a:fontRef idx="minor">
-              <a:schemeClr val="lt1"/>
-            </a:fontRef>
-          </p:style>
-          <p:txBody>
-            <a:bodyPr rtlCol="0" anchor="ctr"/>
-            <a:lstStyle/>
-            <a:p>
-              <a:pPr algn="ctr"/>
-              <a:endParaRPr lang="en-US"/>
-            </a:p>
-          </p:txBody>
-        </p:sp>
-        <p:sp>
-          <p:nvSpPr>
-            <p:cNvPr id="113" name="Rectangle 112">
-              <a:extLst>
-                <a:ext uri="{FF2B5EF4-FFF2-40B4-BE49-F238E27FC236}">
-                  <a16:creationId xmlns:a16="http://schemas.microsoft.com/office/drawing/2014/main" id="{07AF5E67-DBEE-4E78-876F-B9670373AAA3}"/>
-                </a:ext>
-              </a:extLst>
-            </p:cNvPr>
-            <p:cNvSpPr/>
-            <p:nvPr/>
-          </p:nvSpPr>
-          <p:spPr>
-            <a:xfrm>
-              <a:off x="7581848" y="2527858"/>
-              <a:ext cx="274320" cy="246804"/>
-            </a:xfrm>
-            <a:prstGeom prst="rect">
-              <a:avLst/>
-            </a:prstGeom>
-            <a:noFill/>
-            <a:ln w="12700">
-              <a:solidFill>
-                <a:schemeClr val="tx1"/>
-              </a:solidFill>
-            </a:ln>
-          </p:spPr>
-          <p:style>
-            <a:lnRef idx="2">
-              <a:schemeClr val="accent1">
-                <a:shade val="50000"/>
-              </a:schemeClr>
-            </a:lnRef>
-            <a:fillRef idx="1">
-              <a:schemeClr val="accent1"/>
-            </a:fillRef>
-            <a:effectRef idx="0">
-              <a:schemeClr val="accent1"/>
-            </a:effectRef>
-            <a:fontRef idx="minor">
-              <a:schemeClr val="lt1"/>
-            </a:fontRef>
-          </p:style>
-          <p:txBody>
-            <a:bodyPr rtlCol="0" anchor="ctr"/>
-            <a:lstStyle/>
-            <a:p>
-              <a:pPr algn="ctr"/>
-              <a:endParaRPr lang="en-US"/>
-            </a:p>
-          </p:txBody>
-        </p:sp>
-        <p:sp>
-          <p:nvSpPr>
-            <p:cNvPr id="75" name="Oval 74">
-              <a:extLst>
-                <a:ext uri="{FF2B5EF4-FFF2-40B4-BE49-F238E27FC236}">
-                  <a16:creationId xmlns:a16="http://schemas.microsoft.com/office/drawing/2014/main" id="{546BC322-AA09-4D70-840A-F7E46502777E}"/>
-                </a:ext>
-              </a:extLst>
-            </p:cNvPr>
-            <p:cNvSpPr/>
-            <p:nvPr/>
-          </p:nvSpPr>
-          <p:spPr>
-            <a:xfrm>
-              <a:off x="7353248" y="1957426"/>
-              <a:ext cx="731520" cy="731520"/>
-            </a:xfrm>
-            <a:prstGeom prst="ellipse">
-              <a:avLst/>
-            </a:prstGeom>
-            <a:solidFill>
-              <a:schemeClr val="bg1"/>
-            </a:solidFill>
-            <a:ln w="12700">
-              <a:solidFill>
-                <a:schemeClr val="tx1"/>
-              </a:solidFill>
-            </a:ln>
-          </p:spPr>
-          <p:style>
-            <a:lnRef idx="2">
-              <a:schemeClr val="accent1">
-                <a:shade val="50000"/>
-              </a:schemeClr>
-            </a:lnRef>
-            <a:fillRef idx="1">
-              <a:schemeClr val="accent1"/>
-            </a:fillRef>
-            <a:effectRef idx="0">
-              <a:schemeClr val="accent1"/>
-            </a:effectRef>
-            <a:fontRef idx="minor">
-              <a:schemeClr val="lt1"/>
-            </a:fontRef>
-          </p:style>
-          <p:txBody>
-            <a:bodyPr rtlCol="0" anchor="ctr"/>
-            <a:lstStyle/>
-            <a:p>
-              <a:pPr algn="ctr"/>
-              <a:endParaRPr lang="en-US"/>
-            </a:p>
-          </p:txBody>
-        </p:sp>
-      </p:grpSp>
       <p:cxnSp>
         <p:nvCxnSpPr>
           <p:cNvPr id="119" name="Straight Connector 118">
@@ -10459,8 +10512,8 @@
             </p:spPr>
           </p:cxnSp>
         </p:grpSp>
-        <mc:AlternateContent xmlns:mc="http://schemas.openxmlformats.org/markup-compatibility/2006">
-          <mc:Choice xmlns:a14="http://schemas.microsoft.com/office/drawing/2010/main" Requires="a14">
+        <mc:AlternateContent xmlns:mc="http://schemas.openxmlformats.org/markup-compatibility/2006" xmlns:a14="http://schemas.microsoft.com/office/drawing/2010/main">
+          <mc:Choice Requires="a14">
             <p:sp>
               <p:nvSpPr>
                 <p:cNvPr id="201" name="TextBox 200">
@@ -10612,7 +10665,7 @@
               </p:txBody>
             </p:sp>
           </mc:Choice>
-          <mc:Fallback>
+          <mc:Fallback xmlns="">
             <p:sp>
               <p:nvSpPr>
                 <p:cNvPr id="201" name="TextBox 200">
@@ -13693,6 +13746,474 @@
           </p:cxnSp>
         </p:grpSp>
       </p:grpSp>
+      <p:grpSp>
+        <p:nvGrpSpPr>
+          <p:cNvPr id="5" name="Group 4">
+            <a:extLst>
+              <a:ext uri="{FF2B5EF4-FFF2-40B4-BE49-F238E27FC236}">
+                <a16:creationId xmlns:a16="http://schemas.microsoft.com/office/drawing/2014/main" id="{F752BED3-7953-4D64-9B86-723A3B75C68F}"/>
+              </a:ext>
+            </a:extLst>
+          </p:cNvPr>
+          <p:cNvGrpSpPr/>
+          <p:nvPr/>
+        </p:nvGrpSpPr>
+        <p:grpSpPr>
+          <a:xfrm>
+            <a:off x="4391620" y="1241620"/>
+            <a:ext cx="1656481" cy="2187379"/>
+            <a:chOff x="4391620" y="1241620"/>
+            <a:chExt cx="1656481" cy="2187379"/>
+          </a:xfrm>
+        </p:grpSpPr>
+        <p:cxnSp>
+          <p:nvCxnSpPr>
+            <p:cNvPr id="85" name="Straight Connector 84">
+              <a:extLst>
+                <a:ext uri="{FF2B5EF4-FFF2-40B4-BE49-F238E27FC236}">
+                  <a16:creationId xmlns:a16="http://schemas.microsoft.com/office/drawing/2014/main" id="{1B3930B9-D97F-4304-A862-C123A58323C7}"/>
+                </a:ext>
+              </a:extLst>
+            </p:cNvPr>
+            <p:cNvCxnSpPr>
+              <a:cxnSpLocks/>
+              <a:stCxn id="79" idx="0"/>
+            </p:cNvCxnSpPr>
+            <p:nvPr/>
+          </p:nvCxnSpPr>
+          <p:spPr>
+            <a:xfrm flipH="1" flipV="1">
+              <a:off x="4757379" y="1241620"/>
+              <a:ext cx="1" cy="644058"/>
+            </a:xfrm>
+            <a:prstGeom prst="line">
+              <a:avLst/>
+            </a:prstGeom>
+            <a:noFill/>
+            <a:ln w="12700" cap="flat" cmpd="sng" algn="ctr">
+              <a:solidFill>
+                <a:schemeClr val="tx1"/>
+              </a:solidFill>
+              <a:prstDash val="solid"/>
+              <a:miter lim="800000"/>
+            </a:ln>
+            <a:effectLst/>
+          </p:spPr>
+        </p:cxnSp>
+        <p:cxnSp>
+          <p:nvCxnSpPr>
+            <p:cNvPr id="86" name="Straight Connector 85">
+              <a:extLst>
+                <a:ext uri="{FF2B5EF4-FFF2-40B4-BE49-F238E27FC236}">
+                  <a16:creationId xmlns:a16="http://schemas.microsoft.com/office/drawing/2014/main" id="{6B13F455-8D48-4239-BE85-3731FD8049B4}"/>
+                </a:ext>
+              </a:extLst>
+            </p:cNvPr>
+            <p:cNvCxnSpPr>
+              <a:cxnSpLocks/>
+            </p:cNvCxnSpPr>
+            <p:nvPr/>
+          </p:nvCxnSpPr>
+          <p:spPr>
+            <a:xfrm flipH="1" flipV="1">
+              <a:off x="4757379" y="2774662"/>
+              <a:ext cx="0" cy="654337"/>
+            </a:xfrm>
+            <a:prstGeom prst="line">
+              <a:avLst/>
+            </a:prstGeom>
+            <a:noFill/>
+            <a:ln w="12700" cap="flat" cmpd="sng" algn="ctr">
+              <a:solidFill>
+                <a:schemeClr val="tx1"/>
+              </a:solidFill>
+              <a:prstDash val="solid"/>
+              <a:miter lim="800000"/>
+            </a:ln>
+            <a:effectLst/>
+          </p:spPr>
+        </p:cxnSp>
+        <p:grpSp>
+          <p:nvGrpSpPr>
+            <p:cNvPr id="4" name="Group 3">
+              <a:extLst>
+                <a:ext uri="{FF2B5EF4-FFF2-40B4-BE49-F238E27FC236}">
+                  <a16:creationId xmlns:a16="http://schemas.microsoft.com/office/drawing/2014/main" id="{2C649EFB-FE00-47EF-B76D-9A8451F69DFA}"/>
+                </a:ext>
+              </a:extLst>
+            </p:cNvPr>
+            <p:cNvGrpSpPr/>
+            <p:nvPr/>
+          </p:nvGrpSpPr>
+          <p:grpSpPr>
+            <a:xfrm>
+              <a:off x="4391620" y="1885678"/>
+              <a:ext cx="1656481" cy="1054129"/>
+              <a:chOff x="4391620" y="1885678"/>
+              <a:chExt cx="1656481" cy="1054129"/>
+            </a:xfrm>
+          </p:grpSpPr>
+          <p:grpSp>
+            <p:nvGrpSpPr>
+              <p:cNvPr id="93" name="Group 92">
+                <a:extLst>
+                  <a:ext uri="{FF2B5EF4-FFF2-40B4-BE49-F238E27FC236}">
+                    <a16:creationId xmlns:a16="http://schemas.microsoft.com/office/drawing/2014/main" id="{012E1A53-905C-4BFF-9132-9C3D321B511A}"/>
+                  </a:ext>
+                </a:extLst>
+              </p:cNvPr>
+              <p:cNvGrpSpPr/>
+              <p:nvPr/>
+            </p:nvGrpSpPr>
+            <p:grpSpPr>
+              <a:xfrm flipH="1">
+                <a:off x="4391620" y="1885678"/>
+                <a:ext cx="731520" cy="888984"/>
+                <a:chOff x="7353248" y="1885678"/>
+                <a:chExt cx="731520" cy="888984"/>
+              </a:xfrm>
+            </p:grpSpPr>
+            <p:sp>
+              <p:nvSpPr>
+                <p:cNvPr id="79" name="Rectangle 78">
+                  <a:extLst>
+                    <a:ext uri="{FF2B5EF4-FFF2-40B4-BE49-F238E27FC236}">
+                      <a16:creationId xmlns:a16="http://schemas.microsoft.com/office/drawing/2014/main" id="{089E51C0-595D-4018-A62F-6ADE33C7BDA9}"/>
+                    </a:ext>
+                  </a:extLst>
+                </p:cNvPr>
+                <p:cNvSpPr/>
+                <p:nvPr/>
+              </p:nvSpPr>
+              <p:spPr>
+                <a:xfrm>
+                  <a:off x="7581848" y="1885678"/>
+                  <a:ext cx="274320" cy="232837"/>
+                </a:xfrm>
+                <a:prstGeom prst="rect">
+                  <a:avLst/>
+                </a:prstGeom>
+                <a:noFill/>
+                <a:ln w="12700">
+                  <a:solidFill>
+                    <a:schemeClr val="tx1"/>
+                  </a:solidFill>
+                </a:ln>
+              </p:spPr>
+              <p:style>
+                <a:lnRef idx="2">
+                  <a:schemeClr val="accent1">
+                    <a:shade val="50000"/>
+                  </a:schemeClr>
+                </a:lnRef>
+                <a:fillRef idx="1">
+                  <a:schemeClr val="accent1"/>
+                </a:fillRef>
+                <a:effectRef idx="0">
+                  <a:schemeClr val="accent1"/>
+                </a:effectRef>
+                <a:fontRef idx="minor">
+                  <a:schemeClr val="lt1"/>
+                </a:fontRef>
+              </p:style>
+              <p:txBody>
+                <a:bodyPr rtlCol="0" anchor="ctr"/>
+                <a:lstStyle/>
+                <a:p>
+                  <a:pPr algn="ctr"/>
+                  <a:endParaRPr lang="en-US"/>
+                </a:p>
+              </p:txBody>
+            </p:sp>
+            <p:sp>
+              <p:nvSpPr>
+                <p:cNvPr id="113" name="Rectangle 112">
+                  <a:extLst>
+                    <a:ext uri="{FF2B5EF4-FFF2-40B4-BE49-F238E27FC236}">
+                      <a16:creationId xmlns:a16="http://schemas.microsoft.com/office/drawing/2014/main" id="{07AF5E67-DBEE-4E78-876F-B9670373AAA3}"/>
+                    </a:ext>
+                  </a:extLst>
+                </p:cNvPr>
+                <p:cNvSpPr/>
+                <p:nvPr/>
+              </p:nvSpPr>
+              <p:spPr>
+                <a:xfrm>
+                  <a:off x="7581848" y="2527858"/>
+                  <a:ext cx="274320" cy="246804"/>
+                </a:xfrm>
+                <a:prstGeom prst="rect">
+                  <a:avLst/>
+                </a:prstGeom>
+                <a:noFill/>
+                <a:ln w="12700">
+                  <a:solidFill>
+                    <a:schemeClr val="tx1"/>
+                  </a:solidFill>
+                </a:ln>
+              </p:spPr>
+              <p:style>
+                <a:lnRef idx="2">
+                  <a:schemeClr val="accent1">
+                    <a:shade val="50000"/>
+                  </a:schemeClr>
+                </a:lnRef>
+                <a:fillRef idx="1">
+                  <a:schemeClr val="accent1"/>
+                </a:fillRef>
+                <a:effectRef idx="0">
+                  <a:schemeClr val="accent1"/>
+                </a:effectRef>
+                <a:fontRef idx="minor">
+                  <a:schemeClr val="lt1"/>
+                </a:fontRef>
+              </p:style>
+              <p:txBody>
+                <a:bodyPr rtlCol="0" anchor="ctr"/>
+                <a:lstStyle/>
+                <a:p>
+                  <a:pPr algn="ctr"/>
+                  <a:endParaRPr lang="en-US"/>
+                </a:p>
+              </p:txBody>
+            </p:sp>
+            <p:sp>
+              <p:nvSpPr>
+                <p:cNvPr id="75" name="Oval 74">
+                  <a:extLst>
+                    <a:ext uri="{FF2B5EF4-FFF2-40B4-BE49-F238E27FC236}">
+                      <a16:creationId xmlns:a16="http://schemas.microsoft.com/office/drawing/2014/main" id="{546BC322-AA09-4D70-840A-F7E46502777E}"/>
+                    </a:ext>
+                  </a:extLst>
+                </p:cNvPr>
+                <p:cNvSpPr/>
+                <p:nvPr/>
+              </p:nvSpPr>
+              <p:spPr>
+                <a:xfrm>
+                  <a:off x="7353248" y="1957426"/>
+                  <a:ext cx="731520" cy="731520"/>
+                </a:xfrm>
+                <a:prstGeom prst="ellipse">
+                  <a:avLst/>
+                </a:prstGeom>
+                <a:solidFill>
+                  <a:schemeClr val="bg1"/>
+                </a:solidFill>
+                <a:ln w="12700">
+                  <a:solidFill>
+                    <a:schemeClr val="tx1"/>
+                  </a:solidFill>
+                </a:ln>
+              </p:spPr>
+              <p:style>
+                <a:lnRef idx="2">
+                  <a:schemeClr val="accent1">
+                    <a:shade val="50000"/>
+                  </a:schemeClr>
+                </a:lnRef>
+                <a:fillRef idx="1">
+                  <a:schemeClr val="accent1"/>
+                </a:fillRef>
+                <a:effectRef idx="0">
+                  <a:schemeClr val="accent1"/>
+                </a:effectRef>
+                <a:fontRef idx="minor">
+                  <a:schemeClr val="lt1"/>
+                </a:fontRef>
+              </p:style>
+              <p:txBody>
+                <a:bodyPr rtlCol="0" anchor="ctr"/>
+                <a:lstStyle/>
+                <a:p>
+                  <a:pPr algn="ctr"/>
+                  <a:endParaRPr lang="en-US"/>
+                </a:p>
+              </p:txBody>
+            </p:sp>
+          </p:grpSp>
+          <p:grpSp>
+            <p:nvGrpSpPr>
+              <p:cNvPr id="104" name="Group 103">
+                <a:extLst>
+                  <a:ext uri="{FF2B5EF4-FFF2-40B4-BE49-F238E27FC236}">
+                    <a16:creationId xmlns:a16="http://schemas.microsoft.com/office/drawing/2014/main" id="{14C2CF73-ED34-41D7-8BE7-AB74DE1A50E8}"/>
+                  </a:ext>
+                </a:extLst>
+              </p:cNvPr>
+              <p:cNvGrpSpPr/>
+              <p:nvPr/>
+            </p:nvGrpSpPr>
+            <p:grpSpPr>
+              <a:xfrm rot="1800000">
+                <a:off x="4676501" y="2465265"/>
+                <a:ext cx="1371600" cy="474542"/>
+                <a:chOff x="9160500" y="4221461"/>
+                <a:chExt cx="1371600" cy="474542"/>
+              </a:xfrm>
+            </p:grpSpPr>
+            <p:sp>
+              <p:nvSpPr>
+                <p:cNvPr id="121" name="Rectangle 120">
+                  <a:extLst>
+                    <a:ext uri="{FF2B5EF4-FFF2-40B4-BE49-F238E27FC236}">
+                      <a16:creationId xmlns:a16="http://schemas.microsoft.com/office/drawing/2014/main" id="{39E79A2E-8B7B-4E30-A504-9111649EEDA5}"/>
+                    </a:ext>
+                  </a:extLst>
+                </p:cNvPr>
+                <p:cNvSpPr/>
+                <p:nvPr/>
+              </p:nvSpPr>
+              <p:spPr>
+                <a:xfrm rot="16200000">
+                  <a:off x="9823440" y="3772932"/>
+                  <a:ext cx="45719" cy="1371600"/>
+                </a:xfrm>
+                <a:prstGeom prst="rect">
+                  <a:avLst/>
+                </a:prstGeom>
+                <a:solidFill>
+                  <a:schemeClr val="bg1"/>
+                </a:solidFill>
+                <a:ln w="12700">
+                  <a:solidFill>
+                    <a:schemeClr val="tx1"/>
+                  </a:solidFill>
+                </a:ln>
+              </p:spPr>
+              <p:style>
+                <a:lnRef idx="2">
+                  <a:schemeClr val="accent1">
+                    <a:shade val="50000"/>
+                  </a:schemeClr>
+                </a:lnRef>
+                <a:fillRef idx="1">
+                  <a:schemeClr val="accent1"/>
+                </a:fillRef>
+                <a:effectRef idx="0">
+                  <a:schemeClr val="accent1"/>
+                </a:effectRef>
+                <a:fontRef idx="minor">
+                  <a:schemeClr val="lt1"/>
+                </a:fontRef>
+              </p:style>
+              <p:txBody>
+                <a:bodyPr rtlCol="0" anchor="ctr"/>
+                <a:lstStyle/>
+                <a:p>
+                  <a:pPr algn="ctr"/>
+                  <a:endParaRPr lang="en-US" sz="2800" dirty="0"/>
+                </a:p>
+              </p:txBody>
+            </p:sp>
+            <p:sp>
+              <p:nvSpPr>
+                <p:cNvPr id="126" name="Arc 125">
+                  <a:extLst>
+                    <a:ext uri="{FF2B5EF4-FFF2-40B4-BE49-F238E27FC236}">
+                      <a16:creationId xmlns:a16="http://schemas.microsoft.com/office/drawing/2014/main" id="{F29AAF0C-9B33-4BF2-B080-60D10A81FE3A}"/>
+                    </a:ext>
+                  </a:extLst>
+                </p:cNvPr>
+                <p:cNvSpPr/>
+                <p:nvPr/>
+              </p:nvSpPr>
+              <p:spPr>
+                <a:xfrm flipH="1">
+                  <a:off x="9975460" y="4221461"/>
+                  <a:ext cx="278320" cy="474542"/>
+                </a:xfrm>
+                <a:prstGeom prst="arc">
+                  <a:avLst>
+                    <a:gd name="adj1" fmla="val 14712621"/>
+                    <a:gd name="adj2" fmla="val 5048999"/>
+                  </a:avLst>
+                </a:prstGeom>
+                <a:ln>
+                  <a:headEnd type="stealth" w="med" len="med"/>
+                  <a:tailEnd type="none" w="med" len="med"/>
+                </a:ln>
+              </p:spPr>
+              <p:style>
+                <a:lnRef idx="1">
+                  <a:schemeClr val="accent1"/>
+                </a:lnRef>
+                <a:fillRef idx="0">
+                  <a:schemeClr val="accent1"/>
+                </a:fillRef>
+                <a:effectRef idx="0">
+                  <a:schemeClr val="accent1"/>
+                </a:effectRef>
+                <a:fontRef idx="minor">
+                  <a:schemeClr val="tx1"/>
+                </a:fontRef>
+              </p:style>
+              <p:txBody>
+                <a:bodyPr rtlCol="0" anchor="ctr"/>
+                <a:lstStyle/>
+                <a:p>
+                  <a:pPr algn="ctr"/>
+                  <a:endParaRPr lang="en-US"/>
+                </a:p>
+              </p:txBody>
+            </p:sp>
+            <p:sp>
+              <p:nvSpPr>
+                <p:cNvPr id="127" name="Arc 126">
+                  <a:extLst>
+                    <a:ext uri="{FF2B5EF4-FFF2-40B4-BE49-F238E27FC236}">
+                      <a16:creationId xmlns:a16="http://schemas.microsoft.com/office/drawing/2014/main" id="{29666C66-1C61-44E4-B6ED-9EC4FB59085F}"/>
+                    </a:ext>
+                  </a:extLst>
+                </p:cNvPr>
+                <p:cNvSpPr/>
+                <p:nvPr/>
+              </p:nvSpPr>
+              <p:spPr>
+                <a:xfrm flipH="1">
+                  <a:off x="10253780" y="4221461"/>
+                  <a:ext cx="278320" cy="474542"/>
+                </a:xfrm>
+                <a:prstGeom prst="arc">
+                  <a:avLst>
+                    <a:gd name="adj1" fmla="val 14712621"/>
+                    <a:gd name="adj2" fmla="val 5048999"/>
+                  </a:avLst>
+                </a:prstGeom>
+                <a:ln>
+                  <a:solidFill>
+                    <a:schemeClr val="accent6"/>
+                  </a:solidFill>
+                  <a:headEnd type="stealth" w="med" len="med"/>
+                  <a:tailEnd type="none" w="med" len="med"/>
+                </a:ln>
+              </p:spPr>
+              <p:style>
+                <a:lnRef idx="1">
+                  <a:schemeClr val="accent1"/>
+                </a:lnRef>
+                <a:fillRef idx="0">
+                  <a:schemeClr val="accent1"/>
+                </a:fillRef>
+                <a:effectRef idx="0">
+                  <a:schemeClr val="accent1"/>
+                </a:effectRef>
+                <a:fontRef idx="minor">
+                  <a:schemeClr val="tx1"/>
+                </a:fontRef>
+              </p:style>
+              <p:txBody>
+                <a:bodyPr rtlCol="0" anchor="ctr"/>
+                <a:lstStyle/>
+                <a:p>
+                  <a:pPr algn="ctr"/>
+                  <a:endParaRPr lang="en-US" dirty="0"/>
+                </a:p>
+              </p:txBody>
+            </p:sp>
+          </p:grpSp>
+        </p:grpSp>
+      </p:grpSp>
     </p:spTree>
     <p:extLst>
       <p:ext uri="{BB962C8B-B14F-4D97-AF65-F5344CB8AC3E}">
@@ -13758,73 +14279,6 @@
       </p:cxnSp>
       <p:cxnSp>
         <p:nvCxnSpPr>
-          <p:cNvPr id="85" name="Straight Connector 84">
-            <a:extLst>
-              <a:ext uri="{FF2B5EF4-FFF2-40B4-BE49-F238E27FC236}">
-                <a16:creationId xmlns:a16="http://schemas.microsoft.com/office/drawing/2014/main" id="{1B3930B9-D97F-4304-A862-C123A58323C7}"/>
-              </a:ext>
-            </a:extLst>
-          </p:cNvPr>
-          <p:cNvCxnSpPr>
-            <a:cxnSpLocks/>
-            <a:stCxn id="79" idx="0"/>
-          </p:cNvCxnSpPr>
-          <p:nvPr/>
-        </p:nvCxnSpPr>
-        <p:spPr>
-          <a:xfrm flipV="1">
-            <a:off x="5623929" y="1241620"/>
-            <a:ext cx="1" cy="644058"/>
-          </a:xfrm>
-          <a:prstGeom prst="line">
-            <a:avLst/>
-          </a:prstGeom>
-          <a:noFill/>
-          <a:ln w="12700" cap="flat" cmpd="sng" algn="ctr">
-            <a:solidFill>
-              <a:schemeClr val="tx1"/>
-            </a:solidFill>
-            <a:prstDash val="solid"/>
-            <a:miter lim="800000"/>
-          </a:ln>
-          <a:effectLst/>
-        </p:spPr>
-      </p:cxnSp>
-      <p:cxnSp>
-        <p:nvCxnSpPr>
-          <p:cNvPr id="86" name="Straight Connector 85">
-            <a:extLst>
-              <a:ext uri="{FF2B5EF4-FFF2-40B4-BE49-F238E27FC236}">
-                <a16:creationId xmlns:a16="http://schemas.microsoft.com/office/drawing/2014/main" id="{6B13F455-8D48-4239-BE85-3731FD8049B4}"/>
-              </a:ext>
-            </a:extLst>
-          </p:cNvPr>
-          <p:cNvCxnSpPr>
-            <a:cxnSpLocks/>
-          </p:cNvCxnSpPr>
-          <p:nvPr/>
-        </p:nvCxnSpPr>
-        <p:spPr>
-          <a:xfrm flipV="1">
-            <a:off x="5623930" y="2774662"/>
-            <a:ext cx="0" cy="654337"/>
-          </a:xfrm>
-          <a:prstGeom prst="line">
-            <a:avLst/>
-          </a:prstGeom>
-          <a:noFill/>
-          <a:ln w="12700" cap="flat" cmpd="sng" algn="ctr">
-            <a:solidFill>
-              <a:schemeClr val="tx1"/>
-            </a:solidFill>
-            <a:prstDash val="solid"/>
-            <a:miter lim="800000"/>
-          </a:ln>
-          <a:effectLst/>
-        </p:spPr>
-      </p:cxnSp>
-      <p:cxnSp>
-        <p:nvCxnSpPr>
           <p:cNvPr id="94" name="Straight Connector 93">
             <a:extLst>
               <a:ext uri="{FF2B5EF4-FFF2-40B4-BE49-F238E27FC236}">
@@ -13856,185 +14310,6 @@
           <a:effectLst/>
         </p:spPr>
       </p:cxnSp>
-      <p:grpSp>
-        <p:nvGrpSpPr>
-          <p:cNvPr id="4" name="Group 3">
-            <a:extLst>
-              <a:ext uri="{FF2B5EF4-FFF2-40B4-BE49-F238E27FC236}">
-                <a16:creationId xmlns:a16="http://schemas.microsoft.com/office/drawing/2014/main" id="{F40BDA13-69C1-4FFE-9A71-55C2B4774CA2}"/>
-              </a:ext>
-            </a:extLst>
-          </p:cNvPr>
-          <p:cNvGrpSpPr/>
-          <p:nvPr/>
-        </p:nvGrpSpPr>
-        <p:grpSpPr>
-          <a:xfrm>
-            <a:off x="5258169" y="1885678"/>
-            <a:ext cx="731520" cy="888984"/>
-            <a:chOff x="5258169" y="1885678"/>
-            <a:chExt cx="731520" cy="888984"/>
-          </a:xfrm>
-        </p:grpSpPr>
-        <p:sp>
-          <p:nvSpPr>
-            <p:cNvPr id="79" name="Rectangle 78">
-              <a:extLst>
-                <a:ext uri="{FF2B5EF4-FFF2-40B4-BE49-F238E27FC236}">
-                  <a16:creationId xmlns:a16="http://schemas.microsoft.com/office/drawing/2014/main" id="{089E51C0-595D-4018-A62F-6ADE33C7BDA9}"/>
-                </a:ext>
-              </a:extLst>
-            </p:cNvPr>
-            <p:cNvSpPr/>
-            <p:nvPr/>
-          </p:nvSpPr>
-          <p:spPr>
-            <a:xfrm>
-              <a:off x="5486769" y="1885678"/>
-              <a:ext cx="274320" cy="232837"/>
-            </a:xfrm>
-            <a:prstGeom prst="rect">
-              <a:avLst/>
-            </a:prstGeom>
-            <a:noFill/>
-            <a:ln w="12700">
-              <a:solidFill>
-                <a:schemeClr val="tx1"/>
-              </a:solidFill>
-            </a:ln>
-          </p:spPr>
-          <p:style>
-            <a:lnRef idx="2">
-              <a:schemeClr val="accent1">
-                <a:shade val="50000"/>
-              </a:schemeClr>
-            </a:lnRef>
-            <a:fillRef idx="1">
-              <a:schemeClr val="accent1"/>
-            </a:fillRef>
-            <a:effectRef idx="0">
-              <a:schemeClr val="accent1"/>
-            </a:effectRef>
-            <a:fontRef idx="minor">
-              <a:schemeClr val="lt1"/>
-            </a:fontRef>
-          </p:style>
-          <p:txBody>
-            <a:bodyPr rtlCol="0" anchor="ctr"/>
-            <a:lstStyle/>
-            <a:p>
-              <a:pPr algn="ctr"/>
-              <a:endParaRPr lang="en-US"/>
-            </a:p>
-          </p:txBody>
-        </p:sp>
-        <p:sp>
-          <p:nvSpPr>
-            <p:cNvPr id="113" name="Rectangle 112">
-              <a:extLst>
-                <a:ext uri="{FF2B5EF4-FFF2-40B4-BE49-F238E27FC236}">
-                  <a16:creationId xmlns:a16="http://schemas.microsoft.com/office/drawing/2014/main" id="{07AF5E67-DBEE-4E78-876F-B9670373AAA3}"/>
-                </a:ext>
-              </a:extLst>
-            </p:cNvPr>
-            <p:cNvSpPr/>
-            <p:nvPr/>
-          </p:nvSpPr>
-          <p:spPr>
-            <a:xfrm>
-              <a:off x="5486769" y="2527858"/>
-              <a:ext cx="274320" cy="246804"/>
-            </a:xfrm>
-            <a:prstGeom prst="rect">
-              <a:avLst/>
-            </a:prstGeom>
-            <a:noFill/>
-            <a:ln w="12700">
-              <a:solidFill>
-                <a:schemeClr val="tx1"/>
-              </a:solidFill>
-            </a:ln>
-          </p:spPr>
-          <p:style>
-            <a:lnRef idx="2">
-              <a:schemeClr val="accent1">
-                <a:shade val="50000"/>
-              </a:schemeClr>
-            </a:lnRef>
-            <a:fillRef idx="1">
-              <a:schemeClr val="accent1"/>
-            </a:fillRef>
-            <a:effectRef idx="0">
-              <a:schemeClr val="accent1"/>
-            </a:effectRef>
-            <a:fontRef idx="minor">
-              <a:schemeClr val="lt1"/>
-            </a:fontRef>
-          </p:style>
-          <p:txBody>
-            <a:bodyPr rtlCol="0" anchor="ctr"/>
-            <a:lstStyle/>
-            <a:p>
-              <a:pPr algn="ctr"/>
-              <a:endParaRPr lang="en-US"/>
-            </a:p>
-          </p:txBody>
-        </p:sp>
-        <p:sp>
-          <p:nvSpPr>
-            <p:cNvPr id="75" name="Oval 74">
-              <a:extLst>
-                <a:ext uri="{FF2B5EF4-FFF2-40B4-BE49-F238E27FC236}">
-                  <a16:creationId xmlns:a16="http://schemas.microsoft.com/office/drawing/2014/main" id="{546BC322-AA09-4D70-840A-F7E46502777E}"/>
-                </a:ext>
-              </a:extLst>
-            </p:cNvPr>
-            <p:cNvSpPr/>
-            <p:nvPr/>
-          </p:nvSpPr>
-          <p:spPr>
-            <a:xfrm>
-              <a:off x="5258169" y="1957426"/>
-              <a:ext cx="731520" cy="731520"/>
-            </a:xfrm>
-            <a:prstGeom prst="ellipse">
-              <a:avLst/>
-            </a:prstGeom>
-            <a:solidFill>
-              <a:schemeClr val="bg1"/>
-            </a:solidFill>
-            <a:ln w="12700">
-              <a:solidFill>
-                <a:schemeClr val="tx1"/>
-              </a:solidFill>
-            </a:ln>
-          </p:spPr>
-          <p:style>
-            <a:lnRef idx="2">
-              <a:schemeClr val="accent1">
-                <a:shade val="50000"/>
-              </a:schemeClr>
-            </a:lnRef>
-            <a:fillRef idx="1">
-              <a:schemeClr val="accent1"/>
-            </a:fillRef>
-            <a:effectRef idx="0">
-              <a:schemeClr val="accent1"/>
-            </a:effectRef>
-            <a:fontRef idx="minor">
-              <a:schemeClr val="lt1"/>
-            </a:fontRef>
-          </p:style>
-          <p:txBody>
-            <a:bodyPr rtlCol="0" anchor="ctr"/>
-            <a:lstStyle/>
-            <a:p>
-              <a:pPr algn="ctr"/>
-              <a:endParaRPr lang="en-US"/>
-            </a:p>
-          </p:txBody>
-        </p:sp>
-      </p:grpSp>
       <p:grpSp>
         <p:nvGrpSpPr>
           <p:cNvPr id="240" name="Group 239">
@@ -14274,8 +14549,8 @@
             </p:spPr>
           </p:cxnSp>
         </p:grpSp>
-        <mc:AlternateContent xmlns:mc="http://schemas.openxmlformats.org/markup-compatibility/2006">
-          <mc:Choice xmlns:a14="http://schemas.microsoft.com/office/drawing/2010/main" Requires="a14">
+        <mc:AlternateContent xmlns:mc="http://schemas.openxmlformats.org/markup-compatibility/2006" xmlns:a14="http://schemas.microsoft.com/office/drawing/2010/main">
+          <mc:Choice Requires="a14">
             <p:sp>
               <p:nvSpPr>
                 <p:cNvPr id="78" name="TextBox 77">
@@ -14427,7 +14702,7 @@
               </p:txBody>
             </p:sp>
           </mc:Choice>
-          <mc:Fallback>
+          <mc:Fallback xmlns="">
             <p:sp>
               <p:nvSpPr>
                 <p:cNvPr id="78" name="TextBox 77">
@@ -14781,8 +15056,8 @@
             </p:spPr>
           </p:cxnSp>
         </p:grpSp>
-        <mc:AlternateContent xmlns:mc="http://schemas.openxmlformats.org/markup-compatibility/2006">
-          <mc:Choice xmlns:a14="http://schemas.microsoft.com/office/drawing/2010/main" Requires="a14">
+        <mc:AlternateContent xmlns:mc="http://schemas.openxmlformats.org/markup-compatibility/2006" xmlns:a14="http://schemas.microsoft.com/office/drawing/2010/main">
+          <mc:Choice Requires="a14">
             <p:sp>
               <p:nvSpPr>
                 <p:cNvPr id="201" name="TextBox 200">
@@ -14934,7 +15209,7 @@
               </p:txBody>
             </p:sp>
           </mc:Choice>
-          <mc:Fallback>
+          <mc:Fallback xmlns="">
             <p:sp>
               <p:nvSpPr>
                 <p:cNvPr id="201" name="TextBox 200">
@@ -17850,10 +18125,4246 @@
           </a:p>
         </p:txBody>
       </p:sp>
+      <p:grpSp>
+        <p:nvGrpSpPr>
+          <p:cNvPr id="146" name="Group 145">
+            <a:extLst>
+              <a:ext uri="{FF2B5EF4-FFF2-40B4-BE49-F238E27FC236}">
+                <a16:creationId xmlns:a16="http://schemas.microsoft.com/office/drawing/2014/main" id="{9615E027-F75F-4E76-BEFF-6F98181222D7}"/>
+              </a:ext>
+            </a:extLst>
+          </p:cNvPr>
+          <p:cNvGrpSpPr/>
+          <p:nvPr/>
+        </p:nvGrpSpPr>
+        <p:grpSpPr>
+          <a:xfrm flipH="1">
+            <a:off x="4241669" y="1241620"/>
+            <a:ext cx="1748020" cy="2187379"/>
+            <a:chOff x="4391620" y="1241620"/>
+            <a:chExt cx="1748020" cy="2187379"/>
+          </a:xfrm>
+        </p:grpSpPr>
+        <p:cxnSp>
+          <p:nvCxnSpPr>
+            <p:cNvPr id="147" name="Straight Connector 146">
+              <a:extLst>
+                <a:ext uri="{FF2B5EF4-FFF2-40B4-BE49-F238E27FC236}">
+                  <a16:creationId xmlns:a16="http://schemas.microsoft.com/office/drawing/2014/main" id="{9661B668-34D1-4E91-B340-5AD6B5181FEB}"/>
+                </a:ext>
+              </a:extLst>
+            </p:cNvPr>
+            <p:cNvCxnSpPr>
+              <a:cxnSpLocks/>
+              <a:stCxn id="155" idx="0"/>
+            </p:cNvCxnSpPr>
+            <p:nvPr/>
+          </p:nvCxnSpPr>
+          <p:spPr>
+            <a:xfrm flipH="1" flipV="1">
+              <a:off x="4757379" y="1241620"/>
+              <a:ext cx="1" cy="644058"/>
+            </a:xfrm>
+            <a:prstGeom prst="line">
+              <a:avLst/>
+            </a:prstGeom>
+            <a:noFill/>
+            <a:ln w="12700" cap="flat" cmpd="sng" algn="ctr">
+              <a:solidFill>
+                <a:schemeClr val="tx1"/>
+              </a:solidFill>
+              <a:prstDash val="solid"/>
+              <a:miter lim="800000"/>
+            </a:ln>
+            <a:effectLst/>
+          </p:spPr>
+        </p:cxnSp>
+        <p:cxnSp>
+          <p:nvCxnSpPr>
+            <p:cNvPr id="148" name="Straight Connector 147">
+              <a:extLst>
+                <a:ext uri="{FF2B5EF4-FFF2-40B4-BE49-F238E27FC236}">
+                  <a16:creationId xmlns:a16="http://schemas.microsoft.com/office/drawing/2014/main" id="{84837924-40A0-4AEE-B7E5-F1DA766BEC8D}"/>
+                </a:ext>
+              </a:extLst>
+            </p:cNvPr>
+            <p:cNvCxnSpPr>
+              <a:cxnSpLocks/>
+            </p:cNvCxnSpPr>
+            <p:nvPr/>
+          </p:nvCxnSpPr>
+          <p:spPr>
+            <a:xfrm flipH="1" flipV="1">
+              <a:off x="4757379" y="2774662"/>
+              <a:ext cx="0" cy="654337"/>
+            </a:xfrm>
+            <a:prstGeom prst="line">
+              <a:avLst/>
+            </a:prstGeom>
+            <a:noFill/>
+            <a:ln w="12700" cap="flat" cmpd="sng" algn="ctr">
+              <a:solidFill>
+                <a:schemeClr val="tx1"/>
+              </a:solidFill>
+              <a:prstDash val="solid"/>
+              <a:miter lim="800000"/>
+            </a:ln>
+            <a:effectLst/>
+          </p:spPr>
+        </p:cxnSp>
+        <p:grpSp>
+          <p:nvGrpSpPr>
+            <p:cNvPr id="149" name="Group 148">
+              <a:extLst>
+                <a:ext uri="{FF2B5EF4-FFF2-40B4-BE49-F238E27FC236}">
+                  <a16:creationId xmlns:a16="http://schemas.microsoft.com/office/drawing/2014/main" id="{F54206ED-883A-488C-AC9A-C0EADF39D423}"/>
+                </a:ext>
+              </a:extLst>
+            </p:cNvPr>
+            <p:cNvGrpSpPr/>
+            <p:nvPr/>
+          </p:nvGrpSpPr>
+          <p:grpSpPr>
+            <a:xfrm>
+              <a:off x="4391620" y="1885678"/>
+              <a:ext cx="1748020" cy="980546"/>
+              <a:chOff x="4391620" y="1885678"/>
+              <a:chExt cx="1748020" cy="980546"/>
+            </a:xfrm>
+          </p:grpSpPr>
+          <p:grpSp>
+            <p:nvGrpSpPr>
+              <p:cNvPr id="150" name="Group 149">
+                <a:extLst>
+                  <a:ext uri="{FF2B5EF4-FFF2-40B4-BE49-F238E27FC236}">
+                    <a16:creationId xmlns:a16="http://schemas.microsoft.com/office/drawing/2014/main" id="{28034606-CB22-4607-8F4A-CFEB86926987}"/>
+                  </a:ext>
+                </a:extLst>
+              </p:cNvPr>
+              <p:cNvGrpSpPr/>
+              <p:nvPr/>
+            </p:nvGrpSpPr>
+            <p:grpSpPr>
+              <a:xfrm flipH="1">
+                <a:off x="4391620" y="1885678"/>
+                <a:ext cx="731520" cy="888984"/>
+                <a:chOff x="7353248" y="1885678"/>
+                <a:chExt cx="731520" cy="888984"/>
+              </a:xfrm>
+            </p:grpSpPr>
+            <p:sp>
+              <p:nvSpPr>
+                <p:cNvPr id="155" name="Rectangle 154">
+                  <a:extLst>
+                    <a:ext uri="{FF2B5EF4-FFF2-40B4-BE49-F238E27FC236}">
+                      <a16:creationId xmlns:a16="http://schemas.microsoft.com/office/drawing/2014/main" id="{838F47B6-E9FF-4BE4-B711-9E8DB1CB1092}"/>
+                    </a:ext>
+                  </a:extLst>
+                </p:cNvPr>
+                <p:cNvSpPr/>
+                <p:nvPr/>
+              </p:nvSpPr>
+              <p:spPr>
+                <a:xfrm>
+                  <a:off x="7581848" y="1885678"/>
+                  <a:ext cx="274320" cy="232837"/>
+                </a:xfrm>
+                <a:prstGeom prst="rect">
+                  <a:avLst/>
+                </a:prstGeom>
+                <a:noFill/>
+                <a:ln w="12700">
+                  <a:solidFill>
+                    <a:schemeClr val="tx1"/>
+                  </a:solidFill>
+                </a:ln>
+              </p:spPr>
+              <p:style>
+                <a:lnRef idx="2">
+                  <a:schemeClr val="accent1">
+                    <a:shade val="50000"/>
+                  </a:schemeClr>
+                </a:lnRef>
+                <a:fillRef idx="1">
+                  <a:schemeClr val="accent1"/>
+                </a:fillRef>
+                <a:effectRef idx="0">
+                  <a:schemeClr val="accent1"/>
+                </a:effectRef>
+                <a:fontRef idx="minor">
+                  <a:schemeClr val="lt1"/>
+                </a:fontRef>
+              </p:style>
+              <p:txBody>
+                <a:bodyPr rtlCol="0" anchor="ctr"/>
+                <a:lstStyle/>
+                <a:p>
+                  <a:pPr algn="ctr"/>
+                  <a:endParaRPr lang="en-US"/>
+                </a:p>
+              </p:txBody>
+            </p:sp>
+            <p:sp>
+              <p:nvSpPr>
+                <p:cNvPr id="156" name="Rectangle 155">
+                  <a:extLst>
+                    <a:ext uri="{FF2B5EF4-FFF2-40B4-BE49-F238E27FC236}">
+                      <a16:creationId xmlns:a16="http://schemas.microsoft.com/office/drawing/2014/main" id="{5F282C11-E1EC-4CEE-B99D-031424DAA071}"/>
+                    </a:ext>
+                  </a:extLst>
+                </p:cNvPr>
+                <p:cNvSpPr/>
+                <p:nvPr/>
+              </p:nvSpPr>
+              <p:spPr>
+                <a:xfrm>
+                  <a:off x="7581848" y="2527858"/>
+                  <a:ext cx="274320" cy="246804"/>
+                </a:xfrm>
+                <a:prstGeom prst="rect">
+                  <a:avLst/>
+                </a:prstGeom>
+                <a:noFill/>
+                <a:ln w="12700">
+                  <a:solidFill>
+                    <a:schemeClr val="tx1"/>
+                  </a:solidFill>
+                </a:ln>
+              </p:spPr>
+              <p:style>
+                <a:lnRef idx="2">
+                  <a:schemeClr val="accent1">
+                    <a:shade val="50000"/>
+                  </a:schemeClr>
+                </a:lnRef>
+                <a:fillRef idx="1">
+                  <a:schemeClr val="accent1"/>
+                </a:fillRef>
+                <a:effectRef idx="0">
+                  <a:schemeClr val="accent1"/>
+                </a:effectRef>
+                <a:fontRef idx="minor">
+                  <a:schemeClr val="lt1"/>
+                </a:fontRef>
+              </p:style>
+              <p:txBody>
+                <a:bodyPr rtlCol="0" anchor="ctr"/>
+                <a:lstStyle/>
+                <a:p>
+                  <a:pPr algn="ctr"/>
+                  <a:endParaRPr lang="en-US"/>
+                </a:p>
+              </p:txBody>
+            </p:sp>
+            <p:sp>
+              <p:nvSpPr>
+                <p:cNvPr id="157" name="Oval 156">
+                  <a:extLst>
+                    <a:ext uri="{FF2B5EF4-FFF2-40B4-BE49-F238E27FC236}">
+                      <a16:creationId xmlns:a16="http://schemas.microsoft.com/office/drawing/2014/main" id="{71F2C71C-33ED-472D-B63D-6CD350BC6359}"/>
+                    </a:ext>
+                  </a:extLst>
+                </p:cNvPr>
+                <p:cNvSpPr/>
+                <p:nvPr/>
+              </p:nvSpPr>
+              <p:spPr>
+                <a:xfrm>
+                  <a:off x="7353248" y="1957426"/>
+                  <a:ext cx="731520" cy="731520"/>
+                </a:xfrm>
+                <a:prstGeom prst="ellipse">
+                  <a:avLst/>
+                </a:prstGeom>
+                <a:solidFill>
+                  <a:schemeClr val="bg1"/>
+                </a:solidFill>
+                <a:ln w="12700">
+                  <a:solidFill>
+                    <a:schemeClr val="tx1"/>
+                  </a:solidFill>
+                </a:ln>
+              </p:spPr>
+              <p:style>
+                <a:lnRef idx="2">
+                  <a:schemeClr val="accent1">
+                    <a:shade val="50000"/>
+                  </a:schemeClr>
+                </a:lnRef>
+                <a:fillRef idx="1">
+                  <a:schemeClr val="accent1"/>
+                </a:fillRef>
+                <a:effectRef idx="0">
+                  <a:schemeClr val="accent1"/>
+                </a:effectRef>
+                <a:fontRef idx="minor">
+                  <a:schemeClr val="lt1"/>
+                </a:fontRef>
+              </p:style>
+              <p:txBody>
+                <a:bodyPr rtlCol="0" anchor="ctr"/>
+                <a:lstStyle/>
+                <a:p>
+                  <a:pPr algn="ctr"/>
+                  <a:endParaRPr lang="en-US"/>
+                </a:p>
+              </p:txBody>
+            </p:sp>
+          </p:grpSp>
+          <p:grpSp>
+            <p:nvGrpSpPr>
+              <p:cNvPr id="151" name="Group 150">
+                <a:extLst>
+                  <a:ext uri="{FF2B5EF4-FFF2-40B4-BE49-F238E27FC236}">
+                    <a16:creationId xmlns:a16="http://schemas.microsoft.com/office/drawing/2014/main" id="{EC490027-F371-4551-9C4B-19440282570A}"/>
+                  </a:ext>
+                </a:extLst>
+              </p:cNvPr>
+              <p:cNvGrpSpPr/>
+              <p:nvPr/>
+            </p:nvGrpSpPr>
+            <p:grpSpPr>
+              <a:xfrm rot="1800000">
+                <a:off x="4669929" y="2587904"/>
+                <a:ext cx="1469711" cy="278320"/>
+                <a:chOff x="9160500" y="4319572"/>
+                <a:chExt cx="1469711" cy="278320"/>
+              </a:xfrm>
+            </p:grpSpPr>
+            <p:sp>
+              <p:nvSpPr>
+                <p:cNvPr id="152" name="Arc 151">
+                  <a:extLst>
+                    <a:ext uri="{FF2B5EF4-FFF2-40B4-BE49-F238E27FC236}">
+                      <a16:creationId xmlns:a16="http://schemas.microsoft.com/office/drawing/2014/main" id="{D7747057-5DC2-42EE-888F-53BB4577757D}"/>
+                    </a:ext>
+                  </a:extLst>
+                </p:cNvPr>
+                <p:cNvSpPr/>
+                <p:nvPr/>
+              </p:nvSpPr>
+              <p:spPr>
+                <a:xfrm rot="18000000">
+                  <a:off x="9975460" y="4221461"/>
+                  <a:ext cx="278320" cy="474542"/>
+                </a:xfrm>
+                <a:prstGeom prst="arc">
+                  <a:avLst>
+                    <a:gd name="adj1" fmla="val 14712621"/>
+                    <a:gd name="adj2" fmla="val 5048999"/>
+                  </a:avLst>
+                </a:prstGeom>
+                <a:ln>
+                  <a:headEnd type="stealth" w="med" len="med"/>
+                  <a:tailEnd type="none" w="med" len="med"/>
+                </a:ln>
+              </p:spPr>
+              <p:style>
+                <a:lnRef idx="1">
+                  <a:schemeClr val="accent1"/>
+                </a:lnRef>
+                <a:fillRef idx="0">
+                  <a:schemeClr val="accent1"/>
+                </a:fillRef>
+                <a:effectRef idx="0">
+                  <a:schemeClr val="accent1"/>
+                </a:effectRef>
+                <a:fontRef idx="minor">
+                  <a:schemeClr val="tx1"/>
+                </a:fontRef>
+              </p:style>
+              <p:txBody>
+                <a:bodyPr rtlCol="0" anchor="ctr"/>
+                <a:lstStyle/>
+                <a:p>
+                  <a:pPr algn="ctr"/>
+                  <a:endParaRPr lang="en-US"/>
+                </a:p>
+              </p:txBody>
+            </p:sp>
+            <p:sp>
+              <p:nvSpPr>
+                <p:cNvPr id="153" name="Arc 152">
+                  <a:extLst>
+                    <a:ext uri="{FF2B5EF4-FFF2-40B4-BE49-F238E27FC236}">
+                      <a16:creationId xmlns:a16="http://schemas.microsoft.com/office/drawing/2014/main" id="{D695C36C-BC96-4842-860A-738C6C7449AC}"/>
+                    </a:ext>
+                  </a:extLst>
+                </p:cNvPr>
+                <p:cNvSpPr/>
+                <p:nvPr/>
+              </p:nvSpPr>
+              <p:spPr>
+                <a:xfrm rot="18000000">
+                  <a:off x="10253780" y="4221461"/>
+                  <a:ext cx="278320" cy="474542"/>
+                </a:xfrm>
+                <a:prstGeom prst="arc">
+                  <a:avLst>
+                    <a:gd name="adj1" fmla="val 14712621"/>
+                    <a:gd name="adj2" fmla="val 5048999"/>
+                  </a:avLst>
+                </a:prstGeom>
+                <a:ln>
+                  <a:solidFill>
+                    <a:schemeClr val="accent6"/>
+                  </a:solidFill>
+                  <a:headEnd type="stealth" w="med" len="med"/>
+                  <a:tailEnd type="none" w="med" len="med"/>
+                </a:ln>
+              </p:spPr>
+              <p:style>
+                <a:lnRef idx="1">
+                  <a:schemeClr val="accent1"/>
+                </a:lnRef>
+                <a:fillRef idx="0">
+                  <a:schemeClr val="accent1"/>
+                </a:fillRef>
+                <a:effectRef idx="0">
+                  <a:schemeClr val="accent1"/>
+                </a:effectRef>
+                <a:fontRef idx="minor">
+                  <a:schemeClr val="tx1"/>
+                </a:fontRef>
+              </p:style>
+              <p:txBody>
+                <a:bodyPr rtlCol="0" anchor="ctr"/>
+                <a:lstStyle/>
+                <a:p>
+                  <a:pPr algn="ctr"/>
+                  <a:endParaRPr lang="en-US" dirty="0"/>
+                </a:p>
+              </p:txBody>
+            </p:sp>
+            <p:sp>
+              <p:nvSpPr>
+                <p:cNvPr id="154" name="Rectangle 153">
+                  <a:extLst>
+                    <a:ext uri="{FF2B5EF4-FFF2-40B4-BE49-F238E27FC236}">
+                      <a16:creationId xmlns:a16="http://schemas.microsoft.com/office/drawing/2014/main" id="{43C7D039-165D-4430-8C50-EA14FD52BC28}"/>
+                    </a:ext>
+                  </a:extLst>
+                </p:cNvPr>
+                <p:cNvSpPr/>
+                <p:nvPr/>
+              </p:nvSpPr>
+              <p:spPr>
+                <a:xfrm rot="16200000">
+                  <a:off x="9823440" y="3772932"/>
+                  <a:ext cx="45719" cy="1371600"/>
+                </a:xfrm>
+                <a:prstGeom prst="rect">
+                  <a:avLst/>
+                </a:prstGeom>
+                <a:solidFill>
+                  <a:schemeClr val="bg1"/>
+                </a:solidFill>
+                <a:ln w="12700">
+                  <a:solidFill>
+                    <a:schemeClr val="tx1"/>
+                  </a:solidFill>
+                </a:ln>
+              </p:spPr>
+              <p:style>
+                <a:lnRef idx="2">
+                  <a:schemeClr val="accent1">
+                    <a:shade val="50000"/>
+                  </a:schemeClr>
+                </a:lnRef>
+                <a:fillRef idx="1">
+                  <a:schemeClr val="accent1"/>
+                </a:fillRef>
+                <a:effectRef idx="0">
+                  <a:schemeClr val="accent1"/>
+                </a:effectRef>
+                <a:fontRef idx="minor">
+                  <a:schemeClr val="lt1"/>
+                </a:fontRef>
+              </p:style>
+              <p:txBody>
+                <a:bodyPr rtlCol="0" anchor="ctr"/>
+                <a:lstStyle/>
+                <a:p>
+                  <a:pPr algn="ctr"/>
+                  <a:endParaRPr lang="en-US" sz="2800" dirty="0"/>
+                </a:p>
+              </p:txBody>
+            </p:sp>
+          </p:grpSp>
+        </p:grpSp>
+      </p:grpSp>
     </p:spTree>
     <p:extLst>
       <p:ext uri="{BB962C8B-B14F-4D97-AF65-F5344CB8AC3E}">
         <p14:creationId xmlns:p14="http://schemas.microsoft.com/office/powerpoint/2010/main" val="3902629650"/>
+      </p:ext>
+    </p:extLst>
+  </p:cSld>
+  <p:clrMapOvr>
+    <a:masterClrMapping/>
+  </p:clrMapOvr>
+</p:sld>
+</file>
+
+<file path=ppt/slides/slide6.xml><?xml version="1.0" encoding="utf-8"?>
+<p:sld xmlns:a="http://schemas.openxmlformats.org/drawingml/2006/main" xmlns:r="http://schemas.openxmlformats.org/officeDocument/2006/relationships" xmlns:p="http://schemas.openxmlformats.org/presentationml/2006/main">
+  <p:cSld>
+    <p:spTree>
+      <p:nvGrpSpPr>
+        <p:cNvPr id="1" name=""/>
+        <p:cNvGrpSpPr/>
+        <p:nvPr/>
+      </p:nvGrpSpPr>
+      <p:grpSpPr>
+        <a:xfrm>
+          <a:off x="0" y="0"/>
+          <a:ext cx="0" cy="0"/>
+          <a:chOff x="0" y="0"/>
+          <a:chExt cx="0" cy="0"/>
+        </a:xfrm>
+      </p:grpSpPr>
+      <p:cxnSp>
+        <p:nvCxnSpPr>
+          <p:cNvPr id="51" name="Straight Connector 50">
+            <a:extLst>
+              <a:ext uri="{FF2B5EF4-FFF2-40B4-BE49-F238E27FC236}">
+                <a16:creationId xmlns:a16="http://schemas.microsoft.com/office/drawing/2014/main" id="{39FFBB2F-64C7-4403-9571-F64D17EF21B9}"/>
+              </a:ext>
+            </a:extLst>
+          </p:cNvPr>
+          <p:cNvCxnSpPr>
+            <a:cxnSpLocks/>
+          </p:cNvCxnSpPr>
+          <p:nvPr/>
+        </p:nvCxnSpPr>
+        <p:spPr>
+          <a:xfrm>
+            <a:off x="8355196" y="4097740"/>
+            <a:ext cx="522104" cy="0"/>
+          </a:xfrm>
+          <a:prstGeom prst="line">
+            <a:avLst/>
+          </a:prstGeom>
+          <a:noFill/>
+          <a:ln w="12700" cap="flat" cmpd="sng" algn="ctr">
+            <a:solidFill>
+              <a:schemeClr val="tx1"/>
+            </a:solidFill>
+            <a:prstDash val="solid"/>
+            <a:miter lim="800000"/>
+          </a:ln>
+          <a:effectLst/>
+        </p:spPr>
+      </p:cxnSp>
+      <p:pic>
+        <p:nvPicPr>
+          <p:cNvPr id="5" name="Picture 4" descr="A picture containing clock&#10;&#10;Description automatically generated">
+            <a:extLst>
+              <a:ext uri="{FF2B5EF4-FFF2-40B4-BE49-F238E27FC236}">
+                <a16:creationId xmlns:a16="http://schemas.microsoft.com/office/drawing/2014/main" id="{90924F66-D78A-4D5C-B2EA-AB37D5407D1C}"/>
+              </a:ext>
+            </a:extLst>
+          </p:cNvPr>
+          <p:cNvPicPr>
+            <a:picLocks noChangeAspect="1"/>
+          </p:cNvPicPr>
+          <p:nvPr/>
+        </p:nvPicPr>
+        <p:blipFill>
+          <a:blip r:embed="rId2">
+            <a:extLst>
+              <a:ext uri="{28A0092B-C50C-407E-A947-70E740481C1C}">
+                <a14:useLocalDpi xmlns:a14="http://schemas.microsoft.com/office/drawing/2010/main" val="0"/>
+              </a:ext>
+            </a:extLst>
+          </a:blip>
+          <a:stretch>
+            <a:fillRect/>
+          </a:stretch>
+        </p:blipFill>
+        <p:spPr>
+          <a:xfrm>
+            <a:off x="0" y="0"/>
+            <a:ext cx="5695238" cy="2485714"/>
+          </a:xfrm>
+          <a:prstGeom prst="rect">
+            <a:avLst/>
+          </a:prstGeom>
+        </p:spPr>
+      </p:pic>
+      <p:grpSp>
+        <p:nvGrpSpPr>
+          <p:cNvPr id="33" name="Group 32">
+            <a:extLst>
+              <a:ext uri="{FF2B5EF4-FFF2-40B4-BE49-F238E27FC236}">
+                <a16:creationId xmlns:a16="http://schemas.microsoft.com/office/drawing/2014/main" id="{C98ACEA0-E0A4-44D2-9B33-55A698887E76}"/>
+              </a:ext>
+            </a:extLst>
+          </p:cNvPr>
+          <p:cNvGrpSpPr/>
+          <p:nvPr/>
+        </p:nvGrpSpPr>
+        <p:grpSpPr>
+          <a:xfrm rot="10800000">
+            <a:off x="6096000" y="3429000"/>
+            <a:ext cx="2259196" cy="512992"/>
+            <a:chOff x="6979258" y="905090"/>
+            <a:chExt cx="2259196" cy="512992"/>
+          </a:xfrm>
+        </p:grpSpPr>
+        <p:grpSp>
+          <p:nvGrpSpPr>
+            <p:cNvPr id="6" name="Group 5">
+              <a:extLst>
+                <a:ext uri="{FF2B5EF4-FFF2-40B4-BE49-F238E27FC236}">
+                  <a16:creationId xmlns:a16="http://schemas.microsoft.com/office/drawing/2014/main" id="{9C2F6F3D-F8AD-4BF3-A0F3-A8ED1D2A8905}"/>
+                </a:ext>
+              </a:extLst>
+            </p:cNvPr>
+            <p:cNvGrpSpPr/>
+            <p:nvPr/>
+          </p:nvGrpSpPr>
+          <p:grpSpPr>
+            <a:xfrm>
+              <a:off x="7496765" y="905090"/>
+              <a:ext cx="1248855" cy="512992"/>
+              <a:chOff x="3771121" y="905090"/>
+              <a:chExt cx="1248855" cy="512992"/>
+            </a:xfrm>
+          </p:grpSpPr>
+          <p:sp>
+            <p:nvSpPr>
+              <p:cNvPr id="7" name="Arc 6">
+                <a:extLst>
+                  <a:ext uri="{FF2B5EF4-FFF2-40B4-BE49-F238E27FC236}">
+                    <a16:creationId xmlns:a16="http://schemas.microsoft.com/office/drawing/2014/main" id="{36763969-782F-4A08-A1FF-DC0ABACBDAE9}"/>
+                  </a:ext>
+                </a:extLst>
+              </p:cNvPr>
+              <p:cNvSpPr/>
+              <p:nvPr/>
+            </p:nvSpPr>
+            <p:spPr>
+              <a:xfrm rot="333008">
+                <a:off x="4844599" y="1029858"/>
+                <a:ext cx="92037" cy="388224"/>
+              </a:xfrm>
+              <a:prstGeom prst="arc">
+                <a:avLst>
+                  <a:gd name="adj1" fmla="val 16187962"/>
+                  <a:gd name="adj2" fmla="val 4659982"/>
+                </a:avLst>
+              </a:prstGeom>
+              <a:ln w="12700">
+                <a:solidFill>
+                  <a:schemeClr val="tx1"/>
+                </a:solidFill>
+              </a:ln>
+            </p:spPr>
+            <p:style>
+              <a:lnRef idx="1">
+                <a:schemeClr val="accent1"/>
+              </a:lnRef>
+              <a:fillRef idx="0">
+                <a:schemeClr val="accent1"/>
+              </a:fillRef>
+              <a:effectRef idx="0">
+                <a:schemeClr val="accent1"/>
+              </a:effectRef>
+              <a:fontRef idx="minor">
+                <a:schemeClr val="tx1"/>
+              </a:fontRef>
+            </p:style>
+            <p:txBody>
+              <a:bodyPr rtlCol="0" anchor="ctr"/>
+              <a:lstStyle/>
+              <a:p>
+                <a:pPr algn="ctr"/>
+                <a:endParaRPr lang="en-GB" dirty="0"/>
+              </a:p>
+            </p:txBody>
+          </p:sp>
+          <p:sp>
+            <p:nvSpPr>
+              <p:cNvPr id="8" name="Arc 7">
+                <a:extLst>
+                  <a:ext uri="{FF2B5EF4-FFF2-40B4-BE49-F238E27FC236}">
+                    <a16:creationId xmlns:a16="http://schemas.microsoft.com/office/drawing/2014/main" id="{B18688F2-2518-4E39-B4E2-AC3EF985A456}"/>
+                  </a:ext>
+                </a:extLst>
+              </p:cNvPr>
+              <p:cNvSpPr/>
+              <p:nvPr/>
+            </p:nvSpPr>
+            <p:spPr>
+              <a:xfrm rot="20943522" flipH="1">
+                <a:off x="4872822" y="1027344"/>
+                <a:ext cx="147154" cy="388224"/>
+              </a:xfrm>
+              <a:prstGeom prst="arc">
+                <a:avLst>
+                  <a:gd name="adj1" fmla="val 16187962"/>
+                  <a:gd name="adj2" fmla="val 9382128"/>
+                </a:avLst>
+              </a:prstGeom>
+              <a:ln w="12700">
+                <a:solidFill>
+                  <a:schemeClr val="tx1"/>
+                </a:solidFill>
+              </a:ln>
+            </p:spPr>
+            <p:style>
+              <a:lnRef idx="1">
+                <a:schemeClr val="accent1"/>
+              </a:lnRef>
+              <a:fillRef idx="0">
+                <a:schemeClr val="accent1"/>
+              </a:fillRef>
+              <a:effectRef idx="0">
+                <a:schemeClr val="accent1"/>
+              </a:effectRef>
+              <a:fontRef idx="minor">
+                <a:schemeClr val="tx1"/>
+              </a:fontRef>
+            </p:style>
+            <p:txBody>
+              <a:bodyPr rtlCol="0" anchor="ctr"/>
+              <a:lstStyle/>
+              <a:p>
+                <a:pPr algn="ctr"/>
+                <a:endParaRPr lang="en-GB" dirty="0"/>
+              </a:p>
+            </p:txBody>
+          </p:sp>
+          <p:sp>
+            <p:nvSpPr>
+              <p:cNvPr id="9" name="Arc 8">
+                <a:extLst>
+                  <a:ext uri="{FF2B5EF4-FFF2-40B4-BE49-F238E27FC236}">
+                    <a16:creationId xmlns:a16="http://schemas.microsoft.com/office/drawing/2014/main" id="{7E2A3150-0052-4686-8BFD-0FBEFA2B8593}"/>
+                  </a:ext>
+                </a:extLst>
+              </p:cNvPr>
+              <p:cNvSpPr/>
+              <p:nvPr/>
+            </p:nvSpPr>
+            <p:spPr>
+              <a:xfrm rot="333008">
+                <a:off x="4706296" y="1029858"/>
+                <a:ext cx="92037" cy="388224"/>
+              </a:xfrm>
+              <a:prstGeom prst="arc">
+                <a:avLst>
+                  <a:gd name="adj1" fmla="val 16187962"/>
+                  <a:gd name="adj2" fmla="val 4731878"/>
+                </a:avLst>
+              </a:prstGeom>
+              <a:ln w="12700">
+                <a:solidFill>
+                  <a:schemeClr val="tx1"/>
+                </a:solidFill>
+              </a:ln>
+            </p:spPr>
+            <p:style>
+              <a:lnRef idx="1">
+                <a:schemeClr val="accent1"/>
+              </a:lnRef>
+              <a:fillRef idx="0">
+                <a:schemeClr val="accent1"/>
+              </a:fillRef>
+              <a:effectRef idx="0">
+                <a:schemeClr val="accent1"/>
+              </a:effectRef>
+              <a:fontRef idx="minor">
+                <a:schemeClr val="tx1"/>
+              </a:fontRef>
+            </p:style>
+            <p:txBody>
+              <a:bodyPr rtlCol="0" anchor="ctr"/>
+              <a:lstStyle/>
+              <a:p>
+                <a:pPr algn="ctr"/>
+                <a:endParaRPr lang="en-GB" dirty="0"/>
+              </a:p>
+            </p:txBody>
+          </p:sp>
+          <p:sp>
+            <p:nvSpPr>
+              <p:cNvPr id="10" name="Arc 9">
+                <a:extLst>
+                  <a:ext uri="{FF2B5EF4-FFF2-40B4-BE49-F238E27FC236}">
+                    <a16:creationId xmlns:a16="http://schemas.microsoft.com/office/drawing/2014/main" id="{C5421489-464E-4B72-928B-A90D6C5A1A81}"/>
+                  </a:ext>
+                </a:extLst>
+              </p:cNvPr>
+              <p:cNvSpPr/>
+              <p:nvPr/>
+            </p:nvSpPr>
+            <p:spPr>
+              <a:xfrm rot="20943522" flipH="1">
+                <a:off x="4734519" y="1027344"/>
+                <a:ext cx="147154" cy="388224"/>
+              </a:xfrm>
+              <a:prstGeom prst="arc">
+                <a:avLst>
+                  <a:gd name="adj1" fmla="val 16187962"/>
+                  <a:gd name="adj2" fmla="val 4509191"/>
+                </a:avLst>
+              </a:prstGeom>
+              <a:ln w="12700">
+                <a:solidFill>
+                  <a:schemeClr val="tx1"/>
+                </a:solidFill>
+              </a:ln>
+            </p:spPr>
+            <p:style>
+              <a:lnRef idx="1">
+                <a:schemeClr val="accent1"/>
+              </a:lnRef>
+              <a:fillRef idx="0">
+                <a:schemeClr val="accent1"/>
+              </a:fillRef>
+              <a:effectRef idx="0">
+                <a:schemeClr val="accent1"/>
+              </a:effectRef>
+              <a:fontRef idx="minor">
+                <a:schemeClr val="tx1"/>
+              </a:fontRef>
+            </p:style>
+            <p:txBody>
+              <a:bodyPr rtlCol="0" anchor="ctr"/>
+              <a:lstStyle/>
+              <a:p>
+                <a:pPr algn="ctr"/>
+                <a:endParaRPr lang="en-GB" dirty="0"/>
+              </a:p>
+            </p:txBody>
+          </p:sp>
+          <p:sp>
+            <p:nvSpPr>
+              <p:cNvPr id="11" name="Arc 10">
+                <a:extLst>
+                  <a:ext uri="{FF2B5EF4-FFF2-40B4-BE49-F238E27FC236}">
+                    <a16:creationId xmlns:a16="http://schemas.microsoft.com/office/drawing/2014/main" id="{32122AF6-61AD-4B07-9ABF-9849FB450C7B}"/>
+                  </a:ext>
+                </a:extLst>
+              </p:cNvPr>
+              <p:cNvSpPr/>
+              <p:nvPr/>
+            </p:nvSpPr>
+            <p:spPr>
+              <a:xfrm flipH="1">
+                <a:off x="4737028" y="905090"/>
+                <a:ext cx="218165" cy="507738"/>
+              </a:xfrm>
+              <a:prstGeom prst="arc">
+                <a:avLst>
+                  <a:gd name="adj1" fmla="val 4353185"/>
+                  <a:gd name="adj2" fmla="val 6415383"/>
+                </a:avLst>
+              </a:prstGeom>
+              <a:ln w="12700">
+                <a:solidFill>
+                  <a:schemeClr val="tx1"/>
+                </a:solidFill>
+              </a:ln>
+            </p:spPr>
+            <p:style>
+              <a:lnRef idx="1">
+                <a:schemeClr val="accent1"/>
+              </a:lnRef>
+              <a:fillRef idx="0">
+                <a:schemeClr val="accent1"/>
+              </a:fillRef>
+              <a:effectRef idx="0">
+                <a:schemeClr val="accent1"/>
+              </a:effectRef>
+              <a:fontRef idx="minor">
+                <a:schemeClr val="tx1"/>
+              </a:fontRef>
+            </p:style>
+            <p:txBody>
+              <a:bodyPr rtlCol="0" anchor="ctr"/>
+              <a:lstStyle/>
+              <a:p>
+                <a:pPr algn="ctr"/>
+                <a:endParaRPr lang="en-GB" dirty="0"/>
+              </a:p>
+            </p:txBody>
+          </p:sp>
+          <p:sp>
+            <p:nvSpPr>
+              <p:cNvPr id="12" name="Arc 11">
+                <a:extLst>
+                  <a:ext uri="{FF2B5EF4-FFF2-40B4-BE49-F238E27FC236}">
+                    <a16:creationId xmlns:a16="http://schemas.microsoft.com/office/drawing/2014/main" id="{DE56E3AF-A1BB-4F12-BE7A-166FD39578C6}"/>
+                  </a:ext>
+                </a:extLst>
+              </p:cNvPr>
+              <p:cNvSpPr/>
+              <p:nvPr/>
+            </p:nvSpPr>
+            <p:spPr>
+              <a:xfrm rot="20943522" flipH="1">
+                <a:off x="4597360" y="1027344"/>
+                <a:ext cx="147154" cy="388224"/>
+              </a:xfrm>
+              <a:prstGeom prst="arc">
+                <a:avLst>
+                  <a:gd name="adj1" fmla="val 16187962"/>
+                  <a:gd name="adj2" fmla="val 4540538"/>
+                </a:avLst>
+              </a:prstGeom>
+              <a:ln w="12700">
+                <a:solidFill>
+                  <a:schemeClr val="tx1"/>
+                </a:solidFill>
+              </a:ln>
+            </p:spPr>
+            <p:style>
+              <a:lnRef idx="1">
+                <a:schemeClr val="accent1"/>
+              </a:lnRef>
+              <a:fillRef idx="0">
+                <a:schemeClr val="accent1"/>
+              </a:fillRef>
+              <a:effectRef idx="0">
+                <a:schemeClr val="accent1"/>
+              </a:effectRef>
+              <a:fontRef idx="minor">
+                <a:schemeClr val="tx1"/>
+              </a:fontRef>
+            </p:style>
+            <p:txBody>
+              <a:bodyPr rtlCol="0" anchor="ctr"/>
+              <a:lstStyle/>
+              <a:p>
+                <a:pPr algn="ctr"/>
+                <a:endParaRPr lang="en-GB" dirty="0"/>
+              </a:p>
+            </p:txBody>
+          </p:sp>
+          <p:sp>
+            <p:nvSpPr>
+              <p:cNvPr id="13" name="Arc 12">
+                <a:extLst>
+                  <a:ext uri="{FF2B5EF4-FFF2-40B4-BE49-F238E27FC236}">
+                    <a16:creationId xmlns:a16="http://schemas.microsoft.com/office/drawing/2014/main" id="{C9CC3713-393F-4BA3-A1E2-A7810630B1C2}"/>
+                  </a:ext>
+                </a:extLst>
+              </p:cNvPr>
+              <p:cNvSpPr/>
+              <p:nvPr/>
+            </p:nvSpPr>
+            <p:spPr>
+              <a:xfrm rot="333008">
+                <a:off x="4569137" y="1029858"/>
+                <a:ext cx="92037" cy="388224"/>
+              </a:xfrm>
+              <a:prstGeom prst="arc">
+                <a:avLst>
+                  <a:gd name="adj1" fmla="val 16187962"/>
+                  <a:gd name="adj2" fmla="val 4659982"/>
+                </a:avLst>
+              </a:prstGeom>
+              <a:ln w="12700">
+                <a:solidFill>
+                  <a:schemeClr val="tx1"/>
+                </a:solidFill>
+              </a:ln>
+            </p:spPr>
+            <p:style>
+              <a:lnRef idx="1">
+                <a:schemeClr val="accent1"/>
+              </a:lnRef>
+              <a:fillRef idx="0">
+                <a:schemeClr val="accent1"/>
+              </a:fillRef>
+              <a:effectRef idx="0">
+                <a:schemeClr val="accent1"/>
+              </a:effectRef>
+              <a:fontRef idx="minor">
+                <a:schemeClr val="tx1"/>
+              </a:fontRef>
+            </p:style>
+            <p:txBody>
+              <a:bodyPr rtlCol="0" anchor="ctr"/>
+              <a:lstStyle/>
+              <a:p>
+                <a:pPr algn="ctr"/>
+                <a:endParaRPr lang="en-GB" dirty="0"/>
+              </a:p>
+            </p:txBody>
+          </p:sp>
+          <p:sp>
+            <p:nvSpPr>
+              <p:cNvPr id="14" name="Arc 13">
+                <a:extLst>
+                  <a:ext uri="{FF2B5EF4-FFF2-40B4-BE49-F238E27FC236}">
+                    <a16:creationId xmlns:a16="http://schemas.microsoft.com/office/drawing/2014/main" id="{CDDE75DD-C9DF-4BA8-A049-3AE8862B0853}"/>
+                  </a:ext>
+                </a:extLst>
+              </p:cNvPr>
+              <p:cNvSpPr/>
+              <p:nvPr/>
+            </p:nvSpPr>
+            <p:spPr>
+              <a:xfrm rot="333008">
+                <a:off x="4430834" y="1029858"/>
+                <a:ext cx="92037" cy="388224"/>
+              </a:xfrm>
+              <a:prstGeom prst="arc">
+                <a:avLst>
+                  <a:gd name="adj1" fmla="val 16187962"/>
+                  <a:gd name="adj2" fmla="val 4654946"/>
+                </a:avLst>
+              </a:prstGeom>
+              <a:ln w="12700">
+                <a:solidFill>
+                  <a:schemeClr val="tx1"/>
+                </a:solidFill>
+              </a:ln>
+            </p:spPr>
+            <p:style>
+              <a:lnRef idx="1">
+                <a:schemeClr val="accent1"/>
+              </a:lnRef>
+              <a:fillRef idx="0">
+                <a:schemeClr val="accent1"/>
+              </a:fillRef>
+              <a:effectRef idx="0">
+                <a:schemeClr val="accent1"/>
+              </a:effectRef>
+              <a:fontRef idx="minor">
+                <a:schemeClr val="tx1"/>
+              </a:fontRef>
+            </p:style>
+            <p:txBody>
+              <a:bodyPr rtlCol="0" anchor="ctr"/>
+              <a:lstStyle/>
+              <a:p>
+                <a:pPr algn="ctr"/>
+                <a:endParaRPr lang="en-GB" dirty="0"/>
+              </a:p>
+            </p:txBody>
+          </p:sp>
+          <p:sp>
+            <p:nvSpPr>
+              <p:cNvPr id="15" name="Arc 14">
+                <a:extLst>
+                  <a:ext uri="{FF2B5EF4-FFF2-40B4-BE49-F238E27FC236}">
+                    <a16:creationId xmlns:a16="http://schemas.microsoft.com/office/drawing/2014/main" id="{28E91FA2-E841-4C4A-853F-BBDB2AD48CAE}"/>
+                  </a:ext>
+                </a:extLst>
+              </p:cNvPr>
+              <p:cNvSpPr/>
+              <p:nvPr/>
+            </p:nvSpPr>
+            <p:spPr>
+              <a:xfrm rot="20943522" flipH="1">
+                <a:off x="4459057" y="1027344"/>
+                <a:ext cx="147154" cy="388224"/>
+              </a:xfrm>
+              <a:prstGeom prst="arc">
+                <a:avLst>
+                  <a:gd name="adj1" fmla="val 16187962"/>
+                  <a:gd name="adj2" fmla="val 4509191"/>
+                </a:avLst>
+              </a:prstGeom>
+              <a:ln w="12700">
+                <a:solidFill>
+                  <a:schemeClr val="tx1"/>
+                </a:solidFill>
+              </a:ln>
+            </p:spPr>
+            <p:style>
+              <a:lnRef idx="1">
+                <a:schemeClr val="accent1"/>
+              </a:lnRef>
+              <a:fillRef idx="0">
+                <a:schemeClr val="accent1"/>
+              </a:fillRef>
+              <a:effectRef idx="0">
+                <a:schemeClr val="accent1"/>
+              </a:effectRef>
+              <a:fontRef idx="minor">
+                <a:schemeClr val="tx1"/>
+              </a:fontRef>
+            </p:style>
+            <p:txBody>
+              <a:bodyPr rtlCol="0" anchor="ctr"/>
+              <a:lstStyle/>
+              <a:p>
+                <a:pPr algn="ctr"/>
+                <a:endParaRPr lang="en-GB" dirty="0"/>
+              </a:p>
+            </p:txBody>
+          </p:sp>
+          <p:sp>
+            <p:nvSpPr>
+              <p:cNvPr id="16" name="Arc 15">
+                <a:extLst>
+                  <a:ext uri="{FF2B5EF4-FFF2-40B4-BE49-F238E27FC236}">
+                    <a16:creationId xmlns:a16="http://schemas.microsoft.com/office/drawing/2014/main" id="{E8ADCD73-1F74-4684-9358-0E6885B76F29}"/>
+                  </a:ext>
+                </a:extLst>
+              </p:cNvPr>
+              <p:cNvSpPr/>
+              <p:nvPr/>
+            </p:nvSpPr>
+            <p:spPr>
+              <a:xfrm flipH="1">
+                <a:off x="4461566" y="905090"/>
+                <a:ext cx="218166" cy="507738"/>
+              </a:xfrm>
+              <a:prstGeom prst="arc">
+                <a:avLst>
+                  <a:gd name="adj1" fmla="val 4353185"/>
+                  <a:gd name="adj2" fmla="val 6415383"/>
+                </a:avLst>
+              </a:prstGeom>
+              <a:ln w="12700">
+                <a:solidFill>
+                  <a:schemeClr val="tx1"/>
+                </a:solidFill>
+              </a:ln>
+            </p:spPr>
+            <p:style>
+              <a:lnRef idx="1">
+                <a:schemeClr val="accent1"/>
+              </a:lnRef>
+              <a:fillRef idx="0">
+                <a:schemeClr val="accent1"/>
+              </a:fillRef>
+              <a:effectRef idx="0">
+                <a:schemeClr val="accent1"/>
+              </a:effectRef>
+              <a:fontRef idx="minor">
+                <a:schemeClr val="tx1"/>
+              </a:fontRef>
+            </p:style>
+            <p:txBody>
+              <a:bodyPr rtlCol="0" anchor="ctr"/>
+              <a:lstStyle/>
+              <a:p>
+                <a:pPr algn="ctr"/>
+                <a:endParaRPr lang="en-GB" dirty="0"/>
+              </a:p>
+            </p:txBody>
+          </p:sp>
+          <p:sp>
+            <p:nvSpPr>
+              <p:cNvPr id="17" name="Arc 16">
+                <a:extLst>
+                  <a:ext uri="{FF2B5EF4-FFF2-40B4-BE49-F238E27FC236}">
+                    <a16:creationId xmlns:a16="http://schemas.microsoft.com/office/drawing/2014/main" id="{7351AADC-9EB4-4EBA-9498-B544E950EB99}"/>
+                  </a:ext>
+                </a:extLst>
+              </p:cNvPr>
+              <p:cNvSpPr/>
+              <p:nvPr/>
+            </p:nvSpPr>
+            <p:spPr>
+              <a:xfrm flipH="1">
+                <a:off x="4599973" y="905090"/>
+                <a:ext cx="218165" cy="507738"/>
+              </a:xfrm>
+              <a:prstGeom prst="arc">
+                <a:avLst>
+                  <a:gd name="adj1" fmla="val 4353185"/>
+                  <a:gd name="adj2" fmla="val 6415383"/>
+                </a:avLst>
+              </a:prstGeom>
+              <a:ln w="12700">
+                <a:solidFill>
+                  <a:schemeClr val="tx1"/>
+                </a:solidFill>
+              </a:ln>
+            </p:spPr>
+            <p:style>
+              <a:lnRef idx="1">
+                <a:schemeClr val="accent1"/>
+              </a:lnRef>
+              <a:fillRef idx="0">
+                <a:schemeClr val="accent1"/>
+              </a:fillRef>
+              <a:effectRef idx="0">
+                <a:schemeClr val="accent1"/>
+              </a:effectRef>
+              <a:fontRef idx="minor">
+                <a:schemeClr val="tx1"/>
+              </a:fontRef>
+            </p:style>
+            <p:txBody>
+              <a:bodyPr rtlCol="0" anchor="ctr"/>
+              <a:lstStyle/>
+              <a:p>
+                <a:pPr algn="ctr"/>
+                <a:endParaRPr lang="en-GB" dirty="0"/>
+              </a:p>
+            </p:txBody>
+          </p:sp>
+          <p:sp>
+            <p:nvSpPr>
+              <p:cNvPr id="18" name="Arc 17">
+                <a:extLst>
+                  <a:ext uri="{FF2B5EF4-FFF2-40B4-BE49-F238E27FC236}">
+                    <a16:creationId xmlns:a16="http://schemas.microsoft.com/office/drawing/2014/main" id="{19F24789-682E-4E23-ADE4-329362817B53}"/>
+                  </a:ext>
+                </a:extLst>
+              </p:cNvPr>
+              <p:cNvSpPr/>
+              <p:nvPr/>
+            </p:nvSpPr>
+            <p:spPr>
+              <a:xfrm flipH="1">
+                <a:off x="4323304" y="905090"/>
+                <a:ext cx="218165" cy="507738"/>
+              </a:xfrm>
+              <a:prstGeom prst="arc">
+                <a:avLst>
+                  <a:gd name="adj1" fmla="val 4353185"/>
+                  <a:gd name="adj2" fmla="val 6415383"/>
+                </a:avLst>
+              </a:prstGeom>
+              <a:ln w="12700">
+                <a:solidFill>
+                  <a:schemeClr val="tx1"/>
+                </a:solidFill>
+              </a:ln>
+            </p:spPr>
+            <p:style>
+              <a:lnRef idx="1">
+                <a:schemeClr val="accent1"/>
+              </a:lnRef>
+              <a:fillRef idx="0">
+                <a:schemeClr val="accent1"/>
+              </a:fillRef>
+              <a:effectRef idx="0">
+                <a:schemeClr val="accent1"/>
+              </a:effectRef>
+              <a:fontRef idx="minor">
+                <a:schemeClr val="tx1"/>
+              </a:fontRef>
+            </p:style>
+            <p:txBody>
+              <a:bodyPr rtlCol="0" anchor="ctr"/>
+              <a:lstStyle/>
+              <a:p>
+                <a:pPr algn="ctr"/>
+                <a:endParaRPr lang="en-GB" dirty="0"/>
+              </a:p>
+            </p:txBody>
+          </p:sp>
+          <p:sp>
+            <p:nvSpPr>
+              <p:cNvPr id="19" name="Arc 18">
+                <a:extLst>
+                  <a:ext uri="{FF2B5EF4-FFF2-40B4-BE49-F238E27FC236}">
+                    <a16:creationId xmlns:a16="http://schemas.microsoft.com/office/drawing/2014/main" id="{E826AA92-6C3A-4568-A7FE-FBD46A85485C}"/>
+                  </a:ext>
+                </a:extLst>
+              </p:cNvPr>
+              <p:cNvSpPr/>
+              <p:nvPr/>
+            </p:nvSpPr>
+            <p:spPr>
+              <a:xfrm rot="333008">
+                <a:off x="4292416" y="1029858"/>
+                <a:ext cx="92037" cy="388224"/>
+              </a:xfrm>
+              <a:prstGeom prst="arc">
+                <a:avLst>
+                  <a:gd name="adj1" fmla="val 16187962"/>
+                  <a:gd name="adj2" fmla="val 4659982"/>
+                </a:avLst>
+              </a:prstGeom>
+              <a:ln w="12700">
+                <a:solidFill>
+                  <a:schemeClr val="tx1"/>
+                </a:solidFill>
+              </a:ln>
+            </p:spPr>
+            <p:style>
+              <a:lnRef idx="1">
+                <a:schemeClr val="accent1"/>
+              </a:lnRef>
+              <a:fillRef idx="0">
+                <a:schemeClr val="accent1"/>
+              </a:fillRef>
+              <a:effectRef idx="0">
+                <a:schemeClr val="accent1"/>
+              </a:effectRef>
+              <a:fontRef idx="minor">
+                <a:schemeClr val="tx1"/>
+              </a:fontRef>
+            </p:style>
+            <p:txBody>
+              <a:bodyPr rtlCol="0" anchor="ctr"/>
+              <a:lstStyle/>
+              <a:p>
+                <a:pPr algn="ctr"/>
+                <a:endParaRPr lang="en-GB" dirty="0"/>
+              </a:p>
+            </p:txBody>
+          </p:sp>
+          <p:sp>
+            <p:nvSpPr>
+              <p:cNvPr id="20" name="Arc 19">
+                <a:extLst>
+                  <a:ext uri="{FF2B5EF4-FFF2-40B4-BE49-F238E27FC236}">
+                    <a16:creationId xmlns:a16="http://schemas.microsoft.com/office/drawing/2014/main" id="{1ACA421F-316D-41C2-8603-A1CFD0EF35B8}"/>
+                  </a:ext>
+                </a:extLst>
+              </p:cNvPr>
+              <p:cNvSpPr/>
+              <p:nvPr/>
+            </p:nvSpPr>
+            <p:spPr>
+              <a:xfrm rot="20943522" flipH="1">
+                <a:off x="4320639" y="1027344"/>
+                <a:ext cx="147154" cy="388224"/>
+              </a:xfrm>
+              <a:prstGeom prst="arc">
+                <a:avLst>
+                  <a:gd name="adj1" fmla="val 16187962"/>
+                  <a:gd name="adj2" fmla="val 4159597"/>
+                </a:avLst>
+              </a:prstGeom>
+              <a:ln w="12700">
+                <a:solidFill>
+                  <a:schemeClr val="tx1"/>
+                </a:solidFill>
+              </a:ln>
+            </p:spPr>
+            <p:style>
+              <a:lnRef idx="1">
+                <a:schemeClr val="accent1"/>
+              </a:lnRef>
+              <a:fillRef idx="0">
+                <a:schemeClr val="accent1"/>
+              </a:fillRef>
+              <a:effectRef idx="0">
+                <a:schemeClr val="accent1"/>
+              </a:effectRef>
+              <a:fontRef idx="minor">
+                <a:schemeClr val="tx1"/>
+              </a:fontRef>
+            </p:style>
+            <p:txBody>
+              <a:bodyPr rtlCol="0" anchor="ctr"/>
+              <a:lstStyle/>
+              <a:p>
+                <a:pPr algn="ctr"/>
+                <a:endParaRPr lang="en-GB" dirty="0"/>
+              </a:p>
+            </p:txBody>
+          </p:sp>
+          <p:sp>
+            <p:nvSpPr>
+              <p:cNvPr id="21" name="Arc 20">
+                <a:extLst>
+                  <a:ext uri="{FF2B5EF4-FFF2-40B4-BE49-F238E27FC236}">
+                    <a16:creationId xmlns:a16="http://schemas.microsoft.com/office/drawing/2014/main" id="{AD7B6AE2-393D-4662-A89F-86A69E894C6D}"/>
+                  </a:ext>
+                </a:extLst>
+              </p:cNvPr>
+              <p:cNvSpPr/>
+              <p:nvPr/>
+            </p:nvSpPr>
+            <p:spPr>
+              <a:xfrm rot="333008">
+                <a:off x="4154113" y="1029858"/>
+                <a:ext cx="92037" cy="388224"/>
+              </a:xfrm>
+              <a:prstGeom prst="arc">
+                <a:avLst>
+                  <a:gd name="adj1" fmla="val 16187962"/>
+                  <a:gd name="adj2" fmla="val 4731878"/>
+                </a:avLst>
+              </a:prstGeom>
+              <a:ln w="12700">
+                <a:solidFill>
+                  <a:schemeClr val="tx1"/>
+                </a:solidFill>
+              </a:ln>
+            </p:spPr>
+            <p:style>
+              <a:lnRef idx="1">
+                <a:schemeClr val="accent1"/>
+              </a:lnRef>
+              <a:fillRef idx="0">
+                <a:schemeClr val="accent1"/>
+              </a:fillRef>
+              <a:effectRef idx="0">
+                <a:schemeClr val="accent1"/>
+              </a:effectRef>
+              <a:fontRef idx="minor">
+                <a:schemeClr val="tx1"/>
+              </a:fontRef>
+            </p:style>
+            <p:txBody>
+              <a:bodyPr rtlCol="0" anchor="ctr"/>
+              <a:lstStyle/>
+              <a:p>
+                <a:pPr algn="ctr"/>
+                <a:endParaRPr lang="en-GB" dirty="0"/>
+              </a:p>
+            </p:txBody>
+          </p:sp>
+          <p:sp>
+            <p:nvSpPr>
+              <p:cNvPr id="22" name="Arc 21">
+                <a:extLst>
+                  <a:ext uri="{FF2B5EF4-FFF2-40B4-BE49-F238E27FC236}">
+                    <a16:creationId xmlns:a16="http://schemas.microsoft.com/office/drawing/2014/main" id="{55E1F02F-17FB-4317-8A77-DD8F6AECFE95}"/>
+                  </a:ext>
+                </a:extLst>
+              </p:cNvPr>
+              <p:cNvSpPr/>
+              <p:nvPr/>
+            </p:nvSpPr>
+            <p:spPr>
+              <a:xfrm rot="20943522" flipH="1">
+                <a:off x="4182336" y="1027344"/>
+                <a:ext cx="147154" cy="388224"/>
+              </a:xfrm>
+              <a:prstGeom prst="arc">
+                <a:avLst>
+                  <a:gd name="adj1" fmla="val 16187962"/>
+                  <a:gd name="adj2" fmla="val 4509191"/>
+                </a:avLst>
+              </a:prstGeom>
+              <a:ln w="12700">
+                <a:solidFill>
+                  <a:schemeClr val="tx1"/>
+                </a:solidFill>
+              </a:ln>
+            </p:spPr>
+            <p:style>
+              <a:lnRef idx="1">
+                <a:schemeClr val="accent1"/>
+              </a:lnRef>
+              <a:fillRef idx="0">
+                <a:schemeClr val="accent1"/>
+              </a:fillRef>
+              <a:effectRef idx="0">
+                <a:schemeClr val="accent1"/>
+              </a:effectRef>
+              <a:fontRef idx="minor">
+                <a:schemeClr val="tx1"/>
+              </a:fontRef>
+            </p:style>
+            <p:txBody>
+              <a:bodyPr rtlCol="0" anchor="ctr"/>
+              <a:lstStyle/>
+              <a:p>
+                <a:pPr algn="ctr"/>
+                <a:endParaRPr lang="en-GB" dirty="0"/>
+              </a:p>
+            </p:txBody>
+          </p:sp>
+          <p:sp>
+            <p:nvSpPr>
+              <p:cNvPr id="23" name="Arc 22">
+                <a:extLst>
+                  <a:ext uri="{FF2B5EF4-FFF2-40B4-BE49-F238E27FC236}">
+                    <a16:creationId xmlns:a16="http://schemas.microsoft.com/office/drawing/2014/main" id="{FA14B46B-FB10-4824-A1CD-A9BB6873980E}"/>
+                  </a:ext>
+                </a:extLst>
+              </p:cNvPr>
+              <p:cNvSpPr/>
+              <p:nvPr/>
+            </p:nvSpPr>
+            <p:spPr>
+              <a:xfrm flipH="1">
+                <a:off x="4184845" y="905090"/>
+                <a:ext cx="218165" cy="507738"/>
+              </a:xfrm>
+              <a:prstGeom prst="arc">
+                <a:avLst>
+                  <a:gd name="adj1" fmla="val 4353185"/>
+                  <a:gd name="adj2" fmla="val 6415383"/>
+                </a:avLst>
+              </a:prstGeom>
+              <a:ln w="12700">
+                <a:solidFill>
+                  <a:schemeClr val="tx1"/>
+                </a:solidFill>
+              </a:ln>
+            </p:spPr>
+            <p:style>
+              <a:lnRef idx="1">
+                <a:schemeClr val="accent1"/>
+              </a:lnRef>
+              <a:fillRef idx="0">
+                <a:schemeClr val="accent1"/>
+              </a:fillRef>
+              <a:effectRef idx="0">
+                <a:schemeClr val="accent1"/>
+              </a:effectRef>
+              <a:fontRef idx="minor">
+                <a:schemeClr val="tx1"/>
+              </a:fontRef>
+            </p:style>
+            <p:txBody>
+              <a:bodyPr rtlCol="0" anchor="ctr"/>
+              <a:lstStyle/>
+              <a:p>
+                <a:pPr algn="ctr"/>
+                <a:endParaRPr lang="en-GB" dirty="0"/>
+              </a:p>
+            </p:txBody>
+          </p:sp>
+          <p:sp>
+            <p:nvSpPr>
+              <p:cNvPr id="24" name="Arc 23">
+                <a:extLst>
+                  <a:ext uri="{FF2B5EF4-FFF2-40B4-BE49-F238E27FC236}">
+                    <a16:creationId xmlns:a16="http://schemas.microsoft.com/office/drawing/2014/main" id="{23DFFE2A-998F-459D-B702-03E305BDE0F2}"/>
+                  </a:ext>
+                </a:extLst>
+              </p:cNvPr>
+              <p:cNvSpPr/>
+              <p:nvPr/>
+            </p:nvSpPr>
+            <p:spPr>
+              <a:xfrm rot="20943522" flipH="1">
+                <a:off x="4045177" y="1027344"/>
+                <a:ext cx="147154" cy="388224"/>
+              </a:xfrm>
+              <a:prstGeom prst="arc">
+                <a:avLst>
+                  <a:gd name="adj1" fmla="val 16187962"/>
+                  <a:gd name="adj2" fmla="val 4540538"/>
+                </a:avLst>
+              </a:prstGeom>
+              <a:ln w="12700">
+                <a:solidFill>
+                  <a:schemeClr val="tx1"/>
+                </a:solidFill>
+              </a:ln>
+            </p:spPr>
+            <p:style>
+              <a:lnRef idx="1">
+                <a:schemeClr val="accent1"/>
+              </a:lnRef>
+              <a:fillRef idx="0">
+                <a:schemeClr val="accent1"/>
+              </a:fillRef>
+              <a:effectRef idx="0">
+                <a:schemeClr val="accent1"/>
+              </a:effectRef>
+              <a:fontRef idx="minor">
+                <a:schemeClr val="tx1"/>
+              </a:fontRef>
+            </p:style>
+            <p:txBody>
+              <a:bodyPr rtlCol="0" anchor="ctr"/>
+              <a:lstStyle/>
+              <a:p>
+                <a:pPr algn="ctr"/>
+                <a:endParaRPr lang="en-GB" dirty="0"/>
+              </a:p>
+            </p:txBody>
+          </p:sp>
+          <p:sp>
+            <p:nvSpPr>
+              <p:cNvPr id="25" name="Arc 24">
+                <a:extLst>
+                  <a:ext uri="{FF2B5EF4-FFF2-40B4-BE49-F238E27FC236}">
+                    <a16:creationId xmlns:a16="http://schemas.microsoft.com/office/drawing/2014/main" id="{68537341-4097-4F4E-8F47-C45914461753}"/>
+                  </a:ext>
+                </a:extLst>
+              </p:cNvPr>
+              <p:cNvSpPr/>
+              <p:nvPr/>
+            </p:nvSpPr>
+            <p:spPr>
+              <a:xfrm rot="333008">
+                <a:off x="4016954" y="1029858"/>
+                <a:ext cx="92037" cy="388224"/>
+              </a:xfrm>
+              <a:prstGeom prst="arc">
+                <a:avLst>
+                  <a:gd name="adj1" fmla="val 16187962"/>
+                  <a:gd name="adj2" fmla="val 4659982"/>
+                </a:avLst>
+              </a:prstGeom>
+              <a:ln w="12700">
+                <a:solidFill>
+                  <a:schemeClr val="tx1"/>
+                </a:solidFill>
+              </a:ln>
+            </p:spPr>
+            <p:style>
+              <a:lnRef idx="1">
+                <a:schemeClr val="accent1"/>
+              </a:lnRef>
+              <a:fillRef idx="0">
+                <a:schemeClr val="accent1"/>
+              </a:fillRef>
+              <a:effectRef idx="0">
+                <a:schemeClr val="accent1"/>
+              </a:effectRef>
+              <a:fontRef idx="minor">
+                <a:schemeClr val="tx1"/>
+              </a:fontRef>
+            </p:style>
+            <p:txBody>
+              <a:bodyPr rtlCol="0" anchor="ctr"/>
+              <a:lstStyle/>
+              <a:p>
+                <a:pPr algn="ctr"/>
+                <a:endParaRPr lang="en-GB" dirty="0"/>
+              </a:p>
+            </p:txBody>
+          </p:sp>
+          <p:sp>
+            <p:nvSpPr>
+              <p:cNvPr id="26" name="Arc 25">
+                <a:extLst>
+                  <a:ext uri="{FF2B5EF4-FFF2-40B4-BE49-F238E27FC236}">
+                    <a16:creationId xmlns:a16="http://schemas.microsoft.com/office/drawing/2014/main" id="{8B9EE02C-D3AB-47A6-829E-76383258B789}"/>
+                  </a:ext>
+                </a:extLst>
+              </p:cNvPr>
+              <p:cNvSpPr/>
+              <p:nvPr/>
+            </p:nvSpPr>
+            <p:spPr>
+              <a:xfrm rot="333008">
+                <a:off x="3878651" y="1029858"/>
+                <a:ext cx="92037" cy="388224"/>
+              </a:xfrm>
+              <a:prstGeom prst="arc">
+                <a:avLst>
+                  <a:gd name="adj1" fmla="val 16187962"/>
+                  <a:gd name="adj2" fmla="val 4654946"/>
+                </a:avLst>
+              </a:prstGeom>
+              <a:ln w="12700">
+                <a:solidFill>
+                  <a:schemeClr val="tx1"/>
+                </a:solidFill>
+              </a:ln>
+            </p:spPr>
+            <p:style>
+              <a:lnRef idx="1">
+                <a:schemeClr val="accent1"/>
+              </a:lnRef>
+              <a:fillRef idx="0">
+                <a:schemeClr val="accent1"/>
+              </a:fillRef>
+              <a:effectRef idx="0">
+                <a:schemeClr val="accent1"/>
+              </a:effectRef>
+              <a:fontRef idx="minor">
+                <a:schemeClr val="tx1"/>
+              </a:fontRef>
+            </p:style>
+            <p:txBody>
+              <a:bodyPr rtlCol="0" anchor="ctr"/>
+              <a:lstStyle/>
+              <a:p>
+                <a:pPr algn="ctr"/>
+                <a:endParaRPr lang="en-GB" dirty="0"/>
+              </a:p>
+            </p:txBody>
+          </p:sp>
+          <p:sp>
+            <p:nvSpPr>
+              <p:cNvPr id="27" name="Arc 26">
+                <a:extLst>
+                  <a:ext uri="{FF2B5EF4-FFF2-40B4-BE49-F238E27FC236}">
+                    <a16:creationId xmlns:a16="http://schemas.microsoft.com/office/drawing/2014/main" id="{1843068C-95CD-4ACE-BC95-0A7C430C4B02}"/>
+                  </a:ext>
+                </a:extLst>
+              </p:cNvPr>
+              <p:cNvSpPr/>
+              <p:nvPr/>
+            </p:nvSpPr>
+            <p:spPr>
+              <a:xfrm rot="20943522" flipH="1">
+                <a:off x="3906874" y="1027344"/>
+                <a:ext cx="147154" cy="388224"/>
+              </a:xfrm>
+              <a:prstGeom prst="arc">
+                <a:avLst>
+                  <a:gd name="adj1" fmla="val 16187962"/>
+                  <a:gd name="adj2" fmla="val 4509191"/>
+                </a:avLst>
+              </a:prstGeom>
+              <a:ln w="12700">
+                <a:solidFill>
+                  <a:schemeClr val="tx1"/>
+                </a:solidFill>
+              </a:ln>
+            </p:spPr>
+            <p:style>
+              <a:lnRef idx="1">
+                <a:schemeClr val="accent1"/>
+              </a:lnRef>
+              <a:fillRef idx="0">
+                <a:schemeClr val="accent1"/>
+              </a:fillRef>
+              <a:effectRef idx="0">
+                <a:schemeClr val="accent1"/>
+              </a:effectRef>
+              <a:fontRef idx="minor">
+                <a:schemeClr val="tx1"/>
+              </a:fontRef>
+            </p:style>
+            <p:txBody>
+              <a:bodyPr rtlCol="0" anchor="ctr"/>
+              <a:lstStyle/>
+              <a:p>
+                <a:pPr algn="ctr"/>
+                <a:endParaRPr lang="en-GB" dirty="0"/>
+              </a:p>
+            </p:txBody>
+          </p:sp>
+          <p:sp>
+            <p:nvSpPr>
+              <p:cNvPr id="28" name="Arc 27">
+                <a:extLst>
+                  <a:ext uri="{FF2B5EF4-FFF2-40B4-BE49-F238E27FC236}">
+                    <a16:creationId xmlns:a16="http://schemas.microsoft.com/office/drawing/2014/main" id="{46313E58-DDF0-41E3-B905-BC9CD4E74DEC}"/>
+                  </a:ext>
+                </a:extLst>
+              </p:cNvPr>
+              <p:cNvSpPr/>
+              <p:nvPr/>
+            </p:nvSpPr>
+            <p:spPr>
+              <a:xfrm flipH="1">
+                <a:off x="3909383" y="905090"/>
+                <a:ext cx="218166" cy="507738"/>
+              </a:xfrm>
+              <a:prstGeom prst="arc">
+                <a:avLst>
+                  <a:gd name="adj1" fmla="val 4353185"/>
+                  <a:gd name="adj2" fmla="val 6415383"/>
+                </a:avLst>
+              </a:prstGeom>
+              <a:ln w="12700">
+                <a:solidFill>
+                  <a:schemeClr val="tx1"/>
+                </a:solidFill>
+              </a:ln>
+            </p:spPr>
+            <p:style>
+              <a:lnRef idx="1">
+                <a:schemeClr val="accent1"/>
+              </a:lnRef>
+              <a:fillRef idx="0">
+                <a:schemeClr val="accent1"/>
+              </a:fillRef>
+              <a:effectRef idx="0">
+                <a:schemeClr val="accent1"/>
+              </a:effectRef>
+              <a:fontRef idx="minor">
+                <a:schemeClr val="tx1"/>
+              </a:fontRef>
+            </p:style>
+            <p:txBody>
+              <a:bodyPr rtlCol="0" anchor="ctr"/>
+              <a:lstStyle/>
+              <a:p>
+                <a:pPr algn="ctr"/>
+                <a:endParaRPr lang="en-GB" dirty="0"/>
+              </a:p>
+            </p:txBody>
+          </p:sp>
+          <p:sp>
+            <p:nvSpPr>
+              <p:cNvPr id="29" name="Arc 28">
+                <a:extLst>
+                  <a:ext uri="{FF2B5EF4-FFF2-40B4-BE49-F238E27FC236}">
+                    <a16:creationId xmlns:a16="http://schemas.microsoft.com/office/drawing/2014/main" id="{D0B8D8B7-119B-4B33-A74C-578E3624313C}"/>
+                  </a:ext>
+                </a:extLst>
+              </p:cNvPr>
+              <p:cNvSpPr/>
+              <p:nvPr/>
+            </p:nvSpPr>
+            <p:spPr>
+              <a:xfrm flipH="1">
+                <a:off x="4047790" y="905090"/>
+                <a:ext cx="218165" cy="507738"/>
+              </a:xfrm>
+              <a:prstGeom prst="arc">
+                <a:avLst>
+                  <a:gd name="adj1" fmla="val 4353185"/>
+                  <a:gd name="adj2" fmla="val 6415383"/>
+                </a:avLst>
+              </a:prstGeom>
+              <a:ln w="12700">
+                <a:solidFill>
+                  <a:schemeClr val="tx1"/>
+                </a:solidFill>
+              </a:ln>
+            </p:spPr>
+            <p:style>
+              <a:lnRef idx="1">
+                <a:schemeClr val="accent1"/>
+              </a:lnRef>
+              <a:fillRef idx="0">
+                <a:schemeClr val="accent1"/>
+              </a:fillRef>
+              <a:effectRef idx="0">
+                <a:schemeClr val="accent1"/>
+              </a:effectRef>
+              <a:fontRef idx="minor">
+                <a:schemeClr val="tx1"/>
+              </a:fontRef>
+            </p:style>
+            <p:txBody>
+              <a:bodyPr rtlCol="0" anchor="ctr"/>
+              <a:lstStyle/>
+              <a:p>
+                <a:pPr algn="ctr"/>
+                <a:endParaRPr lang="en-GB" dirty="0"/>
+              </a:p>
+            </p:txBody>
+          </p:sp>
+          <p:sp>
+            <p:nvSpPr>
+              <p:cNvPr id="30" name="Arc 29">
+                <a:extLst>
+                  <a:ext uri="{FF2B5EF4-FFF2-40B4-BE49-F238E27FC236}">
+                    <a16:creationId xmlns:a16="http://schemas.microsoft.com/office/drawing/2014/main" id="{60162D93-3B3F-474E-BB8D-B13FC378038A}"/>
+                  </a:ext>
+                </a:extLst>
+              </p:cNvPr>
+              <p:cNvSpPr/>
+              <p:nvPr/>
+            </p:nvSpPr>
+            <p:spPr>
+              <a:xfrm flipH="1">
+                <a:off x="3771121" y="905090"/>
+                <a:ext cx="218165" cy="507738"/>
+              </a:xfrm>
+              <a:prstGeom prst="arc">
+                <a:avLst>
+                  <a:gd name="adj1" fmla="val 2333109"/>
+                  <a:gd name="adj2" fmla="val 6415383"/>
+                </a:avLst>
+              </a:prstGeom>
+              <a:ln w="12700">
+                <a:solidFill>
+                  <a:schemeClr val="tx1"/>
+                </a:solidFill>
+              </a:ln>
+            </p:spPr>
+            <p:style>
+              <a:lnRef idx="1">
+                <a:schemeClr val="accent1"/>
+              </a:lnRef>
+              <a:fillRef idx="0">
+                <a:schemeClr val="accent1"/>
+              </a:fillRef>
+              <a:effectRef idx="0">
+                <a:schemeClr val="accent1"/>
+              </a:effectRef>
+              <a:fontRef idx="minor">
+                <a:schemeClr val="tx1"/>
+              </a:fontRef>
+            </p:style>
+            <p:txBody>
+              <a:bodyPr rtlCol="0" anchor="ctr"/>
+              <a:lstStyle/>
+              <a:p>
+                <a:pPr algn="ctr"/>
+                <a:endParaRPr lang="en-GB" dirty="0"/>
+              </a:p>
+            </p:txBody>
+          </p:sp>
+        </p:grpSp>
+        <p:cxnSp>
+          <p:nvCxnSpPr>
+            <p:cNvPr id="31" name="Straight Connector 30">
+              <a:extLst>
+                <a:ext uri="{FF2B5EF4-FFF2-40B4-BE49-F238E27FC236}">
+                  <a16:creationId xmlns:a16="http://schemas.microsoft.com/office/drawing/2014/main" id="{C0A1B3EA-C570-444D-BFB3-A6137F21DBC4}"/>
+                </a:ext>
+              </a:extLst>
+            </p:cNvPr>
+            <p:cNvCxnSpPr>
+              <a:cxnSpLocks/>
+            </p:cNvCxnSpPr>
+            <p:nvPr/>
+          </p:nvCxnSpPr>
+          <p:spPr>
+            <a:xfrm flipH="1">
+              <a:off x="6979258" y="1243497"/>
+              <a:ext cx="517508" cy="0"/>
+            </a:xfrm>
+            <a:prstGeom prst="line">
+              <a:avLst/>
+            </a:prstGeom>
+            <a:noFill/>
+            <a:ln w="12700" cap="flat" cmpd="sng" algn="ctr">
+              <a:solidFill>
+                <a:schemeClr val="tx1"/>
+              </a:solidFill>
+              <a:prstDash val="solid"/>
+              <a:miter lim="800000"/>
+            </a:ln>
+            <a:effectLst/>
+          </p:spPr>
+        </p:cxnSp>
+        <p:cxnSp>
+          <p:nvCxnSpPr>
+            <p:cNvPr id="32" name="Straight Connector 31">
+              <a:extLst>
+                <a:ext uri="{FF2B5EF4-FFF2-40B4-BE49-F238E27FC236}">
+                  <a16:creationId xmlns:a16="http://schemas.microsoft.com/office/drawing/2014/main" id="{406CF90B-8845-4609-B131-7A68E10EBEEA}"/>
+                </a:ext>
+              </a:extLst>
+            </p:cNvPr>
+            <p:cNvCxnSpPr>
+              <a:cxnSpLocks/>
+            </p:cNvCxnSpPr>
+            <p:nvPr/>
+          </p:nvCxnSpPr>
+          <p:spPr>
+            <a:xfrm flipH="1">
+              <a:off x="8748713" y="1238861"/>
+              <a:ext cx="489741" cy="0"/>
+            </a:xfrm>
+            <a:prstGeom prst="line">
+              <a:avLst/>
+            </a:prstGeom>
+            <a:noFill/>
+            <a:ln w="12700" cap="flat" cmpd="sng" algn="ctr">
+              <a:solidFill>
+                <a:schemeClr val="tx1"/>
+              </a:solidFill>
+              <a:prstDash val="solid"/>
+              <a:miter lim="800000"/>
+            </a:ln>
+            <a:effectLst/>
+          </p:spPr>
+        </p:cxnSp>
+      </p:grpSp>
+      <p:cxnSp>
+        <p:nvCxnSpPr>
+          <p:cNvPr id="34" name="Straight Connector 33">
+            <a:extLst>
+              <a:ext uri="{FF2B5EF4-FFF2-40B4-BE49-F238E27FC236}">
+                <a16:creationId xmlns:a16="http://schemas.microsoft.com/office/drawing/2014/main" id="{28C329A5-C0FF-4919-A48B-7D73983588B7}"/>
+              </a:ext>
+            </a:extLst>
+          </p:cNvPr>
+          <p:cNvCxnSpPr>
+            <a:cxnSpLocks/>
+          </p:cNvCxnSpPr>
+          <p:nvPr/>
+        </p:nvCxnSpPr>
+        <p:spPr>
+          <a:xfrm>
+            <a:off x="6096000" y="4591894"/>
+            <a:ext cx="671237" cy="0"/>
+          </a:xfrm>
+          <a:prstGeom prst="line">
+            <a:avLst/>
+          </a:prstGeom>
+          <a:noFill/>
+          <a:ln w="12700" cap="flat" cmpd="sng" algn="ctr">
+            <a:solidFill>
+              <a:schemeClr val="tx1"/>
+            </a:solidFill>
+            <a:prstDash val="solid"/>
+            <a:miter lim="800000"/>
+          </a:ln>
+          <a:effectLst/>
+        </p:spPr>
+      </p:cxnSp>
+      <p:grpSp>
+        <p:nvGrpSpPr>
+          <p:cNvPr id="45" name="Group 44">
+            <a:extLst>
+              <a:ext uri="{FF2B5EF4-FFF2-40B4-BE49-F238E27FC236}">
+                <a16:creationId xmlns:a16="http://schemas.microsoft.com/office/drawing/2014/main" id="{D787584E-6BD5-489E-9FE6-35B648133B76}"/>
+              </a:ext>
+            </a:extLst>
+          </p:cNvPr>
+          <p:cNvGrpSpPr/>
+          <p:nvPr/>
+        </p:nvGrpSpPr>
+        <p:grpSpPr>
+          <a:xfrm>
+            <a:off x="6767237" y="4134694"/>
+            <a:ext cx="916722" cy="914400"/>
+            <a:chOff x="7620271" y="1610784"/>
+            <a:chExt cx="916722" cy="914400"/>
+          </a:xfrm>
+        </p:grpSpPr>
+        <p:cxnSp>
+          <p:nvCxnSpPr>
+            <p:cNvPr id="35" name="Straight Connector 34">
+              <a:extLst>
+                <a:ext uri="{FF2B5EF4-FFF2-40B4-BE49-F238E27FC236}">
+                  <a16:creationId xmlns:a16="http://schemas.microsoft.com/office/drawing/2014/main" id="{A89E85E8-9AA8-44B5-B689-EFE9917F6AEE}"/>
+                </a:ext>
+              </a:extLst>
+            </p:cNvPr>
+            <p:cNvCxnSpPr>
+              <a:cxnSpLocks/>
+            </p:cNvCxnSpPr>
+            <p:nvPr/>
+          </p:nvCxnSpPr>
+          <p:spPr>
+            <a:xfrm rot="10800000" flipH="1">
+              <a:off x="7620271" y="1610784"/>
+              <a:ext cx="0" cy="914400"/>
+            </a:xfrm>
+            <a:prstGeom prst="line">
+              <a:avLst/>
+            </a:prstGeom>
+            <a:noFill/>
+            <a:ln w="12700" cap="flat" cmpd="sng" algn="ctr">
+              <a:solidFill>
+                <a:schemeClr val="tx1"/>
+              </a:solidFill>
+              <a:prstDash val="solid"/>
+              <a:miter lim="800000"/>
+            </a:ln>
+            <a:effectLst/>
+          </p:spPr>
+        </p:cxnSp>
+        <p:cxnSp>
+          <p:nvCxnSpPr>
+            <p:cNvPr id="36" name="Straight Connector 35">
+              <a:extLst>
+                <a:ext uri="{FF2B5EF4-FFF2-40B4-BE49-F238E27FC236}">
+                  <a16:creationId xmlns:a16="http://schemas.microsoft.com/office/drawing/2014/main" id="{F62F46F2-21CD-4355-B6FA-44B8AD751ABA}"/>
+                </a:ext>
+              </a:extLst>
+            </p:cNvPr>
+            <p:cNvCxnSpPr>
+              <a:cxnSpLocks/>
+            </p:cNvCxnSpPr>
+            <p:nvPr/>
+          </p:nvCxnSpPr>
+          <p:spPr>
+            <a:xfrm rot="10800000" flipH="1">
+              <a:off x="7622593" y="1610784"/>
+              <a:ext cx="914400" cy="0"/>
+            </a:xfrm>
+            <a:prstGeom prst="line">
+              <a:avLst/>
+            </a:prstGeom>
+            <a:noFill/>
+            <a:ln w="12700" cap="flat" cmpd="sng" algn="ctr">
+              <a:solidFill>
+                <a:schemeClr val="tx1"/>
+              </a:solidFill>
+              <a:prstDash val="solid"/>
+              <a:miter lim="800000"/>
+            </a:ln>
+            <a:effectLst/>
+          </p:spPr>
+        </p:cxnSp>
+        <p:cxnSp>
+          <p:nvCxnSpPr>
+            <p:cNvPr id="37" name="Straight Connector 36">
+              <a:extLst>
+                <a:ext uri="{FF2B5EF4-FFF2-40B4-BE49-F238E27FC236}">
+                  <a16:creationId xmlns:a16="http://schemas.microsoft.com/office/drawing/2014/main" id="{8E7E4BD4-CDDD-45CB-B637-3E97F53824C6}"/>
+                </a:ext>
+              </a:extLst>
+            </p:cNvPr>
+            <p:cNvCxnSpPr>
+              <a:cxnSpLocks/>
+            </p:cNvCxnSpPr>
+            <p:nvPr/>
+          </p:nvCxnSpPr>
+          <p:spPr>
+            <a:xfrm rot="10800000" flipH="1">
+              <a:off x="7622593" y="2523068"/>
+              <a:ext cx="914400" cy="0"/>
+            </a:xfrm>
+            <a:prstGeom prst="line">
+              <a:avLst/>
+            </a:prstGeom>
+            <a:noFill/>
+            <a:ln w="12700" cap="flat" cmpd="sng" algn="ctr">
+              <a:solidFill>
+                <a:schemeClr val="tx1"/>
+              </a:solidFill>
+              <a:prstDash val="solid"/>
+              <a:miter lim="800000"/>
+            </a:ln>
+            <a:effectLst/>
+          </p:spPr>
+        </p:cxnSp>
+        <p:cxnSp>
+          <p:nvCxnSpPr>
+            <p:cNvPr id="38" name="Straight Connector 37">
+              <a:extLst>
+                <a:ext uri="{FF2B5EF4-FFF2-40B4-BE49-F238E27FC236}">
+                  <a16:creationId xmlns:a16="http://schemas.microsoft.com/office/drawing/2014/main" id="{F8E1D99B-5201-40CB-A128-9141385F7F49}"/>
+                </a:ext>
+              </a:extLst>
+            </p:cNvPr>
+            <p:cNvCxnSpPr>
+              <a:cxnSpLocks/>
+            </p:cNvCxnSpPr>
+            <p:nvPr/>
+          </p:nvCxnSpPr>
+          <p:spPr>
+            <a:xfrm rot="10800000" flipH="1">
+              <a:off x="8079793" y="1839384"/>
+              <a:ext cx="0" cy="457200"/>
+            </a:xfrm>
+            <a:prstGeom prst="line">
+              <a:avLst/>
+            </a:prstGeom>
+            <a:noFill/>
+            <a:ln w="76200" cap="flat" cmpd="sng" algn="ctr">
+              <a:solidFill>
+                <a:schemeClr val="tx1"/>
+              </a:solidFill>
+              <a:prstDash val="solid"/>
+              <a:miter lim="800000"/>
+            </a:ln>
+            <a:effectLst/>
+          </p:spPr>
+        </p:cxnSp>
+      </p:grpSp>
+      <p:cxnSp>
+        <p:nvCxnSpPr>
+          <p:cNvPr id="39" name="Straight Connector 38">
+            <a:extLst>
+              <a:ext uri="{FF2B5EF4-FFF2-40B4-BE49-F238E27FC236}">
+                <a16:creationId xmlns:a16="http://schemas.microsoft.com/office/drawing/2014/main" id="{DF110A03-3C2B-4F7C-958A-D5E1EEEC6A67}"/>
+              </a:ext>
+            </a:extLst>
+          </p:cNvPr>
+          <p:cNvCxnSpPr>
+            <a:cxnSpLocks/>
+          </p:cNvCxnSpPr>
+          <p:nvPr/>
+        </p:nvCxnSpPr>
+        <p:spPr>
+          <a:xfrm>
+            <a:off x="7243814" y="4591894"/>
+            <a:ext cx="1111382" cy="0"/>
+          </a:xfrm>
+          <a:prstGeom prst="line">
+            <a:avLst/>
+          </a:prstGeom>
+          <a:noFill/>
+          <a:ln w="12700" cap="flat" cmpd="sng" algn="ctr">
+            <a:solidFill>
+              <a:schemeClr val="tx1"/>
+            </a:solidFill>
+            <a:prstDash val="solid"/>
+            <a:miter lim="800000"/>
+          </a:ln>
+          <a:effectLst/>
+        </p:spPr>
+      </p:cxnSp>
+      <p:cxnSp>
+        <p:nvCxnSpPr>
+          <p:cNvPr id="41" name="Straight Connector 40">
+            <a:extLst>
+              <a:ext uri="{FF2B5EF4-FFF2-40B4-BE49-F238E27FC236}">
+                <a16:creationId xmlns:a16="http://schemas.microsoft.com/office/drawing/2014/main" id="{178A22C3-5258-42D1-A76E-5320444A53BB}"/>
+              </a:ext>
+            </a:extLst>
+          </p:cNvPr>
+          <p:cNvCxnSpPr>
+            <a:cxnSpLocks/>
+          </p:cNvCxnSpPr>
+          <p:nvPr/>
+        </p:nvCxnSpPr>
+        <p:spPr>
+          <a:xfrm flipV="1">
+            <a:off x="8355196" y="3603586"/>
+            <a:ext cx="0" cy="988308"/>
+          </a:xfrm>
+          <a:prstGeom prst="line">
+            <a:avLst/>
+          </a:prstGeom>
+          <a:noFill/>
+          <a:ln w="12700" cap="flat" cmpd="sng" algn="ctr">
+            <a:solidFill>
+              <a:schemeClr val="tx1"/>
+            </a:solidFill>
+            <a:prstDash val="solid"/>
+            <a:miter lim="800000"/>
+          </a:ln>
+          <a:effectLst/>
+        </p:spPr>
+      </p:cxnSp>
+      <p:cxnSp>
+        <p:nvCxnSpPr>
+          <p:cNvPr id="43" name="Straight Connector 42">
+            <a:extLst>
+              <a:ext uri="{FF2B5EF4-FFF2-40B4-BE49-F238E27FC236}">
+                <a16:creationId xmlns:a16="http://schemas.microsoft.com/office/drawing/2014/main" id="{21C82713-88BF-427B-BB1F-634C06FED5FF}"/>
+              </a:ext>
+            </a:extLst>
+          </p:cNvPr>
+          <p:cNvCxnSpPr>
+            <a:cxnSpLocks/>
+          </p:cNvCxnSpPr>
+          <p:nvPr/>
+        </p:nvCxnSpPr>
+        <p:spPr>
+          <a:xfrm flipV="1">
+            <a:off x="6096000" y="3448894"/>
+            <a:ext cx="0" cy="1371600"/>
+          </a:xfrm>
+          <a:prstGeom prst="line">
+            <a:avLst/>
+          </a:prstGeom>
+          <a:noFill/>
+          <a:ln w="12700" cap="flat" cmpd="sng" algn="ctr">
+            <a:solidFill>
+              <a:schemeClr val="tx1"/>
+            </a:solidFill>
+            <a:prstDash val="solid"/>
+            <a:miter lim="800000"/>
+          </a:ln>
+          <a:effectLst/>
+        </p:spPr>
+      </p:cxnSp>
+      <p:sp>
+        <p:nvSpPr>
+          <p:cNvPr id="52" name="Flowchart: Direct Access Storage 51">
+            <a:extLst>
+              <a:ext uri="{FF2B5EF4-FFF2-40B4-BE49-F238E27FC236}">
+                <a16:creationId xmlns:a16="http://schemas.microsoft.com/office/drawing/2014/main" id="{E89A17FD-5D7A-4409-8632-7DCC7C257442}"/>
+              </a:ext>
+            </a:extLst>
+          </p:cNvPr>
+          <p:cNvSpPr/>
+          <p:nvPr/>
+        </p:nvSpPr>
+        <p:spPr>
+          <a:xfrm rot="10800000">
+            <a:off x="8694420" y="3772789"/>
+            <a:ext cx="1175186" cy="649902"/>
+          </a:xfrm>
+          <a:prstGeom prst="flowChartMagneticDrum">
+            <a:avLst/>
+          </a:prstGeom>
+          <a:solidFill>
+            <a:schemeClr val="bg1">
+              <a:alpha val="80000"/>
+            </a:schemeClr>
+          </a:solidFill>
+          <a:ln w="12700">
+            <a:solidFill>
+              <a:schemeClr val="tx1"/>
+            </a:solidFill>
+          </a:ln>
+        </p:spPr>
+        <p:style>
+          <a:lnRef idx="2">
+            <a:schemeClr val="accent1">
+              <a:shade val="50000"/>
+            </a:schemeClr>
+          </a:lnRef>
+          <a:fillRef idx="1">
+            <a:schemeClr val="accent1"/>
+          </a:fillRef>
+          <a:effectRef idx="0">
+            <a:schemeClr val="accent1"/>
+          </a:effectRef>
+          <a:fontRef idx="minor">
+            <a:schemeClr val="lt1"/>
+          </a:fontRef>
+        </p:style>
+        <p:txBody>
+          <a:bodyPr rtlCol="0" anchor="ctr"/>
+          <a:lstStyle/>
+          <a:p>
+            <a:pPr algn="ctr"/>
+            <a:endParaRPr lang="en-US"/>
+          </a:p>
+        </p:txBody>
+      </p:sp>
+      <p:cxnSp>
+        <p:nvCxnSpPr>
+          <p:cNvPr id="54" name="Straight Connector 53">
+            <a:extLst>
+              <a:ext uri="{FF2B5EF4-FFF2-40B4-BE49-F238E27FC236}">
+                <a16:creationId xmlns:a16="http://schemas.microsoft.com/office/drawing/2014/main" id="{EF1F5CAC-4B8E-47E2-8FC6-59F4A6FAEDD5}"/>
+              </a:ext>
+            </a:extLst>
+          </p:cNvPr>
+          <p:cNvCxnSpPr>
+            <a:cxnSpLocks/>
+          </p:cNvCxnSpPr>
+          <p:nvPr/>
+        </p:nvCxnSpPr>
+        <p:spPr>
+          <a:xfrm>
+            <a:off x="9869606" y="4097740"/>
+            <a:ext cx="914400" cy="0"/>
+          </a:xfrm>
+          <a:prstGeom prst="line">
+            <a:avLst/>
+          </a:prstGeom>
+          <a:noFill/>
+          <a:ln w="12700" cap="flat" cmpd="sng" algn="ctr">
+            <a:solidFill>
+              <a:schemeClr val="tx1"/>
+            </a:solidFill>
+            <a:prstDash val="solid"/>
+            <a:miter lim="800000"/>
+          </a:ln>
+          <a:effectLst/>
+        </p:spPr>
+      </p:cxnSp>
+      <p:sp>
+        <p:nvSpPr>
+          <p:cNvPr id="56" name="Arc 55">
+            <a:extLst>
+              <a:ext uri="{FF2B5EF4-FFF2-40B4-BE49-F238E27FC236}">
+                <a16:creationId xmlns:a16="http://schemas.microsoft.com/office/drawing/2014/main" id="{0C12421E-AEEC-4721-B545-0D3A1D725179}"/>
+              </a:ext>
+            </a:extLst>
+          </p:cNvPr>
+          <p:cNvSpPr/>
+          <p:nvPr/>
+        </p:nvSpPr>
+        <p:spPr>
+          <a:xfrm flipH="1">
+            <a:off x="10107111" y="3668850"/>
+            <a:ext cx="278320" cy="862421"/>
+          </a:xfrm>
+          <a:prstGeom prst="arc">
+            <a:avLst>
+              <a:gd name="adj1" fmla="val 14712621"/>
+              <a:gd name="adj2" fmla="val 5048999"/>
+            </a:avLst>
+          </a:prstGeom>
+          <a:ln>
+            <a:headEnd type="stealth" w="med" len="med"/>
+            <a:tailEnd type="none" w="med" len="med"/>
+          </a:ln>
+        </p:spPr>
+        <p:style>
+          <a:lnRef idx="1">
+            <a:schemeClr val="accent1"/>
+          </a:lnRef>
+          <a:fillRef idx="0">
+            <a:schemeClr val="accent1"/>
+          </a:fillRef>
+          <a:effectRef idx="0">
+            <a:schemeClr val="accent1"/>
+          </a:effectRef>
+          <a:fontRef idx="minor">
+            <a:schemeClr val="tx1"/>
+          </a:fontRef>
+        </p:style>
+        <p:txBody>
+          <a:bodyPr rtlCol="0" anchor="ctr"/>
+          <a:lstStyle/>
+          <a:p>
+            <a:pPr algn="ctr"/>
+            <a:endParaRPr lang="en-US"/>
+          </a:p>
+        </p:txBody>
+      </p:sp>
+      <p:sp>
+        <p:nvSpPr>
+          <p:cNvPr id="58" name="Arc 57">
+            <a:extLst>
+              <a:ext uri="{FF2B5EF4-FFF2-40B4-BE49-F238E27FC236}">
+                <a16:creationId xmlns:a16="http://schemas.microsoft.com/office/drawing/2014/main" id="{E6D4A426-175A-4264-98B9-7FEFE887A078}"/>
+              </a:ext>
+            </a:extLst>
+          </p:cNvPr>
+          <p:cNvSpPr/>
+          <p:nvPr/>
+        </p:nvSpPr>
+        <p:spPr>
+          <a:xfrm flipH="1">
+            <a:off x="10505686" y="3668850"/>
+            <a:ext cx="278320" cy="862421"/>
+          </a:xfrm>
+          <a:prstGeom prst="arc">
+            <a:avLst>
+              <a:gd name="adj1" fmla="val 14712621"/>
+              <a:gd name="adj2" fmla="val 5048999"/>
+            </a:avLst>
+          </a:prstGeom>
+          <a:ln>
+            <a:solidFill>
+              <a:schemeClr val="accent6"/>
+            </a:solidFill>
+            <a:headEnd type="stealth" w="med" len="med"/>
+            <a:tailEnd type="none" w="med" len="med"/>
+          </a:ln>
+        </p:spPr>
+        <p:style>
+          <a:lnRef idx="1">
+            <a:schemeClr val="accent1"/>
+          </a:lnRef>
+          <a:fillRef idx="0">
+            <a:schemeClr val="accent1"/>
+          </a:fillRef>
+          <a:effectRef idx="0">
+            <a:schemeClr val="accent1"/>
+          </a:effectRef>
+          <a:fontRef idx="minor">
+            <a:schemeClr val="tx1"/>
+          </a:fontRef>
+        </p:style>
+        <p:txBody>
+          <a:bodyPr rtlCol="0" anchor="ctr"/>
+          <a:lstStyle/>
+          <a:p>
+            <a:pPr algn="ctr"/>
+            <a:endParaRPr lang="en-US" dirty="0"/>
+          </a:p>
+        </p:txBody>
+      </p:sp>
+    </p:spTree>
+    <p:extLst>
+      <p:ext uri="{BB962C8B-B14F-4D97-AF65-F5344CB8AC3E}">
+        <p14:creationId xmlns:p14="http://schemas.microsoft.com/office/powerpoint/2010/main" val="1340490206"/>
+      </p:ext>
+    </p:extLst>
+  </p:cSld>
+  <p:clrMapOvr>
+    <a:masterClrMapping/>
+  </p:clrMapOvr>
+</p:sld>
+</file>
+
+<file path=ppt/slides/slide7.xml><?xml version="1.0" encoding="utf-8"?>
+<p:sld xmlns:a="http://schemas.openxmlformats.org/drawingml/2006/main" xmlns:r="http://schemas.openxmlformats.org/officeDocument/2006/relationships" xmlns:p="http://schemas.openxmlformats.org/presentationml/2006/main">
+  <p:cSld>
+    <p:spTree>
+      <p:nvGrpSpPr>
+        <p:cNvPr id="1" name=""/>
+        <p:cNvGrpSpPr/>
+        <p:nvPr/>
+      </p:nvGrpSpPr>
+      <p:grpSpPr>
+        <a:xfrm>
+          <a:off x="0" y="0"/>
+          <a:ext cx="0" cy="0"/>
+          <a:chOff x="0" y="0"/>
+          <a:chExt cx="0" cy="0"/>
+        </a:xfrm>
+      </p:grpSpPr>
+      <p:cxnSp>
+        <p:nvCxnSpPr>
+          <p:cNvPr id="43" name="Straight Connector 42">
+            <a:extLst>
+              <a:ext uri="{FF2B5EF4-FFF2-40B4-BE49-F238E27FC236}">
+                <a16:creationId xmlns:a16="http://schemas.microsoft.com/office/drawing/2014/main" id="{C9784251-F043-4E48-B0A7-56E757FB41FB}"/>
+              </a:ext>
+            </a:extLst>
+          </p:cNvPr>
+          <p:cNvCxnSpPr>
+            <a:cxnSpLocks/>
+          </p:cNvCxnSpPr>
+          <p:nvPr/>
+        </p:nvCxnSpPr>
+        <p:spPr>
+          <a:xfrm flipV="1">
+            <a:off x="8845936" y="2838067"/>
+            <a:ext cx="0" cy="2286970"/>
+          </a:xfrm>
+          <a:prstGeom prst="line">
+            <a:avLst/>
+          </a:prstGeom>
+          <a:noFill/>
+          <a:ln w="12700" cap="flat" cmpd="sng" algn="ctr">
+            <a:solidFill>
+              <a:schemeClr val="tx1">
+                <a:alpha val="25000"/>
+              </a:schemeClr>
+            </a:solidFill>
+            <a:prstDash val="lgDash"/>
+            <a:miter lim="800000"/>
+          </a:ln>
+          <a:effectLst/>
+        </p:spPr>
+      </p:cxnSp>
+      <p:pic>
+        <p:nvPicPr>
+          <p:cNvPr id="3" name="Picture 2" descr="A close up of a clock&#10;&#10;Description automatically generated">
+            <a:extLst>
+              <a:ext uri="{FF2B5EF4-FFF2-40B4-BE49-F238E27FC236}">
+                <a16:creationId xmlns:a16="http://schemas.microsoft.com/office/drawing/2014/main" id="{F4B5DBEB-D7E4-454F-A3B4-48B880C5E939}"/>
+              </a:ext>
+            </a:extLst>
+          </p:cNvPr>
+          <p:cNvPicPr>
+            <a:picLocks noChangeAspect="1"/>
+          </p:cNvPicPr>
+          <p:nvPr/>
+        </p:nvPicPr>
+        <p:blipFill>
+          <a:blip r:embed="rId2">
+            <a:extLst>
+              <a:ext uri="{28A0092B-C50C-407E-A947-70E740481C1C}">
+                <a14:useLocalDpi xmlns:a14="http://schemas.microsoft.com/office/drawing/2010/main" val="0"/>
+              </a:ext>
+            </a:extLst>
+          </a:blip>
+          <a:stretch>
+            <a:fillRect/>
+          </a:stretch>
+        </p:blipFill>
+        <p:spPr>
+          <a:xfrm>
+            <a:off x="0" y="0"/>
+            <a:ext cx="5695238" cy="3066667"/>
+          </a:xfrm>
+          <a:prstGeom prst="rect">
+            <a:avLst/>
+          </a:prstGeom>
+        </p:spPr>
+      </p:pic>
+      <p:grpSp>
+        <p:nvGrpSpPr>
+          <p:cNvPr id="4" name="Group 3">
+            <a:extLst>
+              <a:ext uri="{FF2B5EF4-FFF2-40B4-BE49-F238E27FC236}">
+                <a16:creationId xmlns:a16="http://schemas.microsoft.com/office/drawing/2014/main" id="{C3D2A930-DC58-425A-B342-B98AB7AC711B}"/>
+              </a:ext>
+            </a:extLst>
+          </p:cNvPr>
+          <p:cNvGrpSpPr/>
+          <p:nvPr/>
+        </p:nvGrpSpPr>
+        <p:grpSpPr>
+          <a:xfrm rot="10800000">
+            <a:off x="6096000" y="3312327"/>
+            <a:ext cx="2259196" cy="512992"/>
+            <a:chOff x="6979258" y="905090"/>
+            <a:chExt cx="2259196" cy="512992"/>
+          </a:xfrm>
+        </p:grpSpPr>
+        <p:grpSp>
+          <p:nvGrpSpPr>
+            <p:cNvPr id="6" name="Group 5">
+              <a:extLst>
+                <a:ext uri="{FF2B5EF4-FFF2-40B4-BE49-F238E27FC236}">
+                  <a16:creationId xmlns:a16="http://schemas.microsoft.com/office/drawing/2014/main" id="{4CBDD3E2-94CE-49D6-A228-D362B83A6FBC}"/>
+                </a:ext>
+              </a:extLst>
+            </p:cNvPr>
+            <p:cNvGrpSpPr/>
+            <p:nvPr/>
+          </p:nvGrpSpPr>
+          <p:grpSpPr>
+            <a:xfrm>
+              <a:off x="7496765" y="905090"/>
+              <a:ext cx="1248855" cy="512992"/>
+              <a:chOff x="3771121" y="905090"/>
+              <a:chExt cx="1248855" cy="512992"/>
+            </a:xfrm>
+          </p:grpSpPr>
+          <p:sp>
+            <p:nvSpPr>
+              <p:cNvPr id="9" name="Arc 8">
+                <a:extLst>
+                  <a:ext uri="{FF2B5EF4-FFF2-40B4-BE49-F238E27FC236}">
+                    <a16:creationId xmlns:a16="http://schemas.microsoft.com/office/drawing/2014/main" id="{37C9D315-538F-458D-B415-BF30351A5670}"/>
+                  </a:ext>
+                </a:extLst>
+              </p:cNvPr>
+              <p:cNvSpPr/>
+              <p:nvPr/>
+            </p:nvSpPr>
+            <p:spPr>
+              <a:xfrm rot="333008">
+                <a:off x="4844599" y="1029858"/>
+                <a:ext cx="92037" cy="388224"/>
+              </a:xfrm>
+              <a:prstGeom prst="arc">
+                <a:avLst>
+                  <a:gd name="adj1" fmla="val 16187962"/>
+                  <a:gd name="adj2" fmla="val 4659982"/>
+                </a:avLst>
+              </a:prstGeom>
+              <a:ln w="12700">
+                <a:solidFill>
+                  <a:schemeClr val="tx1"/>
+                </a:solidFill>
+              </a:ln>
+            </p:spPr>
+            <p:style>
+              <a:lnRef idx="1">
+                <a:schemeClr val="accent1"/>
+              </a:lnRef>
+              <a:fillRef idx="0">
+                <a:schemeClr val="accent1"/>
+              </a:fillRef>
+              <a:effectRef idx="0">
+                <a:schemeClr val="accent1"/>
+              </a:effectRef>
+              <a:fontRef idx="minor">
+                <a:schemeClr val="tx1"/>
+              </a:fontRef>
+            </p:style>
+            <p:txBody>
+              <a:bodyPr rtlCol="0" anchor="ctr"/>
+              <a:lstStyle/>
+              <a:p>
+                <a:pPr algn="ctr"/>
+                <a:endParaRPr lang="en-GB" dirty="0"/>
+              </a:p>
+            </p:txBody>
+          </p:sp>
+          <p:sp>
+            <p:nvSpPr>
+              <p:cNvPr id="10" name="Arc 9">
+                <a:extLst>
+                  <a:ext uri="{FF2B5EF4-FFF2-40B4-BE49-F238E27FC236}">
+                    <a16:creationId xmlns:a16="http://schemas.microsoft.com/office/drawing/2014/main" id="{6A265FE6-1DC3-4C84-B4FC-A26D9812EA05}"/>
+                  </a:ext>
+                </a:extLst>
+              </p:cNvPr>
+              <p:cNvSpPr/>
+              <p:nvPr/>
+            </p:nvSpPr>
+            <p:spPr>
+              <a:xfrm rot="20943522" flipH="1">
+                <a:off x="4872822" y="1027344"/>
+                <a:ext cx="147154" cy="388224"/>
+              </a:xfrm>
+              <a:prstGeom prst="arc">
+                <a:avLst>
+                  <a:gd name="adj1" fmla="val 16187962"/>
+                  <a:gd name="adj2" fmla="val 9382128"/>
+                </a:avLst>
+              </a:prstGeom>
+              <a:ln w="12700">
+                <a:solidFill>
+                  <a:schemeClr val="tx1"/>
+                </a:solidFill>
+              </a:ln>
+            </p:spPr>
+            <p:style>
+              <a:lnRef idx="1">
+                <a:schemeClr val="accent1"/>
+              </a:lnRef>
+              <a:fillRef idx="0">
+                <a:schemeClr val="accent1"/>
+              </a:fillRef>
+              <a:effectRef idx="0">
+                <a:schemeClr val="accent1"/>
+              </a:effectRef>
+              <a:fontRef idx="minor">
+                <a:schemeClr val="tx1"/>
+              </a:fontRef>
+            </p:style>
+            <p:txBody>
+              <a:bodyPr rtlCol="0" anchor="ctr"/>
+              <a:lstStyle/>
+              <a:p>
+                <a:pPr algn="ctr"/>
+                <a:endParaRPr lang="en-GB" dirty="0"/>
+              </a:p>
+            </p:txBody>
+          </p:sp>
+          <p:sp>
+            <p:nvSpPr>
+              <p:cNvPr id="11" name="Arc 10">
+                <a:extLst>
+                  <a:ext uri="{FF2B5EF4-FFF2-40B4-BE49-F238E27FC236}">
+                    <a16:creationId xmlns:a16="http://schemas.microsoft.com/office/drawing/2014/main" id="{86775490-9099-407C-8E92-495662EBA62F}"/>
+                  </a:ext>
+                </a:extLst>
+              </p:cNvPr>
+              <p:cNvSpPr/>
+              <p:nvPr/>
+            </p:nvSpPr>
+            <p:spPr>
+              <a:xfrm rot="333008">
+                <a:off x="4706296" y="1029858"/>
+                <a:ext cx="92037" cy="388224"/>
+              </a:xfrm>
+              <a:prstGeom prst="arc">
+                <a:avLst>
+                  <a:gd name="adj1" fmla="val 16187962"/>
+                  <a:gd name="adj2" fmla="val 4731878"/>
+                </a:avLst>
+              </a:prstGeom>
+              <a:ln w="12700">
+                <a:solidFill>
+                  <a:schemeClr val="tx1"/>
+                </a:solidFill>
+              </a:ln>
+            </p:spPr>
+            <p:style>
+              <a:lnRef idx="1">
+                <a:schemeClr val="accent1"/>
+              </a:lnRef>
+              <a:fillRef idx="0">
+                <a:schemeClr val="accent1"/>
+              </a:fillRef>
+              <a:effectRef idx="0">
+                <a:schemeClr val="accent1"/>
+              </a:effectRef>
+              <a:fontRef idx="minor">
+                <a:schemeClr val="tx1"/>
+              </a:fontRef>
+            </p:style>
+            <p:txBody>
+              <a:bodyPr rtlCol="0" anchor="ctr"/>
+              <a:lstStyle/>
+              <a:p>
+                <a:pPr algn="ctr"/>
+                <a:endParaRPr lang="en-GB" dirty="0"/>
+              </a:p>
+            </p:txBody>
+          </p:sp>
+          <p:sp>
+            <p:nvSpPr>
+              <p:cNvPr id="12" name="Arc 11">
+                <a:extLst>
+                  <a:ext uri="{FF2B5EF4-FFF2-40B4-BE49-F238E27FC236}">
+                    <a16:creationId xmlns:a16="http://schemas.microsoft.com/office/drawing/2014/main" id="{73746EB1-3A5F-45CE-A289-17C26516665C}"/>
+                  </a:ext>
+                </a:extLst>
+              </p:cNvPr>
+              <p:cNvSpPr/>
+              <p:nvPr/>
+            </p:nvSpPr>
+            <p:spPr>
+              <a:xfrm rot="20943522" flipH="1">
+                <a:off x="4734519" y="1027344"/>
+                <a:ext cx="147154" cy="388224"/>
+              </a:xfrm>
+              <a:prstGeom prst="arc">
+                <a:avLst>
+                  <a:gd name="adj1" fmla="val 16187962"/>
+                  <a:gd name="adj2" fmla="val 4509191"/>
+                </a:avLst>
+              </a:prstGeom>
+              <a:ln w="12700">
+                <a:solidFill>
+                  <a:schemeClr val="tx1"/>
+                </a:solidFill>
+              </a:ln>
+            </p:spPr>
+            <p:style>
+              <a:lnRef idx="1">
+                <a:schemeClr val="accent1"/>
+              </a:lnRef>
+              <a:fillRef idx="0">
+                <a:schemeClr val="accent1"/>
+              </a:fillRef>
+              <a:effectRef idx="0">
+                <a:schemeClr val="accent1"/>
+              </a:effectRef>
+              <a:fontRef idx="minor">
+                <a:schemeClr val="tx1"/>
+              </a:fontRef>
+            </p:style>
+            <p:txBody>
+              <a:bodyPr rtlCol="0" anchor="ctr"/>
+              <a:lstStyle/>
+              <a:p>
+                <a:pPr algn="ctr"/>
+                <a:endParaRPr lang="en-GB" dirty="0"/>
+              </a:p>
+            </p:txBody>
+          </p:sp>
+          <p:sp>
+            <p:nvSpPr>
+              <p:cNvPr id="13" name="Arc 12">
+                <a:extLst>
+                  <a:ext uri="{FF2B5EF4-FFF2-40B4-BE49-F238E27FC236}">
+                    <a16:creationId xmlns:a16="http://schemas.microsoft.com/office/drawing/2014/main" id="{82EA02E5-A5AD-43CE-B31F-742F9D5E1139}"/>
+                  </a:ext>
+                </a:extLst>
+              </p:cNvPr>
+              <p:cNvSpPr/>
+              <p:nvPr/>
+            </p:nvSpPr>
+            <p:spPr>
+              <a:xfrm flipH="1">
+                <a:off x="4737028" y="905090"/>
+                <a:ext cx="218165" cy="507738"/>
+              </a:xfrm>
+              <a:prstGeom prst="arc">
+                <a:avLst>
+                  <a:gd name="adj1" fmla="val 4353185"/>
+                  <a:gd name="adj2" fmla="val 6415383"/>
+                </a:avLst>
+              </a:prstGeom>
+              <a:ln w="12700">
+                <a:solidFill>
+                  <a:schemeClr val="tx1"/>
+                </a:solidFill>
+              </a:ln>
+            </p:spPr>
+            <p:style>
+              <a:lnRef idx="1">
+                <a:schemeClr val="accent1"/>
+              </a:lnRef>
+              <a:fillRef idx="0">
+                <a:schemeClr val="accent1"/>
+              </a:fillRef>
+              <a:effectRef idx="0">
+                <a:schemeClr val="accent1"/>
+              </a:effectRef>
+              <a:fontRef idx="minor">
+                <a:schemeClr val="tx1"/>
+              </a:fontRef>
+            </p:style>
+            <p:txBody>
+              <a:bodyPr rtlCol="0" anchor="ctr"/>
+              <a:lstStyle/>
+              <a:p>
+                <a:pPr algn="ctr"/>
+                <a:endParaRPr lang="en-GB" dirty="0"/>
+              </a:p>
+            </p:txBody>
+          </p:sp>
+          <p:sp>
+            <p:nvSpPr>
+              <p:cNvPr id="14" name="Arc 13">
+                <a:extLst>
+                  <a:ext uri="{FF2B5EF4-FFF2-40B4-BE49-F238E27FC236}">
+                    <a16:creationId xmlns:a16="http://schemas.microsoft.com/office/drawing/2014/main" id="{EC04C54B-7896-4CB1-9C36-61AE453B219C}"/>
+                  </a:ext>
+                </a:extLst>
+              </p:cNvPr>
+              <p:cNvSpPr/>
+              <p:nvPr/>
+            </p:nvSpPr>
+            <p:spPr>
+              <a:xfrm rot="20943522" flipH="1">
+                <a:off x="4597360" y="1027344"/>
+                <a:ext cx="147154" cy="388224"/>
+              </a:xfrm>
+              <a:prstGeom prst="arc">
+                <a:avLst>
+                  <a:gd name="adj1" fmla="val 16187962"/>
+                  <a:gd name="adj2" fmla="val 4540538"/>
+                </a:avLst>
+              </a:prstGeom>
+              <a:ln w="12700">
+                <a:solidFill>
+                  <a:schemeClr val="tx1"/>
+                </a:solidFill>
+              </a:ln>
+            </p:spPr>
+            <p:style>
+              <a:lnRef idx="1">
+                <a:schemeClr val="accent1"/>
+              </a:lnRef>
+              <a:fillRef idx="0">
+                <a:schemeClr val="accent1"/>
+              </a:fillRef>
+              <a:effectRef idx="0">
+                <a:schemeClr val="accent1"/>
+              </a:effectRef>
+              <a:fontRef idx="minor">
+                <a:schemeClr val="tx1"/>
+              </a:fontRef>
+            </p:style>
+            <p:txBody>
+              <a:bodyPr rtlCol="0" anchor="ctr"/>
+              <a:lstStyle/>
+              <a:p>
+                <a:pPr algn="ctr"/>
+                <a:endParaRPr lang="en-GB" dirty="0"/>
+              </a:p>
+            </p:txBody>
+          </p:sp>
+          <p:sp>
+            <p:nvSpPr>
+              <p:cNvPr id="15" name="Arc 14">
+                <a:extLst>
+                  <a:ext uri="{FF2B5EF4-FFF2-40B4-BE49-F238E27FC236}">
+                    <a16:creationId xmlns:a16="http://schemas.microsoft.com/office/drawing/2014/main" id="{2F3A4C49-83E0-42F0-AF1D-4DFE24F0281A}"/>
+                  </a:ext>
+                </a:extLst>
+              </p:cNvPr>
+              <p:cNvSpPr/>
+              <p:nvPr/>
+            </p:nvSpPr>
+            <p:spPr>
+              <a:xfrm rot="333008">
+                <a:off x="4569137" y="1029858"/>
+                <a:ext cx="92037" cy="388224"/>
+              </a:xfrm>
+              <a:prstGeom prst="arc">
+                <a:avLst>
+                  <a:gd name="adj1" fmla="val 16187962"/>
+                  <a:gd name="adj2" fmla="val 4659982"/>
+                </a:avLst>
+              </a:prstGeom>
+              <a:ln w="12700">
+                <a:solidFill>
+                  <a:schemeClr val="tx1"/>
+                </a:solidFill>
+              </a:ln>
+            </p:spPr>
+            <p:style>
+              <a:lnRef idx="1">
+                <a:schemeClr val="accent1"/>
+              </a:lnRef>
+              <a:fillRef idx="0">
+                <a:schemeClr val="accent1"/>
+              </a:fillRef>
+              <a:effectRef idx="0">
+                <a:schemeClr val="accent1"/>
+              </a:effectRef>
+              <a:fontRef idx="minor">
+                <a:schemeClr val="tx1"/>
+              </a:fontRef>
+            </p:style>
+            <p:txBody>
+              <a:bodyPr rtlCol="0" anchor="ctr"/>
+              <a:lstStyle/>
+              <a:p>
+                <a:pPr algn="ctr"/>
+                <a:endParaRPr lang="en-GB" dirty="0"/>
+              </a:p>
+            </p:txBody>
+          </p:sp>
+          <p:sp>
+            <p:nvSpPr>
+              <p:cNvPr id="16" name="Arc 15">
+                <a:extLst>
+                  <a:ext uri="{FF2B5EF4-FFF2-40B4-BE49-F238E27FC236}">
+                    <a16:creationId xmlns:a16="http://schemas.microsoft.com/office/drawing/2014/main" id="{2D46473B-F006-4D2F-A89D-1C2E634E203B}"/>
+                  </a:ext>
+                </a:extLst>
+              </p:cNvPr>
+              <p:cNvSpPr/>
+              <p:nvPr/>
+            </p:nvSpPr>
+            <p:spPr>
+              <a:xfrm rot="333008">
+                <a:off x="4430834" y="1029858"/>
+                <a:ext cx="92037" cy="388224"/>
+              </a:xfrm>
+              <a:prstGeom prst="arc">
+                <a:avLst>
+                  <a:gd name="adj1" fmla="val 16187962"/>
+                  <a:gd name="adj2" fmla="val 4654946"/>
+                </a:avLst>
+              </a:prstGeom>
+              <a:ln w="12700">
+                <a:solidFill>
+                  <a:schemeClr val="tx1"/>
+                </a:solidFill>
+              </a:ln>
+            </p:spPr>
+            <p:style>
+              <a:lnRef idx="1">
+                <a:schemeClr val="accent1"/>
+              </a:lnRef>
+              <a:fillRef idx="0">
+                <a:schemeClr val="accent1"/>
+              </a:fillRef>
+              <a:effectRef idx="0">
+                <a:schemeClr val="accent1"/>
+              </a:effectRef>
+              <a:fontRef idx="minor">
+                <a:schemeClr val="tx1"/>
+              </a:fontRef>
+            </p:style>
+            <p:txBody>
+              <a:bodyPr rtlCol="0" anchor="ctr"/>
+              <a:lstStyle/>
+              <a:p>
+                <a:pPr algn="ctr"/>
+                <a:endParaRPr lang="en-GB" dirty="0"/>
+              </a:p>
+            </p:txBody>
+          </p:sp>
+          <p:sp>
+            <p:nvSpPr>
+              <p:cNvPr id="17" name="Arc 16">
+                <a:extLst>
+                  <a:ext uri="{FF2B5EF4-FFF2-40B4-BE49-F238E27FC236}">
+                    <a16:creationId xmlns:a16="http://schemas.microsoft.com/office/drawing/2014/main" id="{CFE9E8AB-4D25-4F9D-AD07-908124544A3F}"/>
+                  </a:ext>
+                </a:extLst>
+              </p:cNvPr>
+              <p:cNvSpPr/>
+              <p:nvPr/>
+            </p:nvSpPr>
+            <p:spPr>
+              <a:xfrm rot="20943522" flipH="1">
+                <a:off x="4459057" y="1027344"/>
+                <a:ext cx="147154" cy="388224"/>
+              </a:xfrm>
+              <a:prstGeom prst="arc">
+                <a:avLst>
+                  <a:gd name="adj1" fmla="val 16187962"/>
+                  <a:gd name="adj2" fmla="val 4509191"/>
+                </a:avLst>
+              </a:prstGeom>
+              <a:ln w="12700">
+                <a:solidFill>
+                  <a:schemeClr val="tx1"/>
+                </a:solidFill>
+              </a:ln>
+            </p:spPr>
+            <p:style>
+              <a:lnRef idx="1">
+                <a:schemeClr val="accent1"/>
+              </a:lnRef>
+              <a:fillRef idx="0">
+                <a:schemeClr val="accent1"/>
+              </a:fillRef>
+              <a:effectRef idx="0">
+                <a:schemeClr val="accent1"/>
+              </a:effectRef>
+              <a:fontRef idx="minor">
+                <a:schemeClr val="tx1"/>
+              </a:fontRef>
+            </p:style>
+            <p:txBody>
+              <a:bodyPr rtlCol="0" anchor="ctr"/>
+              <a:lstStyle/>
+              <a:p>
+                <a:pPr algn="ctr"/>
+                <a:endParaRPr lang="en-GB" dirty="0"/>
+              </a:p>
+            </p:txBody>
+          </p:sp>
+          <p:sp>
+            <p:nvSpPr>
+              <p:cNvPr id="18" name="Arc 17">
+                <a:extLst>
+                  <a:ext uri="{FF2B5EF4-FFF2-40B4-BE49-F238E27FC236}">
+                    <a16:creationId xmlns:a16="http://schemas.microsoft.com/office/drawing/2014/main" id="{1D7AAA5F-9AE8-4A50-87B8-31BDBFF4F713}"/>
+                  </a:ext>
+                </a:extLst>
+              </p:cNvPr>
+              <p:cNvSpPr/>
+              <p:nvPr/>
+            </p:nvSpPr>
+            <p:spPr>
+              <a:xfrm flipH="1">
+                <a:off x="4461566" y="905090"/>
+                <a:ext cx="218166" cy="507738"/>
+              </a:xfrm>
+              <a:prstGeom prst="arc">
+                <a:avLst>
+                  <a:gd name="adj1" fmla="val 4353185"/>
+                  <a:gd name="adj2" fmla="val 6415383"/>
+                </a:avLst>
+              </a:prstGeom>
+              <a:ln w="12700">
+                <a:solidFill>
+                  <a:schemeClr val="tx1"/>
+                </a:solidFill>
+              </a:ln>
+            </p:spPr>
+            <p:style>
+              <a:lnRef idx="1">
+                <a:schemeClr val="accent1"/>
+              </a:lnRef>
+              <a:fillRef idx="0">
+                <a:schemeClr val="accent1"/>
+              </a:fillRef>
+              <a:effectRef idx="0">
+                <a:schemeClr val="accent1"/>
+              </a:effectRef>
+              <a:fontRef idx="minor">
+                <a:schemeClr val="tx1"/>
+              </a:fontRef>
+            </p:style>
+            <p:txBody>
+              <a:bodyPr rtlCol="0" anchor="ctr"/>
+              <a:lstStyle/>
+              <a:p>
+                <a:pPr algn="ctr"/>
+                <a:endParaRPr lang="en-GB" dirty="0"/>
+              </a:p>
+            </p:txBody>
+          </p:sp>
+          <p:sp>
+            <p:nvSpPr>
+              <p:cNvPr id="19" name="Arc 18">
+                <a:extLst>
+                  <a:ext uri="{FF2B5EF4-FFF2-40B4-BE49-F238E27FC236}">
+                    <a16:creationId xmlns:a16="http://schemas.microsoft.com/office/drawing/2014/main" id="{83DBB360-AC6C-4461-AEC3-F63AAE63E3A7}"/>
+                  </a:ext>
+                </a:extLst>
+              </p:cNvPr>
+              <p:cNvSpPr/>
+              <p:nvPr/>
+            </p:nvSpPr>
+            <p:spPr>
+              <a:xfrm flipH="1">
+                <a:off x="4599973" y="905090"/>
+                <a:ext cx="218165" cy="507738"/>
+              </a:xfrm>
+              <a:prstGeom prst="arc">
+                <a:avLst>
+                  <a:gd name="adj1" fmla="val 4353185"/>
+                  <a:gd name="adj2" fmla="val 6415383"/>
+                </a:avLst>
+              </a:prstGeom>
+              <a:ln w="12700">
+                <a:solidFill>
+                  <a:schemeClr val="tx1"/>
+                </a:solidFill>
+              </a:ln>
+            </p:spPr>
+            <p:style>
+              <a:lnRef idx="1">
+                <a:schemeClr val="accent1"/>
+              </a:lnRef>
+              <a:fillRef idx="0">
+                <a:schemeClr val="accent1"/>
+              </a:fillRef>
+              <a:effectRef idx="0">
+                <a:schemeClr val="accent1"/>
+              </a:effectRef>
+              <a:fontRef idx="minor">
+                <a:schemeClr val="tx1"/>
+              </a:fontRef>
+            </p:style>
+            <p:txBody>
+              <a:bodyPr rtlCol="0" anchor="ctr"/>
+              <a:lstStyle/>
+              <a:p>
+                <a:pPr algn="ctr"/>
+                <a:endParaRPr lang="en-GB" dirty="0"/>
+              </a:p>
+            </p:txBody>
+          </p:sp>
+          <p:sp>
+            <p:nvSpPr>
+              <p:cNvPr id="20" name="Arc 19">
+                <a:extLst>
+                  <a:ext uri="{FF2B5EF4-FFF2-40B4-BE49-F238E27FC236}">
+                    <a16:creationId xmlns:a16="http://schemas.microsoft.com/office/drawing/2014/main" id="{D793126E-2DBF-44B8-ADEF-021CD28AD929}"/>
+                  </a:ext>
+                </a:extLst>
+              </p:cNvPr>
+              <p:cNvSpPr/>
+              <p:nvPr/>
+            </p:nvSpPr>
+            <p:spPr>
+              <a:xfrm flipH="1">
+                <a:off x="4323304" y="905090"/>
+                <a:ext cx="218165" cy="507738"/>
+              </a:xfrm>
+              <a:prstGeom prst="arc">
+                <a:avLst>
+                  <a:gd name="adj1" fmla="val 4353185"/>
+                  <a:gd name="adj2" fmla="val 6415383"/>
+                </a:avLst>
+              </a:prstGeom>
+              <a:ln w="12700">
+                <a:solidFill>
+                  <a:schemeClr val="tx1"/>
+                </a:solidFill>
+              </a:ln>
+            </p:spPr>
+            <p:style>
+              <a:lnRef idx="1">
+                <a:schemeClr val="accent1"/>
+              </a:lnRef>
+              <a:fillRef idx="0">
+                <a:schemeClr val="accent1"/>
+              </a:fillRef>
+              <a:effectRef idx="0">
+                <a:schemeClr val="accent1"/>
+              </a:effectRef>
+              <a:fontRef idx="minor">
+                <a:schemeClr val="tx1"/>
+              </a:fontRef>
+            </p:style>
+            <p:txBody>
+              <a:bodyPr rtlCol="0" anchor="ctr"/>
+              <a:lstStyle/>
+              <a:p>
+                <a:pPr algn="ctr"/>
+                <a:endParaRPr lang="en-GB" dirty="0"/>
+              </a:p>
+            </p:txBody>
+          </p:sp>
+          <p:sp>
+            <p:nvSpPr>
+              <p:cNvPr id="21" name="Arc 20">
+                <a:extLst>
+                  <a:ext uri="{FF2B5EF4-FFF2-40B4-BE49-F238E27FC236}">
+                    <a16:creationId xmlns:a16="http://schemas.microsoft.com/office/drawing/2014/main" id="{5610BF63-BD56-4559-9699-77A3FF9F620C}"/>
+                  </a:ext>
+                </a:extLst>
+              </p:cNvPr>
+              <p:cNvSpPr/>
+              <p:nvPr/>
+            </p:nvSpPr>
+            <p:spPr>
+              <a:xfrm rot="333008">
+                <a:off x="4292416" y="1029858"/>
+                <a:ext cx="92037" cy="388224"/>
+              </a:xfrm>
+              <a:prstGeom prst="arc">
+                <a:avLst>
+                  <a:gd name="adj1" fmla="val 16187962"/>
+                  <a:gd name="adj2" fmla="val 4659982"/>
+                </a:avLst>
+              </a:prstGeom>
+              <a:ln w="12700">
+                <a:solidFill>
+                  <a:schemeClr val="tx1"/>
+                </a:solidFill>
+              </a:ln>
+            </p:spPr>
+            <p:style>
+              <a:lnRef idx="1">
+                <a:schemeClr val="accent1"/>
+              </a:lnRef>
+              <a:fillRef idx="0">
+                <a:schemeClr val="accent1"/>
+              </a:fillRef>
+              <a:effectRef idx="0">
+                <a:schemeClr val="accent1"/>
+              </a:effectRef>
+              <a:fontRef idx="minor">
+                <a:schemeClr val="tx1"/>
+              </a:fontRef>
+            </p:style>
+            <p:txBody>
+              <a:bodyPr rtlCol="0" anchor="ctr"/>
+              <a:lstStyle/>
+              <a:p>
+                <a:pPr algn="ctr"/>
+                <a:endParaRPr lang="en-GB" dirty="0"/>
+              </a:p>
+            </p:txBody>
+          </p:sp>
+          <p:sp>
+            <p:nvSpPr>
+              <p:cNvPr id="22" name="Arc 21">
+                <a:extLst>
+                  <a:ext uri="{FF2B5EF4-FFF2-40B4-BE49-F238E27FC236}">
+                    <a16:creationId xmlns:a16="http://schemas.microsoft.com/office/drawing/2014/main" id="{D411ACFD-1B5B-451D-9F1A-7E641E679369}"/>
+                  </a:ext>
+                </a:extLst>
+              </p:cNvPr>
+              <p:cNvSpPr/>
+              <p:nvPr/>
+            </p:nvSpPr>
+            <p:spPr>
+              <a:xfrm rot="20943522" flipH="1">
+                <a:off x="4320639" y="1027344"/>
+                <a:ext cx="147154" cy="388224"/>
+              </a:xfrm>
+              <a:prstGeom prst="arc">
+                <a:avLst>
+                  <a:gd name="adj1" fmla="val 16187962"/>
+                  <a:gd name="adj2" fmla="val 4159597"/>
+                </a:avLst>
+              </a:prstGeom>
+              <a:ln w="12700">
+                <a:solidFill>
+                  <a:schemeClr val="tx1"/>
+                </a:solidFill>
+              </a:ln>
+            </p:spPr>
+            <p:style>
+              <a:lnRef idx="1">
+                <a:schemeClr val="accent1"/>
+              </a:lnRef>
+              <a:fillRef idx="0">
+                <a:schemeClr val="accent1"/>
+              </a:fillRef>
+              <a:effectRef idx="0">
+                <a:schemeClr val="accent1"/>
+              </a:effectRef>
+              <a:fontRef idx="minor">
+                <a:schemeClr val="tx1"/>
+              </a:fontRef>
+            </p:style>
+            <p:txBody>
+              <a:bodyPr rtlCol="0" anchor="ctr"/>
+              <a:lstStyle/>
+              <a:p>
+                <a:pPr algn="ctr"/>
+                <a:endParaRPr lang="en-GB" dirty="0"/>
+              </a:p>
+            </p:txBody>
+          </p:sp>
+          <p:sp>
+            <p:nvSpPr>
+              <p:cNvPr id="23" name="Arc 22">
+                <a:extLst>
+                  <a:ext uri="{FF2B5EF4-FFF2-40B4-BE49-F238E27FC236}">
+                    <a16:creationId xmlns:a16="http://schemas.microsoft.com/office/drawing/2014/main" id="{721AC5D5-F02D-4451-B7D3-506F84BF1C61}"/>
+                  </a:ext>
+                </a:extLst>
+              </p:cNvPr>
+              <p:cNvSpPr/>
+              <p:nvPr/>
+            </p:nvSpPr>
+            <p:spPr>
+              <a:xfrm rot="333008">
+                <a:off x="4154113" y="1029858"/>
+                <a:ext cx="92037" cy="388224"/>
+              </a:xfrm>
+              <a:prstGeom prst="arc">
+                <a:avLst>
+                  <a:gd name="adj1" fmla="val 16187962"/>
+                  <a:gd name="adj2" fmla="val 4731878"/>
+                </a:avLst>
+              </a:prstGeom>
+              <a:ln w="12700">
+                <a:solidFill>
+                  <a:schemeClr val="tx1"/>
+                </a:solidFill>
+              </a:ln>
+            </p:spPr>
+            <p:style>
+              <a:lnRef idx="1">
+                <a:schemeClr val="accent1"/>
+              </a:lnRef>
+              <a:fillRef idx="0">
+                <a:schemeClr val="accent1"/>
+              </a:fillRef>
+              <a:effectRef idx="0">
+                <a:schemeClr val="accent1"/>
+              </a:effectRef>
+              <a:fontRef idx="minor">
+                <a:schemeClr val="tx1"/>
+              </a:fontRef>
+            </p:style>
+            <p:txBody>
+              <a:bodyPr rtlCol="0" anchor="ctr"/>
+              <a:lstStyle/>
+              <a:p>
+                <a:pPr algn="ctr"/>
+                <a:endParaRPr lang="en-GB" dirty="0"/>
+              </a:p>
+            </p:txBody>
+          </p:sp>
+          <p:sp>
+            <p:nvSpPr>
+              <p:cNvPr id="24" name="Arc 23">
+                <a:extLst>
+                  <a:ext uri="{FF2B5EF4-FFF2-40B4-BE49-F238E27FC236}">
+                    <a16:creationId xmlns:a16="http://schemas.microsoft.com/office/drawing/2014/main" id="{814F6A7D-97D0-472A-B4CF-71A7DCBAA5B6}"/>
+                  </a:ext>
+                </a:extLst>
+              </p:cNvPr>
+              <p:cNvSpPr/>
+              <p:nvPr/>
+            </p:nvSpPr>
+            <p:spPr>
+              <a:xfrm rot="20943522" flipH="1">
+                <a:off x="4182336" y="1027344"/>
+                <a:ext cx="147154" cy="388224"/>
+              </a:xfrm>
+              <a:prstGeom prst="arc">
+                <a:avLst>
+                  <a:gd name="adj1" fmla="val 16187962"/>
+                  <a:gd name="adj2" fmla="val 4509191"/>
+                </a:avLst>
+              </a:prstGeom>
+              <a:ln w="12700">
+                <a:solidFill>
+                  <a:schemeClr val="tx1"/>
+                </a:solidFill>
+              </a:ln>
+            </p:spPr>
+            <p:style>
+              <a:lnRef idx="1">
+                <a:schemeClr val="accent1"/>
+              </a:lnRef>
+              <a:fillRef idx="0">
+                <a:schemeClr val="accent1"/>
+              </a:fillRef>
+              <a:effectRef idx="0">
+                <a:schemeClr val="accent1"/>
+              </a:effectRef>
+              <a:fontRef idx="minor">
+                <a:schemeClr val="tx1"/>
+              </a:fontRef>
+            </p:style>
+            <p:txBody>
+              <a:bodyPr rtlCol="0" anchor="ctr"/>
+              <a:lstStyle/>
+              <a:p>
+                <a:pPr algn="ctr"/>
+                <a:endParaRPr lang="en-GB" dirty="0"/>
+              </a:p>
+            </p:txBody>
+          </p:sp>
+          <p:sp>
+            <p:nvSpPr>
+              <p:cNvPr id="25" name="Arc 24">
+                <a:extLst>
+                  <a:ext uri="{FF2B5EF4-FFF2-40B4-BE49-F238E27FC236}">
+                    <a16:creationId xmlns:a16="http://schemas.microsoft.com/office/drawing/2014/main" id="{15D4152C-1FD9-45A5-A41B-8E034E8B6206}"/>
+                  </a:ext>
+                </a:extLst>
+              </p:cNvPr>
+              <p:cNvSpPr/>
+              <p:nvPr/>
+            </p:nvSpPr>
+            <p:spPr>
+              <a:xfrm flipH="1">
+                <a:off x="4184845" y="905090"/>
+                <a:ext cx="218165" cy="507738"/>
+              </a:xfrm>
+              <a:prstGeom prst="arc">
+                <a:avLst>
+                  <a:gd name="adj1" fmla="val 4353185"/>
+                  <a:gd name="adj2" fmla="val 6415383"/>
+                </a:avLst>
+              </a:prstGeom>
+              <a:ln w="12700">
+                <a:solidFill>
+                  <a:schemeClr val="tx1"/>
+                </a:solidFill>
+              </a:ln>
+            </p:spPr>
+            <p:style>
+              <a:lnRef idx="1">
+                <a:schemeClr val="accent1"/>
+              </a:lnRef>
+              <a:fillRef idx="0">
+                <a:schemeClr val="accent1"/>
+              </a:fillRef>
+              <a:effectRef idx="0">
+                <a:schemeClr val="accent1"/>
+              </a:effectRef>
+              <a:fontRef idx="minor">
+                <a:schemeClr val="tx1"/>
+              </a:fontRef>
+            </p:style>
+            <p:txBody>
+              <a:bodyPr rtlCol="0" anchor="ctr"/>
+              <a:lstStyle/>
+              <a:p>
+                <a:pPr algn="ctr"/>
+                <a:endParaRPr lang="en-GB" dirty="0"/>
+              </a:p>
+            </p:txBody>
+          </p:sp>
+          <p:sp>
+            <p:nvSpPr>
+              <p:cNvPr id="26" name="Arc 25">
+                <a:extLst>
+                  <a:ext uri="{FF2B5EF4-FFF2-40B4-BE49-F238E27FC236}">
+                    <a16:creationId xmlns:a16="http://schemas.microsoft.com/office/drawing/2014/main" id="{2ACAB7C9-3068-4F83-AA77-C09B8F06CA8B}"/>
+                  </a:ext>
+                </a:extLst>
+              </p:cNvPr>
+              <p:cNvSpPr/>
+              <p:nvPr/>
+            </p:nvSpPr>
+            <p:spPr>
+              <a:xfrm rot="20943522" flipH="1">
+                <a:off x="4045177" y="1027344"/>
+                <a:ext cx="147154" cy="388224"/>
+              </a:xfrm>
+              <a:prstGeom prst="arc">
+                <a:avLst>
+                  <a:gd name="adj1" fmla="val 16187962"/>
+                  <a:gd name="adj2" fmla="val 4540538"/>
+                </a:avLst>
+              </a:prstGeom>
+              <a:ln w="12700">
+                <a:solidFill>
+                  <a:schemeClr val="tx1"/>
+                </a:solidFill>
+              </a:ln>
+            </p:spPr>
+            <p:style>
+              <a:lnRef idx="1">
+                <a:schemeClr val="accent1"/>
+              </a:lnRef>
+              <a:fillRef idx="0">
+                <a:schemeClr val="accent1"/>
+              </a:fillRef>
+              <a:effectRef idx="0">
+                <a:schemeClr val="accent1"/>
+              </a:effectRef>
+              <a:fontRef idx="minor">
+                <a:schemeClr val="tx1"/>
+              </a:fontRef>
+            </p:style>
+            <p:txBody>
+              <a:bodyPr rtlCol="0" anchor="ctr"/>
+              <a:lstStyle/>
+              <a:p>
+                <a:pPr algn="ctr"/>
+                <a:endParaRPr lang="en-GB" dirty="0"/>
+              </a:p>
+            </p:txBody>
+          </p:sp>
+          <p:sp>
+            <p:nvSpPr>
+              <p:cNvPr id="27" name="Arc 26">
+                <a:extLst>
+                  <a:ext uri="{FF2B5EF4-FFF2-40B4-BE49-F238E27FC236}">
+                    <a16:creationId xmlns:a16="http://schemas.microsoft.com/office/drawing/2014/main" id="{FBF7BBCC-6131-4982-80CD-E73EAFF4211F}"/>
+                  </a:ext>
+                </a:extLst>
+              </p:cNvPr>
+              <p:cNvSpPr/>
+              <p:nvPr/>
+            </p:nvSpPr>
+            <p:spPr>
+              <a:xfrm rot="333008">
+                <a:off x="4016954" y="1029858"/>
+                <a:ext cx="92037" cy="388224"/>
+              </a:xfrm>
+              <a:prstGeom prst="arc">
+                <a:avLst>
+                  <a:gd name="adj1" fmla="val 16187962"/>
+                  <a:gd name="adj2" fmla="val 4659982"/>
+                </a:avLst>
+              </a:prstGeom>
+              <a:ln w="12700">
+                <a:solidFill>
+                  <a:schemeClr val="tx1"/>
+                </a:solidFill>
+              </a:ln>
+            </p:spPr>
+            <p:style>
+              <a:lnRef idx="1">
+                <a:schemeClr val="accent1"/>
+              </a:lnRef>
+              <a:fillRef idx="0">
+                <a:schemeClr val="accent1"/>
+              </a:fillRef>
+              <a:effectRef idx="0">
+                <a:schemeClr val="accent1"/>
+              </a:effectRef>
+              <a:fontRef idx="minor">
+                <a:schemeClr val="tx1"/>
+              </a:fontRef>
+            </p:style>
+            <p:txBody>
+              <a:bodyPr rtlCol="0" anchor="ctr"/>
+              <a:lstStyle/>
+              <a:p>
+                <a:pPr algn="ctr"/>
+                <a:endParaRPr lang="en-GB" dirty="0"/>
+              </a:p>
+            </p:txBody>
+          </p:sp>
+          <p:sp>
+            <p:nvSpPr>
+              <p:cNvPr id="28" name="Arc 27">
+                <a:extLst>
+                  <a:ext uri="{FF2B5EF4-FFF2-40B4-BE49-F238E27FC236}">
+                    <a16:creationId xmlns:a16="http://schemas.microsoft.com/office/drawing/2014/main" id="{E333B0D9-1015-40EC-9157-412B3DC063CA}"/>
+                  </a:ext>
+                </a:extLst>
+              </p:cNvPr>
+              <p:cNvSpPr/>
+              <p:nvPr/>
+            </p:nvSpPr>
+            <p:spPr>
+              <a:xfrm rot="333008">
+                <a:off x="3878651" y="1029858"/>
+                <a:ext cx="92037" cy="388224"/>
+              </a:xfrm>
+              <a:prstGeom prst="arc">
+                <a:avLst>
+                  <a:gd name="adj1" fmla="val 16187962"/>
+                  <a:gd name="adj2" fmla="val 4654946"/>
+                </a:avLst>
+              </a:prstGeom>
+              <a:ln w="12700">
+                <a:solidFill>
+                  <a:schemeClr val="tx1"/>
+                </a:solidFill>
+              </a:ln>
+            </p:spPr>
+            <p:style>
+              <a:lnRef idx="1">
+                <a:schemeClr val="accent1"/>
+              </a:lnRef>
+              <a:fillRef idx="0">
+                <a:schemeClr val="accent1"/>
+              </a:fillRef>
+              <a:effectRef idx="0">
+                <a:schemeClr val="accent1"/>
+              </a:effectRef>
+              <a:fontRef idx="minor">
+                <a:schemeClr val="tx1"/>
+              </a:fontRef>
+            </p:style>
+            <p:txBody>
+              <a:bodyPr rtlCol="0" anchor="ctr"/>
+              <a:lstStyle/>
+              <a:p>
+                <a:pPr algn="ctr"/>
+                <a:endParaRPr lang="en-GB" dirty="0"/>
+              </a:p>
+            </p:txBody>
+          </p:sp>
+          <p:sp>
+            <p:nvSpPr>
+              <p:cNvPr id="29" name="Arc 28">
+                <a:extLst>
+                  <a:ext uri="{FF2B5EF4-FFF2-40B4-BE49-F238E27FC236}">
+                    <a16:creationId xmlns:a16="http://schemas.microsoft.com/office/drawing/2014/main" id="{6A13187C-E5DB-4C4B-A9F3-7FBB00424BE1}"/>
+                  </a:ext>
+                </a:extLst>
+              </p:cNvPr>
+              <p:cNvSpPr/>
+              <p:nvPr/>
+            </p:nvSpPr>
+            <p:spPr>
+              <a:xfrm rot="20943522" flipH="1">
+                <a:off x="3906874" y="1027344"/>
+                <a:ext cx="147154" cy="388224"/>
+              </a:xfrm>
+              <a:prstGeom prst="arc">
+                <a:avLst>
+                  <a:gd name="adj1" fmla="val 16187962"/>
+                  <a:gd name="adj2" fmla="val 4509191"/>
+                </a:avLst>
+              </a:prstGeom>
+              <a:ln w="12700">
+                <a:solidFill>
+                  <a:schemeClr val="tx1"/>
+                </a:solidFill>
+              </a:ln>
+            </p:spPr>
+            <p:style>
+              <a:lnRef idx="1">
+                <a:schemeClr val="accent1"/>
+              </a:lnRef>
+              <a:fillRef idx="0">
+                <a:schemeClr val="accent1"/>
+              </a:fillRef>
+              <a:effectRef idx="0">
+                <a:schemeClr val="accent1"/>
+              </a:effectRef>
+              <a:fontRef idx="minor">
+                <a:schemeClr val="tx1"/>
+              </a:fontRef>
+            </p:style>
+            <p:txBody>
+              <a:bodyPr rtlCol="0" anchor="ctr"/>
+              <a:lstStyle/>
+              <a:p>
+                <a:pPr algn="ctr"/>
+                <a:endParaRPr lang="en-GB" dirty="0"/>
+              </a:p>
+            </p:txBody>
+          </p:sp>
+          <p:sp>
+            <p:nvSpPr>
+              <p:cNvPr id="30" name="Arc 29">
+                <a:extLst>
+                  <a:ext uri="{FF2B5EF4-FFF2-40B4-BE49-F238E27FC236}">
+                    <a16:creationId xmlns:a16="http://schemas.microsoft.com/office/drawing/2014/main" id="{566DBD7F-25CD-41D5-9BAF-A3957FDE5212}"/>
+                  </a:ext>
+                </a:extLst>
+              </p:cNvPr>
+              <p:cNvSpPr/>
+              <p:nvPr/>
+            </p:nvSpPr>
+            <p:spPr>
+              <a:xfrm flipH="1">
+                <a:off x="3909383" y="905090"/>
+                <a:ext cx="218166" cy="507738"/>
+              </a:xfrm>
+              <a:prstGeom prst="arc">
+                <a:avLst>
+                  <a:gd name="adj1" fmla="val 4353185"/>
+                  <a:gd name="adj2" fmla="val 6415383"/>
+                </a:avLst>
+              </a:prstGeom>
+              <a:ln w="12700">
+                <a:solidFill>
+                  <a:schemeClr val="tx1"/>
+                </a:solidFill>
+              </a:ln>
+            </p:spPr>
+            <p:style>
+              <a:lnRef idx="1">
+                <a:schemeClr val="accent1"/>
+              </a:lnRef>
+              <a:fillRef idx="0">
+                <a:schemeClr val="accent1"/>
+              </a:fillRef>
+              <a:effectRef idx="0">
+                <a:schemeClr val="accent1"/>
+              </a:effectRef>
+              <a:fontRef idx="minor">
+                <a:schemeClr val="tx1"/>
+              </a:fontRef>
+            </p:style>
+            <p:txBody>
+              <a:bodyPr rtlCol="0" anchor="ctr"/>
+              <a:lstStyle/>
+              <a:p>
+                <a:pPr algn="ctr"/>
+                <a:endParaRPr lang="en-GB" dirty="0"/>
+              </a:p>
+            </p:txBody>
+          </p:sp>
+          <p:sp>
+            <p:nvSpPr>
+              <p:cNvPr id="31" name="Arc 30">
+                <a:extLst>
+                  <a:ext uri="{FF2B5EF4-FFF2-40B4-BE49-F238E27FC236}">
+                    <a16:creationId xmlns:a16="http://schemas.microsoft.com/office/drawing/2014/main" id="{98A0E391-0D1A-47C0-B82D-2E71DE36AFE9}"/>
+                  </a:ext>
+                </a:extLst>
+              </p:cNvPr>
+              <p:cNvSpPr/>
+              <p:nvPr/>
+            </p:nvSpPr>
+            <p:spPr>
+              <a:xfrm flipH="1">
+                <a:off x="4047790" y="905090"/>
+                <a:ext cx="218165" cy="507738"/>
+              </a:xfrm>
+              <a:prstGeom prst="arc">
+                <a:avLst>
+                  <a:gd name="adj1" fmla="val 4353185"/>
+                  <a:gd name="adj2" fmla="val 6415383"/>
+                </a:avLst>
+              </a:prstGeom>
+              <a:ln w="12700">
+                <a:solidFill>
+                  <a:schemeClr val="tx1"/>
+                </a:solidFill>
+              </a:ln>
+            </p:spPr>
+            <p:style>
+              <a:lnRef idx="1">
+                <a:schemeClr val="accent1"/>
+              </a:lnRef>
+              <a:fillRef idx="0">
+                <a:schemeClr val="accent1"/>
+              </a:fillRef>
+              <a:effectRef idx="0">
+                <a:schemeClr val="accent1"/>
+              </a:effectRef>
+              <a:fontRef idx="minor">
+                <a:schemeClr val="tx1"/>
+              </a:fontRef>
+            </p:style>
+            <p:txBody>
+              <a:bodyPr rtlCol="0" anchor="ctr"/>
+              <a:lstStyle/>
+              <a:p>
+                <a:pPr algn="ctr"/>
+                <a:endParaRPr lang="en-GB" dirty="0"/>
+              </a:p>
+            </p:txBody>
+          </p:sp>
+          <p:sp>
+            <p:nvSpPr>
+              <p:cNvPr id="32" name="Arc 31">
+                <a:extLst>
+                  <a:ext uri="{FF2B5EF4-FFF2-40B4-BE49-F238E27FC236}">
+                    <a16:creationId xmlns:a16="http://schemas.microsoft.com/office/drawing/2014/main" id="{9B2D2232-DDB5-42BE-8B68-F3867F7A22F5}"/>
+                  </a:ext>
+                </a:extLst>
+              </p:cNvPr>
+              <p:cNvSpPr/>
+              <p:nvPr/>
+            </p:nvSpPr>
+            <p:spPr>
+              <a:xfrm flipH="1">
+                <a:off x="3771121" y="905090"/>
+                <a:ext cx="218165" cy="507738"/>
+              </a:xfrm>
+              <a:prstGeom prst="arc">
+                <a:avLst>
+                  <a:gd name="adj1" fmla="val 2333109"/>
+                  <a:gd name="adj2" fmla="val 6415383"/>
+                </a:avLst>
+              </a:prstGeom>
+              <a:ln w="12700">
+                <a:solidFill>
+                  <a:schemeClr val="tx1"/>
+                </a:solidFill>
+              </a:ln>
+            </p:spPr>
+            <p:style>
+              <a:lnRef idx="1">
+                <a:schemeClr val="accent1"/>
+              </a:lnRef>
+              <a:fillRef idx="0">
+                <a:schemeClr val="accent1"/>
+              </a:fillRef>
+              <a:effectRef idx="0">
+                <a:schemeClr val="accent1"/>
+              </a:effectRef>
+              <a:fontRef idx="minor">
+                <a:schemeClr val="tx1"/>
+              </a:fontRef>
+            </p:style>
+            <p:txBody>
+              <a:bodyPr rtlCol="0" anchor="ctr"/>
+              <a:lstStyle/>
+              <a:p>
+                <a:pPr algn="ctr"/>
+                <a:endParaRPr lang="en-GB" dirty="0"/>
+              </a:p>
+            </p:txBody>
+          </p:sp>
+        </p:grpSp>
+        <p:cxnSp>
+          <p:nvCxnSpPr>
+            <p:cNvPr id="7" name="Straight Connector 6">
+              <a:extLst>
+                <a:ext uri="{FF2B5EF4-FFF2-40B4-BE49-F238E27FC236}">
+                  <a16:creationId xmlns:a16="http://schemas.microsoft.com/office/drawing/2014/main" id="{5BC74FB4-FD00-41F2-92BB-158F61D2DC72}"/>
+                </a:ext>
+              </a:extLst>
+            </p:cNvPr>
+            <p:cNvCxnSpPr>
+              <a:cxnSpLocks/>
+            </p:cNvCxnSpPr>
+            <p:nvPr/>
+          </p:nvCxnSpPr>
+          <p:spPr>
+            <a:xfrm flipH="1">
+              <a:off x="6979258" y="1243497"/>
+              <a:ext cx="517508" cy="0"/>
+            </a:xfrm>
+            <a:prstGeom prst="line">
+              <a:avLst/>
+            </a:prstGeom>
+            <a:noFill/>
+            <a:ln w="12700" cap="flat" cmpd="sng" algn="ctr">
+              <a:solidFill>
+                <a:schemeClr val="tx1"/>
+              </a:solidFill>
+              <a:prstDash val="solid"/>
+              <a:miter lim="800000"/>
+            </a:ln>
+            <a:effectLst/>
+          </p:spPr>
+        </p:cxnSp>
+        <p:cxnSp>
+          <p:nvCxnSpPr>
+            <p:cNvPr id="8" name="Straight Connector 7">
+              <a:extLst>
+                <a:ext uri="{FF2B5EF4-FFF2-40B4-BE49-F238E27FC236}">
+                  <a16:creationId xmlns:a16="http://schemas.microsoft.com/office/drawing/2014/main" id="{3D62727B-7C96-4BF3-9D25-8CB11FBC9ECB}"/>
+                </a:ext>
+              </a:extLst>
+            </p:cNvPr>
+            <p:cNvCxnSpPr>
+              <a:cxnSpLocks/>
+            </p:cNvCxnSpPr>
+            <p:nvPr/>
+          </p:nvCxnSpPr>
+          <p:spPr>
+            <a:xfrm flipH="1">
+              <a:off x="8748713" y="1238861"/>
+              <a:ext cx="489741" cy="0"/>
+            </a:xfrm>
+            <a:prstGeom prst="line">
+              <a:avLst/>
+            </a:prstGeom>
+            <a:noFill/>
+            <a:ln w="12700" cap="flat" cmpd="sng" algn="ctr">
+              <a:solidFill>
+                <a:schemeClr val="tx1"/>
+              </a:solidFill>
+              <a:prstDash val="solid"/>
+              <a:miter lim="800000"/>
+            </a:ln>
+            <a:effectLst/>
+          </p:spPr>
+        </p:cxnSp>
+      </p:grpSp>
+      <p:cxnSp>
+        <p:nvCxnSpPr>
+          <p:cNvPr id="33" name="Straight Connector 32">
+            <a:extLst>
+              <a:ext uri="{FF2B5EF4-FFF2-40B4-BE49-F238E27FC236}">
+                <a16:creationId xmlns:a16="http://schemas.microsoft.com/office/drawing/2014/main" id="{B68B8624-BB4E-48B7-9F2B-D249F52B3419}"/>
+              </a:ext>
+            </a:extLst>
+          </p:cNvPr>
+          <p:cNvCxnSpPr>
+            <a:cxnSpLocks/>
+          </p:cNvCxnSpPr>
+          <p:nvPr/>
+        </p:nvCxnSpPr>
+        <p:spPr>
+          <a:xfrm>
+            <a:off x="6096000" y="4475221"/>
+            <a:ext cx="671237" cy="0"/>
+          </a:xfrm>
+          <a:prstGeom prst="line">
+            <a:avLst/>
+          </a:prstGeom>
+          <a:noFill/>
+          <a:ln w="12700" cap="flat" cmpd="sng" algn="ctr">
+            <a:solidFill>
+              <a:schemeClr val="tx1"/>
+            </a:solidFill>
+            <a:prstDash val="solid"/>
+            <a:miter lim="800000"/>
+          </a:ln>
+          <a:effectLst/>
+        </p:spPr>
+      </p:cxnSp>
+      <p:grpSp>
+        <p:nvGrpSpPr>
+          <p:cNvPr id="34" name="Group 33">
+            <a:extLst>
+              <a:ext uri="{FF2B5EF4-FFF2-40B4-BE49-F238E27FC236}">
+                <a16:creationId xmlns:a16="http://schemas.microsoft.com/office/drawing/2014/main" id="{168F66AE-BD25-49CB-8F8A-C7D0FBA1F636}"/>
+              </a:ext>
+            </a:extLst>
+          </p:cNvPr>
+          <p:cNvGrpSpPr/>
+          <p:nvPr/>
+        </p:nvGrpSpPr>
+        <p:grpSpPr>
+          <a:xfrm>
+            <a:off x="6767237" y="4018021"/>
+            <a:ext cx="916722" cy="914400"/>
+            <a:chOff x="7620271" y="1610784"/>
+            <a:chExt cx="916722" cy="914400"/>
+          </a:xfrm>
+        </p:grpSpPr>
+        <p:cxnSp>
+          <p:nvCxnSpPr>
+            <p:cNvPr id="35" name="Straight Connector 34">
+              <a:extLst>
+                <a:ext uri="{FF2B5EF4-FFF2-40B4-BE49-F238E27FC236}">
+                  <a16:creationId xmlns:a16="http://schemas.microsoft.com/office/drawing/2014/main" id="{BB7C3A45-BFF3-4EB3-A589-6381F443D57A}"/>
+                </a:ext>
+              </a:extLst>
+            </p:cNvPr>
+            <p:cNvCxnSpPr>
+              <a:cxnSpLocks/>
+            </p:cNvCxnSpPr>
+            <p:nvPr/>
+          </p:nvCxnSpPr>
+          <p:spPr>
+            <a:xfrm rot="10800000" flipH="1">
+              <a:off x="7620271" y="1610784"/>
+              <a:ext cx="0" cy="914400"/>
+            </a:xfrm>
+            <a:prstGeom prst="line">
+              <a:avLst/>
+            </a:prstGeom>
+            <a:noFill/>
+            <a:ln w="12700" cap="flat" cmpd="sng" algn="ctr">
+              <a:solidFill>
+                <a:schemeClr val="tx1"/>
+              </a:solidFill>
+              <a:prstDash val="solid"/>
+              <a:miter lim="800000"/>
+            </a:ln>
+            <a:effectLst/>
+          </p:spPr>
+        </p:cxnSp>
+        <p:cxnSp>
+          <p:nvCxnSpPr>
+            <p:cNvPr id="36" name="Straight Connector 35">
+              <a:extLst>
+                <a:ext uri="{FF2B5EF4-FFF2-40B4-BE49-F238E27FC236}">
+                  <a16:creationId xmlns:a16="http://schemas.microsoft.com/office/drawing/2014/main" id="{700F9B22-1BDD-4062-894D-7494DCC3CE00}"/>
+                </a:ext>
+              </a:extLst>
+            </p:cNvPr>
+            <p:cNvCxnSpPr>
+              <a:cxnSpLocks/>
+            </p:cNvCxnSpPr>
+            <p:nvPr/>
+          </p:nvCxnSpPr>
+          <p:spPr>
+            <a:xfrm rot="10800000" flipH="1">
+              <a:off x="7622593" y="1610784"/>
+              <a:ext cx="914400" cy="0"/>
+            </a:xfrm>
+            <a:prstGeom prst="line">
+              <a:avLst/>
+            </a:prstGeom>
+            <a:noFill/>
+            <a:ln w="12700" cap="flat" cmpd="sng" algn="ctr">
+              <a:solidFill>
+                <a:schemeClr val="tx1"/>
+              </a:solidFill>
+              <a:prstDash val="solid"/>
+              <a:miter lim="800000"/>
+            </a:ln>
+            <a:effectLst/>
+          </p:spPr>
+        </p:cxnSp>
+        <p:cxnSp>
+          <p:nvCxnSpPr>
+            <p:cNvPr id="37" name="Straight Connector 36">
+              <a:extLst>
+                <a:ext uri="{FF2B5EF4-FFF2-40B4-BE49-F238E27FC236}">
+                  <a16:creationId xmlns:a16="http://schemas.microsoft.com/office/drawing/2014/main" id="{FBFDD4C7-7475-453C-B15D-B08DA963C535}"/>
+                </a:ext>
+              </a:extLst>
+            </p:cNvPr>
+            <p:cNvCxnSpPr>
+              <a:cxnSpLocks/>
+            </p:cNvCxnSpPr>
+            <p:nvPr/>
+          </p:nvCxnSpPr>
+          <p:spPr>
+            <a:xfrm rot="10800000" flipH="1">
+              <a:off x="7622593" y="2523068"/>
+              <a:ext cx="914400" cy="0"/>
+            </a:xfrm>
+            <a:prstGeom prst="line">
+              <a:avLst/>
+            </a:prstGeom>
+            <a:noFill/>
+            <a:ln w="12700" cap="flat" cmpd="sng" algn="ctr">
+              <a:solidFill>
+                <a:schemeClr val="tx1"/>
+              </a:solidFill>
+              <a:prstDash val="solid"/>
+              <a:miter lim="800000"/>
+            </a:ln>
+            <a:effectLst/>
+          </p:spPr>
+        </p:cxnSp>
+        <p:cxnSp>
+          <p:nvCxnSpPr>
+            <p:cNvPr id="38" name="Straight Connector 37">
+              <a:extLst>
+                <a:ext uri="{FF2B5EF4-FFF2-40B4-BE49-F238E27FC236}">
+                  <a16:creationId xmlns:a16="http://schemas.microsoft.com/office/drawing/2014/main" id="{F99E736F-321A-4063-BDAC-76A568CB2EE4}"/>
+                </a:ext>
+              </a:extLst>
+            </p:cNvPr>
+            <p:cNvCxnSpPr>
+              <a:cxnSpLocks/>
+            </p:cNvCxnSpPr>
+            <p:nvPr/>
+          </p:nvCxnSpPr>
+          <p:spPr>
+            <a:xfrm rot="10800000" flipH="1">
+              <a:off x="8079793" y="1839384"/>
+              <a:ext cx="0" cy="457200"/>
+            </a:xfrm>
+            <a:prstGeom prst="line">
+              <a:avLst/>
+            </a:prstGeom>
+            <a:noFill/>
+            <a:ln w="76200" cap="flat" cmpd="sng" algn="ctr">
+              <a:solidFill>
+                <a:schemeClr val="tx1"/>
+              </a:solidFill>
+              <a:prstDash val="solid"/>
+              <a:miter lim="800000"/>
+            </a:ln>
+            <a:effectLst/>
+          </p:spPr>
+        </p:cxnSp>
+      </p:grpSp>
+      <p:cxnSp>
+        <p:nvCxnSpPr>
+          <p:cNvPr id="39" name="Straight Connector 38">
+            <a:extLst>
+              <a:ext uri="{FF2B5EF4-FFF2-40B4-BE49-F238E27FC236}">
+                <a16:creationId xmlns:a16="http://schemas.microsoft.com/office/drawing/2014/main" id="{0DF8438D-B49C-4543-973A-F9E7113B0D6B}"/>
+              </a:ext>
+            </a:extLst>
+          </p:cNvPr>
+          <p:cNvCxnSpPr>
+            <a:cxnSpLocks/>
+          </p:cNvCxnSpPr>
+          <p:nvPr/>
+        </p:nvCxnSpPr>
+        <p:spPr>
+          <a:xfrm>
+            <a:off x="7243814" y="4475221"/>
+            <a:ext cx="1111382" cy="0"/>
+          </a:xfrm>
+          <a:prstGeom prst="line">
+            <a:avLst/>
+          </a:prstGeom>
+          <a:noFill/>
+          <a:ln w="12700" cap="flat" cmpd="sng" algn="ctr">
+            <a:solidFill>
+              <a:schemeClr val="tx1"/>
+            </a:solidFill>
+            <a:prstDash val="solid"/>
+            <a:miter lim="800000"/>
+          </a:ln>
+          <a:effectLst/>
+        </p:spPr>
+      </p:cxnSp>
+      <p:cxnSp>
+        <p:nvCxnSpPr>
+          <p:cNvPr id="41" name="Straight Connector 40">
+            <a:extLst>
+              <a:ext uri="{FF2B5EF4-FFF2-40B4-BE49-F238E27FC236}">
+                <a16:creationId xmlns:a16="http://schemas.microsoft.com/office/drawing/2014/main" id="{C624C2C9-7EB9-4FBE-9391-8C6A8E546221}"/>
+              </a:ext>
+            </a:extLst>
+          </p:cNvPr>
+          <p:cNvCxnSpPr>
+            <a:cxnSpLocks/>
+          </p:cNvCxnSpPr>
+          <p:nvPr/>
+        </p:nvCxnSpPr>
+        <p:spPr>
+          <a:xfrm flipV="1">
+            <a:off x="6096000" y="3332221"/>
+            <a:ext cx="0" cy="1371600"/>
+          </a:xfrm>
+          <a:prstGeom prst="line">
+            <a:avLst/>
+          </a:prstGeom>
+          <a:noFill/>
+          <a:ln w="12700" cap="flat" cmpd="sng" algn="ctr">
+            <a:solidFill>
+              <a:schemeClr val="tx1"/>
+            </a:solidFill>
+            <a:prstDash val="solid"/>
+            <a:miter lim="800000"/>
+          </a:ln>
+          <a:effectLst/>
+        </p:spPr>
+      </p:cxnSp>
+      <p:sp>
+        <p:nvSpPr>
+          <p:cNvPr id="42" name="Rectangle 41">
+            <a:extLst>
+              <a:ext uri="{FF2B5EF4-FFF2-40B4-BE49-F238E27FC236}">
+                <a16:creationId xmlns:a16="http://schemas.microsoft.com/office/drawing/2014/main" id="{1383BA45-37AA-4AF4-8D45-FBE2E8C05E89}"/>
+              </a:ext>
+            </a:extLst>
+          </p:cNvPr>
+          <p:cNvSpPr/>
+          <p:nvPr/>
+        </p:nvSpPr>
+        <p:spPr>
+          <a:xfrm>
+            <a:off x="8355196" y="3066667"/>
+            <a:ext cx="981480" cy="1828800"/>
+          </a:xfrm>
+          <a:prstGeom prst="rect">
+            <a:avLst/>
+          </a:prstGeom>
+          <a:blipFill>
+            <a:blip r:embed="rId3">
+              <a:alphaModFix amt="20000"/>
+            </a:blip>
+            <a:tile tx="0" ty="0" sx="100000" sy="100000" flip="none" algn="tl"/>
+          </a:blipFill>
+          <a:ln w="12700">
+            <a:solidFill>
+              <a:schemeClr val="tx1"/>
+            </a:solidFill>
+          </a:ln>
+        </p:spPr>
+        <p:style>
+          <a:lnRef idx="2">
+            <a:schemeClr val="accent1">
+              <a:shade val="50000"/>
+            </a:schemeClr>
+          </a:lnRef>
+          <a:fillRef idx="1">
+            <a:schemeClr val="accent1"/>
+          </a:fillRef>
+          <a:effectRef idx="0">
+            <a:schemeClr val="accent1"/>
+          </a:effectRef>
+          <a:fontRef idx="minor">
+            <a:schemeClr val="lt1"/>
+          </a:fontRef>
+        </p:style>
+        <p:txBody>
+          <a:bodyPr rtlCol="0" anchor="ctr"/>
+          <a:lstStyle/>
+          <a:p>
+            <a:pPr algn="ctr"/>
+            <a:endParaRPr lang="en-US"/>
+          </a:p>
+        </p:txBody>
+      </p:sp>
+      <p:cxnSp>
+        <p:nvCxnSpPr>
+          <p:cNvPr id="49" name="Straight Connector 48">
+            <a:extLst>
+              <a:ext uri="{FF2B5EF4-FFF2-40B4-BE49-F238E27FC236}">
+                <a16:creationId xmlns:a16="http://schemas.microsoft.com/office/drawing/2014/main" id="{C73ADCCE-B139-4620-8A98-E99A56232A03}"/>
+              </a:ext>
+            </a:extLst>
+          </p:cNvPr>
+          <p:cNvCxnSpPr>
+            <a:cxnSpLocks/>
+          </p:cNvCxnSpPr>
+          <p:nvPr/>
+        </p:nvCxnSpPr>
+        <p:spPr>
+          <a:xfrm>
+            <a:off x="8845936" y="2838067"/>
+            <a:ext cx="457200" cy="0"/>
+          </a:xfrm>
+          <a:prstGeom prst="line">
+            <a:avLst/>
+          </a:prstGeom>
+          <a:noFill/>
+          <a:ln w="9525" cap="flat" cmpd="sng" algn="ctr">
+            <a:solidFill>
+              <a:schemeClr val="accent1"/>
+            </a:solidFill>
+            <a:prstDash val="solid"/>
+            <a:miter lim="800000"/>
+            <a:tailEnd type="stealth"/>
+          </a:ln>
+          <a:effectLst/>
+        </p:spPr>
+      </p:cxnSp>
+      <p:cxnSp>
+        <p:nvCxnSpPr>
+          <p:cNvPr id="51" name="Straight Connector 50">
+            <a:extLst>
+              <a:ext uri="{FF2B5EF4-FFF2-40B4-BE49-F238E27FC236}">
+                <a16:creationId xmlns:a16="http://schemas.microsoft.com/office/drawing/2014/main" id="{B13135F4-B8AF-41B6-B005-BB5829623F20}"/>
+              </a:ext>
+            </a:extLst>
+          </p:cNvPr>
+          <p:cNvCxnSpPr>
+            <a:cxnSpLocks/>
+          </p:cNvCxnSpPr>
+          <p:nvPr/>
+        </p:nvCxnSpPr>
+        <p:spPr>
+          <a:xfrm>
+            <a:off x="9336676" y="3981067"/>
+            <a:ext cx="457200" cy="0"/>
+          </a:xfrm>
+          <a:prstGeom prst="line">
+            <a:avLst/>
+          </a:prstGeom>
+          <a:noFill/>
+          <a:ln w="9525" cap="flat" cmpd="sng" algn="ctr">
+            <a:solidFill>
+              <a:schemeClr val="accent6"/>
+            </a:solidFill>
+            <a:prstDash val="solid"/>
+            <a:miter lim="800000"/>
+            <a:tailEnd type="stealth"/>
+          </a:ln>
+          <a:effectLst/>
+        </p:spPr>
+      </p:cxnSp>
+    </p:spTree>
+    <p:extLst>
+      <p:ext uri="{BB962C8B-B14F-4D97-AF65-F5344CB8AC3E}">
+        <p14:creationId xmlns:p14="http://schemas.microsoft.com/office/powerpoint/2010/main" val="4190747098"/>
       </p:ext>
     </p:extLst>
   </p:cSld>
